--- a/trunk/Presentazione/Atsilo2/Luca/Luca_PresentazioneFinale.pptx
+++ b/trunk/Presentazione/Atsilo2/Luca/Luca_PresentazioneFinale.pptx
@@ -121,6 +121,78 @@
 </p:presentation>
 </file>
 
+<file path=ppt/commentAuthors.xml><?xml version="1.0" encoding="utf-8"?>
+<p:cmAuthorLst xmlns:a="http://schemas.openxmlformats.org/drawingml/2006/main" xmlns:r="http://schemas.openxmlformats.org/officeDocument/2006/relationships" xmlns:p="http://schemas.openxmlformats.org/presentationml/2006/main">
+  <p:cmAuthor id="0" name="Giulio" initials="GF" lastIdx="8" clrIdx="0"/>
+</p:cmAuthorLst>
+</file>
+
+<file path=ppt/comments/comment1.xml><?xml version="1.0" encoding="utf-8"?>
+<p:cmLst xmlns:a="http://schemas.openxmlformats.org/drawingml/2006/main" xmlns:r="http://schemas.openxmlformats.org/officeDocument/2006/relationships" xmlns:p="http://schemas.openxmlformats.org/presentationml/2006/main">
+  <p:cm authorId="0" dt="2012-12-30T14:38:47.282" idx="1">
+    <p:pos x="10" y="10"/>
+    <p:text>Potrebbe non servire, in dipendenza di cosa dicono gli altri</p:text>
+  </p:cm>
+</p:cmLst>
+</file>
+
+<file path=ppt/comments/comment2.xml><?xml version="1.0" encoding="utf-8"?>
+<p:cmLst xmlns:a="http://schemas.openxmlformats.org/drawingml/2006/main" xmlns:r="http://schemas.openxmlformats.org/officeDocument/2006/relationships" xmlns:p="http://schemas.openxmlformats.org/presentationml/2006/main">
+  <p:cm authorId="0" dt="2012-12-30T14:40:46.020" idx="2">
+    <p:pos x="2" y="10"/>
+    <p:text>Molto belle, queste tre slide, però assicurati di non sovrapporti ad altri degli altri team, come argomenti.
+Puoi controllare le bozze che girano su svn.</p:text>
+  </p:cm>
+</p:cmLst>
+</file>
+
+<file path=ppt/comments/comment3.xml><?xml version="1.0" encoding="utf-8"?>
+<p:cmLst xmlns:a="http://schemas.openxmlformats.org/drawingml/2006/main" xmlns:r="http://schemas.openxmlformats.org/officeDocument/2006/relationships" xmlns:p="http://schemas.openxmlformats.org/presentationml/2006/main">
+  <p:cm authorId="0" dt="2012-12-30T14:41:42.142" idx="3">
+    <p:pos x="10" y="10"/>
+    <p:text>Se possibile, parti subito col diagramma.
+Per una maggiore leggibilità, esportalo in un formato vettoriale (svg, wmf, ...).</p:text>
+  </p:cm>
+</p:cmLst>
+</file>
+
+<file path=ppt/comments/comment4.xml><?xml version="1.0" encoding="utf-8"?>
+<p:cmLst xmlns:a="http://schemas.openxmlformats.org/drawingml/2006/main" xmlns:r="http://schemas.openxmlformats.org/officeDocument/2006/relationships" xmlns:p="http://schemas.openxmlformats.org/presentationml/2006/main">
+  <p:cm authorId="0" dt="2012-12-30T14:44:57.761" idx="6">
+    <p:pos x="10" y="10"/>
+    <p:text>Per ricapitolare, potrebbe essere utile se, nel diagramma, inserisci le specializzazioni dell'attore EventPlanner.
+Leggendo utente del sistema, uno un'idea se la fa. EventPlanner, invece, a meno di ricordarlo, è difficilmente ricollegabile.</p:text>
+  </p:cm>
+</p:cmLst>
+</file>
+
+<file path=ppt/comments/comment5.xml><?xml version="1.0" encoding="utf-8"?>
+<p:cmLst xmlns:a="http://schemas.openxmlformats.org/drawingml/2006/main" xmlns:r="http://schemas.openxmlformats.org/officeDocument/2006/relationships" xmlns:p="http://schemas.openxmlformats.org/presentationml/2006/main">
+  <p:cm authorId="0" dt="2012-12-30T14:42:39.447" idx="4">
+    <p:pos x="10" y="10"/>
+    <p:text>Anche se non sono i tuoi, potrebbe essere una buona idea far riferimento ai casi d'uso relativi.</p:text>
+  </p:cm>
+</p:cmLst>
+</file>
+
+<file path=ppt/comments/comment6.xml><?xml version="1.0" encoding="utf-8"?>
+<p:cmLst xmlns:a="http://schemas.openxmlformats.org/drawingml/2006/main" xmlns:r="http://schemas.openxmlformats.org/officeDocument/2006/relationships" xmlns:p="http://schemas.openxmlformats.org/presentationml/2006/main">
+  <p:cm authorId="0" dt="2012-12-30T14:43:32.326" idx="5">
+    <p:pos x="5647" y="1196"/>
+    <p:text>E' un'affermazione forte, dovresti motivare le ragioni di questa scelta, almeno a voce.</p:text>
+  </p:cm>
+</p:cmLst>
+</file>
+
+<file path=ppt/comments/comment7.xml><?xml version="1.0" encoding="utf-8"?>
+<p:cmLst xmlns:a="http://schemas.openxmlformats.org/drawingml/2006/main" xmlns:r="http://schemas.openxmlformats.org/officeDocument/2006/relationships" xmlns:p="http://schemas.openxmlformats.org/presentationml/2006/main">
+  <p:cm authorId="0" dt="2012-12-30T14:49:20.556" idx="8">
+    <p:pos x="10" y="10"/>
+    <p:text>Ti ho aggiunto delle note sotto. Risistemale in modo che non sembrino mie.</p:text>
+  </p:cm>
+</p:cmLst>
+</file>
+
 <file path=ppt/notesMasters/notesMaster1.xml><?xml version="1.0" encoding="utf-8"?>
 <p:notesMaster xmlns:a="http://schemas.openxmlformats.org/drawingml/2006/main" xmlns:r="http://schemas.openxmlformats.org/officeDocument/2006/relationships" xmlns:p="http://schemas.openxmlformats.org/presentationml/2006/main">
   <p:cSld>
@@ -204,7 +276,7 @@
             <a:fld id="{38D78F4D-402C-46E0-A4BB-DF91EA86B14C}" type="datetimeFigureOut">
               <a:rPr lang="it-IT" smtClean="0"/>
               <a:pPr/>
-              <a:t>27/12/2012</a:t>
+              <a:t>30/12/2012</a:t>
             </a:fld>
             <a:endParaRPr lang="it-IT"/>
           </a:p>
@@ -373,7 +445,7 @@
     </p:spTree>
     <p:extLst>
       <p:ext uri="{BB962C8B-B14F-4D97-AF65-F5344CB8AC3E}">
-        <p14:creationId xmlns="" xmlns:p14="http://schemas.microsoft.com/office/powerpoint/2010/main" val="2126419590"/>
+        <p14:creationId xmlns:p14="http://schemas.microsoft.com/office/powerpoint/2010/main" xmlns="" val="2126419590"/>
       </p:ext>
     </p:extLst>
   </p:cSld>
@@ -691,6 +763,64 @@
           </a:bodyPr>
           <a:lstStyle/>
           <a:p>
+            <a:r>
+              <a:rPr lang="it-IT" dirty="0" err="1" smtClean="0"/>
+              <a:t>-----questo</a:t>
+            </a:r>
+            <a:r>
+              <a:rPr lang="it-IT" dirty="0" smtClean="0"/>
+              <a:t> non devi dirlo per forza</a:t>
+            </a:r>
+            <a:r>
+              <a:rPr lang="it-IT" baseline="0" dirty="0" smtClean="0"/>
+              <a:t>, ma può essere utile per rispondere a qualche </a:t>
+            </a:r>
+            <a:r>
+              <a:rPr lang="it-IT" baseline="0" dirty="0" err="1" smtClean="0"/>
+              <a:t>domanda-----</a:t>
+            </a:r>
+            <a:endParaRPr lang="it-IT" baseline="0" dirty="0" smtClean="0"/>
+          </a:p>
+          <a:p>
+            <a:r>
+              <a:rPr lang="it-IT" baseline="0" dirty="0" smtClean="0"/>
+              <a:t>NdR1: usiamo il singleton per evitare di creare un’istanza di </a:t>
+            </a:r>
+            <a:r>
+              <a:rPr lang="it-IT" baseline="0" dirty="0" err="1" smtClean="0"/>
+              <a:t>control</a:t>
+            </a:r>
+            <a:r>
+              <a:rPr lang="it-IT" baseline="0" dirty="0" smtClean="0"/>
+              <a:t> a ogni richiesta, poiché questo introdurrebbe un ritardo, e incrementerebbe l’utilizzo di memoria RAM.</a:t>
+            </a:r>
+            <a:endParaRPr lang="it-IT" dirty="0" smtClean="0"/>
+          </a:p>
+          <a:p>
+            <a:r>
+              <a:rPr lang="it-IT" dirty="0" smtClean="0"/>
+              <a:t>NdR2:</a:t>
+            </a:r>
+            <a:r>
+              <a:rPr lang="it-IT" baseline="0" dirty="0" smtClean="0"/>
+              <a:t> i </a:t>
+            </a:r>
+            <a:r>
+              <a:rPr lang="it-IT" baseline="0" dirty="0" err="1" smtClean="0"/>
+              <a:t>control</a:t>
+            </a:r>
+            <a:r>
+              <a:rPr lang="it-IT" baseline="0" dirty="0" smtClean="0"/>
+              <a:t> non hanno variabili di istanza, poiché queste sarebbero accedute in concorrenza da più </a:t>
+            </a:r>
+            <a:r>
+              <a:rPr lang="it-IT" baseline="0" dirty="0" err="1" smtClean="0"/>
+              <a:t>thread</a:t>
+            </a:r>
+            <a:r>
+              <a:rPr lang="it-IT" baseline="0" dirty="0" smtClean="0"/>
+              <a:t>, e quindi si avrebbero problemi di concorrenza.</a:t>
+            </a:r>
             <a:endParaRPr lang="it-IT" dirty="0"/>
           </a:p>
         </p:txBody>
@@ -1671,7 +1801,7 @@
             <a:fld id="{63CABBC0-75E4-43BB-A6A6-84C2A96BDB82}" type="datetimeFigureOut">
               <a:rPr lang="it-IT" smtClean="0"/>
               <a:pPr/>
-              <a:t>27/12/2012</a:t>
+              <a:t>30/12/2012</a:t>
             </a:fld>
             <a:endParaRPr lang="it-IT"/>
           </a:p>
@@ -1853,7 +1983,7 @@
             <a:fld id="{63CABBC0-75E4-43BB-A6A6-84C2A96BDB82}" type="datetimeFigureOut">
               <a:rPr lang="it-IT" smtClean="0"/>
               <a:pPr/>
-              <a:t>27/12/2012</a:t>
+              <a:t>30/12/2012</a:t>
             </a:fld>
             <a:endParaRPr lang="it-IT"/>
           </a:p>
@@ -2045,7 +2175,7 @@
             <a:fld id="{63CABBC0-75E4-43BB-A6A6-84C2A96BDB82}" type="datetimeFigureOut">
               <a:rPr lang="it-IT" smtClean="0"/>
               <a:pPr/>
-              <a:t>27/12/2012</a:t>
+              <a:t>30/12/2012</a:t>
             </a:fld>
             <a:endParaRPr lang="it-IT"/>
           </a:p>
@@ -2227,7 +2357,7 @@
             <a:fld id="{63CABBC0-75E4-43BB-A6A6-84C2A96BDB82}" type="datetimeFigureOut">
               <a:rPr lang="it-IT" smtClean="0"/>
               <a:pPr/>
-              <a:t>27/12/2012</a:t>
+              <a:t>30/12/2012</a:t>
             </a:fld>
             <a:endParaRPr lang="it-IT"/>
           </a:p>
@@ -2470,7 +2600,7 @@
             <a:fld id="{63CABBC0-75E4-43BB-A6A6-84C2A96BDB82}" type="datetimeFigureOut">
               <a:rPr lang="it-IT" smtClean="0"/>
               <a:pPr/>
-              <a:t>27/12/2012</a:t>
+              <a:t>30/12/2012</a:t>
             </a:fld>
             <a:endParaRPr lang="it-IT"/>
           </a:p>
@@ -2751,7 +2881,7 @@
             <a:fld id="{63CABBC0-75E4-43BB-A6A6-84C2A96BDB82}" type="datetimeFigureOut">
               <a:rPr lang="it-IT" smtClean="0"/>
               <a:pPr/>
-              <a:t>27/12/2012</a:t>
+              <a:t>30/12/2012</a:t>
             </a:fld>
             <a:endParaRPr lang="it-IT"/>
           </a:p>
@@ -3142,7 +3272,7 @@
             <a:fld id="{63CABBC0-75E4-43BB-A6A6-84C2A96BDB82}" type="datetimeFigureOut">
               <a:rPr lang="it-IT" smtClean="0"/>
               <a:pPr/>
-              <a:t>27/12/2012</a:t>
+              <a:t>30/12/2012</a:t>
             </a:fld>
             <a:endParaRPr lang="it-IT"/>
           </a:p>
@@ -3301,7 +3431,7 @@
             <a:fld id="{63CABBC0-75E4-43BB-A6A6-84C2A96BDB82}" type="datetimeFigureOut">
               <a:rPr lang="it-IT" smtClean="0"/>
               <a:pPr/>
-              <a:t>27/12/2012</a:t>
+              <a:t>30/12/2012</a:t>
             </a:fld>
             <a:endParaRPr lang="it-IT"/>
           </a:p>
@@ -3400,7 +3530,7 @@
             <a:fld id="{63CABBC0-75E4-43BB-A6A6-84C2A96BDB82}" type="datetimeFigureOut">
               <a:rPr lang="it-IT" smtClean="0"/>
               <a:pPr/>
-              <a:t>27/12/2012</a:t>
+              <a:t>30/12/2012</a:t>
             </a:fld>
             <a:endParaRPr lang="it-IT"/>
           </a:p>
@@ -3670,7 +3800,7 @@
             <a:fld id="{63CABBC0-75E4-43BB-A6A6-84C2A96BDB82}" type="datetimeFigureOut">
               <a:rPr lang="it-IT" smtClean="0"/>
               <a:pPr/>
-              <a:t>27/12/2012</a:t>
+              <a:t>30/12/2012</a:t>
             </a:fld>
             <a:endParaRPr lang="it-IT"/>
           </a:p>
@@ -3967,7 +4097,7 @@
             <a:fld id="{63CABBC0-75E4-43BB-A6A6-84C2A96BDB82}" type="datetimeFigureOut">
               <a:rPr lang="it-IT" smtClean="0"/>
               <a:pPr/>
-              <a:t>27/12/2012</a:t>
+              <a:t>30/12/2012</a:t>
             </a:fld>
             <a:endParaRPr lang="it-IT"/>
           </a:p>
@@ -4747,7 +4877,7 @@
             <a:fld id="{63CABBC0-75E4-43BB-A6A6-84C2A96BDB82}" type="datetimeFigureOut">
               <a:rPr lang="it-IT" smtClean="0"/>
               <a:pPr/>
-              <a:t>27/12/2012</a:t>
+              <a:t>30/12/2012</a:t>
             </a:fld>
             <a:endParaRPr lang="it-IT"/>
           </a:p>
@@ -5430,14 +5560,14 @@
           <p:nvPr>
             <p:extLst>
               <p:ext uri="{D42A27DB-BD31-4B8C-83A1-F6EECF244321}">
-                <p14:modId xmlns="" xmlns:p14="http://schemas.microsoft.com/office/powerpoint/2010/main" val="3478576524"/>
+                <p14:modId xmlns:p14="http://schemas.microsoft.com/office/powerpoint/2010/main" xmlns="" val="3478576524"/>
               </p:ext>
             </p:extLst>
           </p:nvPr>
         </p:nvGraphicFramePr>
         <p:xfrm>
-          <a:off x="29313" y="4572009"/>
-          <a:ext cx="2051720" cy="2377440"/>
+          <a:off x="179512" y="5517232"/>
+          <a:ext cx="2051720" cy="1188720"/>
         </p:xfrm>
         <a:graphic>
           <a:graphicData uri="http://schemas.openxmlformats.org/drawingml/2006/table">
@@ -5500,7 +5630,13 @@
                         <a:rPr lang="it-IT" sz="1400" dirty="0" smtClean="0">
                           <a:effectLst/>
                         </a:rPr>
-                        <a:t>..</a:t>
+                        <a:t>Luca Di</a:t>
+                      </a:r>
+                      <a:r>
+                        <a:rPr lang="it-IT" sz="1400" baseline="0" dirty="0" smtClean="0">
+                          <a:effectLst/>
+                        </a:rPr>
+                        <a:t> Costanzo</a:t>
                       </a:r>
                       <a:endParaRPr lang="it-IT" sz="1400" dirty="0">
                         <a:effectLst/>
@@ -5525,82 +5661,13 @@
                         <a:rPr lang="it-IT" sz="1400" dirty="0" smtClean="0">
                           <a:effectLst/>
                         </a:rPr>
-                        <a:t>..</a:t>
+                        <a:t>&lt;matricola</a:t>
                       </a:r>
-                      <a:endParaRPr lang="it-IT" sz="1400" dirty="0">
-                        <a:effectLst/>
-                      </a:endParaRPr>
-                    </a:p>
-                  </a:txBody>
-                  <a:tcPr marL="38100" marR="38100" marT="38100" marB="38100"/>
-                </a:tc>
-              </a:tr>
-              <a:tr h="381373">
-                <a:tc>
-                  <a:txBody>
-                    <a:bodyPr/>
-                    <a:lstStyle/>
-                    <a:p>
-                      <a:pPr algn="ctr" rtl="0">
-                        <a:lnSpc>
-                          <a:spcPct val="150000"/>
-                        </a:lnSpc>
-                      </a:pPr>
                       <a:r>
-                        <a:rPr lang="it-IT" sz="1400" dirty="0" smtClean="0">
+                        <a:rPr lang="it-IT" sz="1400" baseline="0" dirty="0" smtClean="0">
                           <a:effectLst/>
                         </a:rPr>
-                        <a:t>..</a:t>
-                      </a:r>
-                      <a:endParaRPr lang="it-IT" sz="1400" dirty="0">
-                        <a:effectLst/>
-                      </a:endParaRPr>
-                    </a:p>
-                  </a:txBody>
-                  <a:tcPr marL="38100" marR="38100" marT="38100" marB="38100"/>
-                </a:tc>
-              </a:tr>
-              <a:tr h="381373">
-                <a:tc>
-                  <a:txBody>
-                    <a:bodyPr/>
-                    <a:lstStyle/>
-                    <a:p>
-                      <a:pPr algn="ctr" rtl="0">
-                        <a:lnSpc>
-                          <a:spcPct val="150000"/>
-                        </a:lnSpc>
-                      </a:pPr>
-                      <a:r>
-                        <a:rPr lang="it-IT" sz="1400" dirty="0" smtClean="0">
-                          <a:effectLst/>
-                        </a:rPr>
-                        <a:t>..</a:t>
-                      </a:r>
-                      <a:endParaRPr lang="it-IT" sz="1400" dirty="0">
-                        <a:effectLst/>
-                      </a:endParaRPr>
-                    </a:p>
-                  </a:txBody>
-                  <a:tcPr marL="38100" marR="38100" marT="38100" marB="38100"/>
-                </a:tc>
-              </a:tr>
-              <a:tr h="365319">
-                <a:tc>
-                  <a:txBody>
-                    <a:bodyPr/>
-                    <a:lstStyle/>
-                    <a:p>
-                      <a:pPr algn="ctr" rtl="0">
-                        <a:lnSpc>
-                          <a:spcPct val="150000"/>
-                        </a:lnSpc>
-                      </a:pPr>
-                      <a:r>
-                        <a:rPr lang="it-IT" sz="1400" dirty="0" smtClean="0">
-                          <a:effectLst/>
-                        </a:rPr>
-                        <a:t>..</a:t>
+                        <a:t> qui&gt;</a:t>
                       </a:r>
                       <a:endParaRPr lang="it-IT" sz="1400" dirty="0">
                         <a:effectLst/>
@@ -5623,13 +5690,13 @@
           <p:nvPr>
             <p:extLst>
               <p:ext uri="{D42A27DB-BD31-4B8C-83A1-F6EECF244321}">
-                <p14:modId xmlns="" xmlns:p14="http://schemas.microsoft.com/office/powerpoint/2010/main" val="3696521689"/>
+                <p14:modId xmlns:p14="http://schemas.microsoft.com/office/powerpoint/2010/main" xmlns="" val="3696521689"/>
               </p:ext>
             </p:extLst>
           </p:nvPr>
         </p:nvGraphicFramePr>
         <p:xfrm>
-          <a:off x="7092280" y="6060793"/>
+          <a:off x="6948264" y="5877272"/>
           <a:ext cx="2051720" cy="792480"/>
         </p:xfrm>
         <a:graphic>
@@ -5710,10 +5777,10 @@
           <p:nvPr/>
         </p:nvPicPr>
         <p:blipFill>
-          <a:blip r:embed="rId3">
+          <a:blip r:embed="rId3" cstate="print">
             <a:extLst>
               <a:ext uri="{28A0092B-C50C-407E-A947-70E740481C1C}">
-                <a14:useLocalDpi xmlns="" xmlns:a14="http://schemas.microsoft.com/office/drawing/2010/main" val="0"/>
+                <a14:useLocalDpi xmlns:a14="http://schemas.microsoft.com/office/drawing/2010/main" xmlns="" val="0"/>
               </a:ext>
             </a:extLst>
           </a:blip>
@@ -5733,7 +5800,7 @@
           <a:noFill/>
           <a:extLst>
             <a:ext uri="{909E8E84-426E-40DD-AFC4-6F175D3DCCD1}">
-              <a14:hiddenFill xmlns="" xmlns:a14="http://schemas.microsoft.com/office/drawing/2010/main">
+              <a14:hiddenFill xmlns:a14="http://schemas.microsoft.com/office/drawing/2010/main" xmlns="">
                 <a:solidFill>
                   <a:srgbClr val="FFFFFF"/>
                 </a:solidFill>
@@ -5745,7 +5812,7 @@
     </p:spTree>
     <p:extLst>
       <p:ext uri="{BB962C8B-B14F-4D97-AF65-F5344CB8AC3E}">
-        <p14:creationId xmlns="" xmlns:p14="http://schemas.microsoft.com/office/powerpoint/2010/main" val="4165334171"/>
+        <p14:creationId xmlns:p14="http://schemas.microsoft.com/office/powerpoint/2010/main" xmlns="" val="4165334171"/>
       </p:ext>
     </p:extLst>
   </p:cSld>
@@ -5806,7 +5873,6 @@
               <a:rPr lang="it-IT" sz="4800" b="1" dirty="0" smtClean="0"/>
               <a:t>Gestione Eventi</a:t>
             </a:r>
-            <a:endParaRPr lang="it-IT" sz="4800" b="1" dirty="0" smtClean="0"/>
           </a:p>
           <a:p>
             <a:pPr algn="ctr"/>
@@ -5816,9 +5882,6 @@
               </a:rPr>
               <a:t>Modifica Evento</a:t>
             </a:r>
-            <a:endParaRPr lang="it-IT" sz="2800" b="1" dirty="0" smtClean="0">
-              <a:latin typeface="+mj-lt"/>
-            </a:endParaRPr>
           </a:p>
           <a:p>
             <a:pPr algn="ctr"/>
@@ -5854,7 +5917,6 @@
               <a:rPr lang="it-IT" sz="2400" dirty="0" smtClean="0"/>
               <a:t>E’ possibile modificare solo un evento creato dalla stessa persona che vuole effettuare la modifica. </a:t>
             </a:r>
-            <a:endParaRPr lang="it-IT" sz="2400" dirty="0" smtClean="0"/>
           </a:p>
         </p:txBody>
       </p:sp>
@@ -5867,7 +5929,7 @@
           <p:nvPr/>
         </p:nvPicPr>
         <p:blipFill>
-          <a:blip r:embed="rId3"/>
+          <a:blip r:embed="rId3" cstate="print"/>
           <a:srcRect/>
           <a:stretch>
             <a:fillRect/>
@@ -5887,7 +5949,7 @@
     </p:spTree>
     <p:extLst>
       <p:ext uri="{BB962C8B-B14F-4D97-AF65-F5344CB8AC3E}">
-        <p14:creationId xmlns="" xmlns:p14="http://schemas.microsoft.com/office/powerpoint/2010/main" val="155874689"/>
+        <p14:creationId xmlns:p14="http://schemas.microsoft.com/office/powerpoint/2010/main" xmlns="" val="155874689"/>
       </p:ext>
     </p:extLst>
   </p:cSld>
@@ -5895,7 +5957,7 @@
     <a:masterClrMapping/>
   </p:clrMapOvr>
   <mc:AlternateContent xmlns:mc="http://schemas.openxmlformats.org/markup-compatibility/2006">
-    <mc:Choice xmlns="" xmlns:p14="http://schemas.microsoft.com/office/powerpoint/2010/main" Requires="p14">
+    <mc:Choice xmlns:p14="http://schemas.microsoft.com/office/powerpoint/2010/main" xmlns="" Requires="p14">
       <p:transition spd="slow" p14:dur="2000"/>
     </mc:Choice>
     <mc:Fallback>
@@ -5956,7 +6018,6 @@
               <a:rPr lang="it-IT" sz="4800" b="1" dirty="0" smtClean="0"/>
               <a:t>Gestione Eventi</a:t>
             </a:r>
-            <a:endParaRPr lang="it-IT" sz="4800" b="1" dirty="0" smtClean="0"/>
           </a:p>
           <a:p>
             <a:pPr algn="ctr"/>
@@ -5964,17 +6025,8 @@
               <a:rPr lang="it-IT" sz="2800" b="1" dirty="0" smtClean="0">
                 <a:latin typeface="+mj-lt"/>
               </a:rPr>
-              <a:t>Rimozione </a:t>
-            </a:r>
-            <a:r>
-              <a:rPr lang="it-IT" sz="2800" b="1" dirty="0" smtClean="0">
-                <a:latin typeface="+mj-lt"/>
-              </a:rPr>
-              <a:t>Evento</a:t>
-            </a:r>
-            <a:endParaRPr lang="it-IT" sz="2800" b="1" dirty="0" smtClean="0">
-              <a:latin typeface="+mj-lt"/>
-            </a:endParaRPr>
+              <a:t>Rimozione Evento</a:t>
+            </a:r>
           </a:p>
           <a:p>
             <a:pPr algn="ctr"/>
@@ -6010,7 +6062,6 @@
               <a:rPr lang="it-IT" sz="2400" dirty="0" smtClean="0"/>
               <a:t>E’ possibile cancellare un evento. Per farlo bisogna essere l’autore dell’evento che decidiamo di eliminare.</a:t>
             </a:r>
-            <a:endParaRPr lang="it-IT" sz="2400" dirty="0" smtClean="0"/>
           </a:p>
         </p:txBody>
       </p:sp>
@@ -6043,7 +6094,7 @@
     </p:spTree>
     <p:extLst>
       <p:ext uri="{BB962C8B-B14F-4D97-AF65-F5344CB8AC3E}">
-        <p14:creationId xmlns="" xmlns:p14="http://schemas.microsoft.com/office/powerpoint/2010/main" val="155874689"/>
+        <p14:creationId xmlns:p14="http://schemas.microsoft.com/office/powerpoint/2010/main" xmlns="" val="155874689"/>
       </p:ext>
     </p:extLst>
   </p:cSld>
@@ -6051,7 +6102,7 @@
     <a:masterClrMapping/>
   </p:clrMapOvr>
   <mc:AlternateContent xmlns:mc="http://schemas.openxmlformats.org/markup-compatibility/2006">
-    <mc:Choice xmlns="" xmlns:p14="http://schemas.microsoft.com/office/powerpoint/2010/main" Requires="p14">
+    <mc:Choice xmlns:p14="http://schemas.microsoft.com/office/powerpoint/2010/main" xmlns="" Requires="p14">
       <p:transition spd="slow" p14:dur="2000"/>
     </mc:Choice>
     <mc:Fallback>
@@ -6112,7 +6163,6 @@
               <a:rPr lang="it-IT" sz="4800" b="1" dirty="0" smtClean="0"/>
               <a:t>Gestione Eventi</a:t>
             </a:r>
-            <a:endParaRPr lang="it-IT" sz="4800" b="1" dirty="0" smtClean="0"/>
           </a:p>
           <a:p>
             <a:pPr algn="ctr"/>
@@ -6122,9 +6172,6 @@
               </a:rPr>
               <a:t>Singleton Pattern</a:t>
             </a:r>
-            <a:endParaRPr lang="it-IT" sz="2800" b="1" dirty="0" smtClean="0">
-              <a:latin typeface="+mj-lt"/>
-            </a:endParaRPr>
           </a:p>
           <a:p>
             <a:pPr algn="ctr"/>
@@ -6179,7 +6226,6 @@
               <a:rPr lang="it-IT" sz="2400" dirty="0" smtClean="0"/>
               <a:t> permette di realizzare una sola istanza di una determinata classe fornendo un punto d’accesso globale a tale istanza.</a:t>
             </a:r>
-            <a:endParaRPr lang="it-IT" sz="2400" dirty="0" smtClean="0"/>
           </a:p>
         </p:txBody>
       </p:sp>
@@ -6192,7 +6238,7 @@
           <p:nvPr/>
         </p:nvPicPr>
         <p:blipFill>
-          <a:blip r:embed="rId3"/>
+          <a:blip r:embed="rId3" cstate="print"/>
           <a:srcRect/>
           <a:stretch>
             <a:fillRect/>
@@ -6218,7 +6264,7 @@
           <p:nvPr/>
         </p:nvPicPr>
         <p:blipFill>
-          <a:blip r:embed="rId4"/>
+          <a:blip r:embed="rId4" cstate="print"/>
           <a:srcRect/>
           <a:stretch>
             <a:fillRect/>
@@ -6238,7 +6284,7 @@
     </p:spTree>
     <p:extLst>
       <p:ext uri="{BB962C8B-B14F-4D97-AF65-F5344CB8AC3E}">
-        <p14:creationId xmlns="" xmlns:p14="http://schemas.microsoft.com/office/powerpoint/2010/main" val="155874689"/>
+        <p14:creationId xmlns:p14="http://schemas.microsoft.com/office/powerpoint/2010/main" xmlns="" val="155874689"/>
       </p:ext>
     </p:extLst>
   </p:cSld>
@@ -6246,7 +6292,7 @@
     <a:masterClrMapping/>
   </p:clrMapOvr>
   <mc:AlternateContent xmlns:mc="http://schemas.openxmlformats.org/markup-compatibility/2006">
-    <mc:Choice xmlns="" xmlns:p14="http://schemas.microsoft.com/office/powerpoint/2010/main" Requires="p14">
+    <mc:Choice xmlns:p14="http://schemas.microsoft.com/office/powerpoint/2010/main" xmlns="" Requires="p14">
       <p:transition spd="slow" p14:dur="2000"/>
     </mc:Choice>
     <mc:Fallback>
@@ -6521,7 +6567,7 @@
     </p:spTree>
     <p:extLst>
       <p:ext uri="{BB962C8B-B14F-4D97-AF65-F5344CB8AC3E}">
-        <p14:creationId xmlns="" xmlns:p14="http://schemas.microsoft.com/office/powerpoint/2010/main" val="155874689"/>
+        <p14:creationId xmlns:p14="http://schemas.microsoft.com/office/powerpoint/2010/main" xmlns="" val="155874689"/>
       </p:ext>
     </p:extLst>
   </p:cSld>
@@ -6529,7 +6575,7 @@
     <a:masterClrMapping/>
   </p:clrMapOvr>
   <mc:AlternateContent xmlns:mc="http://schemas.openxmlformats.org/markup-compatibility/2006">
-    <mc:Choice xmlns="" xmlns:p14="http://schemas.microsoft.com/office/powerpoint/2010/main" Requires="p14">
+    <mc:Choice xmlns:p14="http://schemas.microsoft.com/office/powerpoint/2010/main" xmlns="" Requires="p14">
       <p:transition spd="slow" p14:dur="2000"/>
     </mc:Choice>
     <mc:Fallback>
@@ -6877,7 +6923,7 @@
     </p:spTree>
     <p:extLst>
       <p:ext uri="{BB962C8B-B14F-4D97-AF65-F5344CB8AC3E}">
-        <p14:creationId xmlns="" xmlns:p14="http://schemas.microsoft.com/office/powerpoint/2010/main" val="155874689"/>
+        <p14:creationId xmlns:p14="http://schemas.microsoft.com/office/powerpoint/2010/main" xmlns="" val="155874689"/>
       </p:ext>
     </p:extLst>
   </p:cSld>
@@ -6885,7 +6931,7 @@
     <a:masterClrMapping/>
   </p:clrMapOvr>
   <mc:AlternateContent xmlns:mc="http://schemas.openxmlformats.org/markup-compatibility/2006">
-    <mc:Choice xmlns="" xmlns:p14="http://schemas.microsoft.com/office/powerpoint/2010/main" Requires="p14">
+    <mc:Choice xmlns:p14="http://schemas.microsoft.com/office/powerpoint/2010/main" xmlns="" Requires="p14">
       <p:transition spd="slow" p14:dur="2000"/>
     </mc:Choice>
     <mc:Fallback>
@@ -7218,7 +7264,7 @@
           <p:nvPr/>
         </p:nvPicPr>
         <p:blipFill>
-          <a:blip r:embed="rId3"/>
+          <a:blip r:embed="rId3" cstate="print"/>
           <a:srcRect/>
           <a:stretch>
             <a:fillRect/>
@@ -7238,7 +7284,7 @@
     </p:spTree>
     <p:extLst>
       <p:ext uri="{BB962C8B-B14F-4D97-AF65-F5344CB8AC3E}">
-        <p14:creationId xmlns="" xmlns:p14="http://schemas.microsoft.com/office/powerpoint/2010/main" val="155874689"/>
+        <p14:creationId xmlns:p14="http://schemas.microsoft.com/office/powerpoint/2010/main" xmlns="" val="155874689"/>
       </p:ext>
     </p:extLst>
   </p:cSld>
@@ -7246,7 +7292,7 @@
     <a:masterClrMapping/>
   </p:clrMapOvr>
   <mc:AlternateContent xmlns:mc="http://schemas.openxmlformats.org/markup-compatibility/2006">
-    <mc:Choice xmlns="" xmlns:p14="http://schemas.microsoft.com/office/powerpoint/2010/main" Requires="p14">
+    <mc:Choice xmlns:p14="http://schemas.microsoft.com/office/powerpoint/2010/main" xmlns="" Requires="p14">
       <p:transition spd="slow" p14:dur="2000"/>
     </mc:Choice>
     <mc:Fallback>
@@ -7363,7 +7409,7 @@
           <p:nvPr/>
         </p:nvPicPr>
         <p:blipFill>
-          <a:blip r:embed="rId3"/>
+          <a:blip r:embed="rId3" cstate="print"/>
           <a:srcRect/>
           <a:stretch>
             <a:fillRect/>
@@ -7383,7 +7429,7 @@
     </p:spTree>
     <p:extLst>
       <p:ext uri="{BB962C8B-B14F-4D97-AF65-F5344CB8AC3E}">
-        <p14:creationId xmlns="" xmlns:p14="http://schemas.microsoft.com/office/powerpoint/2010/main" val="155874689"/>
+        <p14:creationId xmlns:p14="http://schemas.microsoft.com/office/powerpoint/2010/main" xmlns="" val="155874689"/>
       </p:ext>
     </p:extLst>
   </p:cSld>
@@ -7391,7 +7437,7 @@
     <a:masterClrMapping/>
   </p:clrMapOvr>
   <mc:AlternateContent xmlns:mc="http://schemas.openxmlformats.org/markup-compatibility/2006">
-    <mc:Choice xmlns="" xmlns:p14="http://schemas.microsoft.com/office/powerpoint/2010/main" Requires="p14">
+    <mc:Choice xmlns:p14="http://schemas.microsoft.com/office/powerpoint/2010/main" xmlns="" Requires="p14">
       <p:transition spd="slow" p14:dur="2000"/>
     </mc:Choice>
     <mc:Fallback>
@@ -7452,7 +7498,6 @@
               <a:rPr lang="it-IT" sz="4800" b="1" dirty="0" smtClean="0"/>
               <a:t>Gestione Eventi</a:t>
             </a:r>
-            <a:endParaRPr lang="it-IT" sz="4800" b="1" dirty="0" smtClean="0"/>
           </a:p>
           <a:p>
             <a:pPr algn="ctr"/>
@@ -7488,7 +7533,6 @@
               <a:rPr lang="it-IT" sz="2600" dirty="0" smtClean="0"/>
               <a:t>Il nostro sistema permette di gestire gli eventi che coinvolgono gli iscritti all’asilo.</a:t>
             </a:r>
-            <a:endParaRPr lang="it-IT" sz="2600" dirty="0" smtClean="0"/>
           </a:p>
           <a:p>
             <a:pPr algn="just"/>
@@ -7496,7 +7540,6 @@
               <a:rPr lang="it-IT" sz="2600" dirty="0" smtClean="0"/>
               <a:t>Alcune delle possibili operazioni sono :</a:t>
             </a:r>
-            <a:endParaRPr lang="it-IT" sz="2600" dirty="0" smtClean="0"/>
           </a:p>
         </p:txBody>
       </p:sp>
@@ -7692,7 +7735,6 @@
               <a:rPr lang="it-IT" dirty="0" smtClean="0"/>
               <a:t>Inserimento Eventi</a:t>
             </a:r>
-            <a:endParaRPr lang="it-IT" dirty="0" smtClean="0"/>
           </a:p>
           <a:p>
             <a:pPr lvl="1"/>
@@ -7700,7 +7742,6 @@
               <a:rPr lang="it-IT" dirty="0" smtClean="0"/>
               <a:t>Modifica Eventi</a:t>
             </a:r>
-            <a:endParaRPr lang="it-IT" dirty="0" smtClean="0"/>
           </a:p>
           <a:p>
             <a:pPr lvl="1"/>
@@ -7708,14 +7749,13 @@
               <a:rPr lang="it-IT" dirty="0" smtClean="0"/>
               <a:t>Rimozione Eventi</a:t>
             </a:r>
-            <a:endParaRPr lang="it-IT" dirty="0" smtClean="0"/>
           </a:p>
         </p:txBody>
       </p:sp>
     </p:spTree>
     <p:extLst>
       <p:ext uri="{BB962C8B-B14F-4D97-AF65-F5344CB8AC3E}">
-        <p14:creationId xmlns="" xmlns:p14="http://schemas.microsoft.com/office/powerpoint/2010/main" val="155874689"/>
+        <p14:creationId xmlns:p14="http://schemas.microsoft.com/office/powerpoint/2010/main" xmlns="" val="155874689"/>
       </p:ext>
     </p:extLst>
   </p:cSld>
@@ -7723,7 +7763,7 @@
     <a:masterClrMapping/>
   </p:clrMapOvr>
   <mc:AlternateContent xmlns:mc="http://schemas.openxmlformats.org/markup-compatibility/2006">
-    <mc:Choice xmlns="" xmlns:p14="http://schemas.microsoft.com/office/powerpoint/2010/main" Requires="p14">
+    <mc:Choice xmlns:p14="http://schemas.microsoft.com/office/powerpoint/2010/main" xmlns="" Requires="p14">
       <p:transition spd="slow" p14:dur="2000"/>
     </mc:Choice>
     <mc:Fallback>
@@ -7784,7 +7824,6 @@
               <a:rPr lang="it-IT" sz="4800" b="1" dirty="0" smtClean="0"/>
               <a:t>Gestione Eventi</a:t>
             </a:r>
-            <a:endParaRPr lang="it-IT" sz="4800" b="1" dirty="0" smtClean="0"/>
           </a:p>
           <a:p>
             <a:pPr algn="ctr"/>
@@ -7803,7 +7842,7 @@
           <p:nvPr/>
         </p:nvPicPr>
         <p:blipFill>
-          <a:blip r:embed="rId3"/>
+          <a:blip r:embed="rId3" cstate="print"/>
           <a:srcRect/>
           <a:stretch>
             <a:fillRect/>
@@ -7823,7 +7862,7 @@
     </p:spTree>
     <p:extLst>
       <p:ext uri="{BB962C8B-B14F-4D97-AF65-F5344CB8AC3E}">
-        <p14:creationId xmlns="" xmlns:p14="http://schemas.microsoft.com/office/powerpoint/2010/main" val="155874689"/>
+        <p14:creationId xmlns:p14="http://schemas.microsoft.com/office/powerpoint/2010/main" xmlns="" val="155874689"/>
       </p:ext>
     </p:extLst>
   </p:cSld>
@@ -7831,7 +7870,7 @@
     <a:masterClrMapping/>
   </p:clrMapOvr>
   <mc:AlternateContent xmlns:mc="http://schemas.openxmlformats.org/markup-compatibility/2006">
-    <mc:Choice xmlns="" xmlns:p14="http://schemas.microsoft.com/office/powerpoint/2010/main" Requires="p14">
+    <mc:Choice xmlns:p14="http://schemas.microsoft.com/office/powerpoint/2010/main" xmlns="" Requires="p14">
       <p:transition spd="slow" p14:dur="2000"/>
     </mc:Choice>
     <mc:Fallback>
@@ -7892,7 +7931,6 @@
               <a:rPr lang="it-IT" sz="4800" b="1" dirty="0" smtClean="0"/>
               <a:t>Gestione Eventi</a:t>
             </a:r>
-            <a:endParaRPr lang="it-IT" sz="4800" b="1" dirty="0" smtClean="0"/>
           </a:p>
           <a:p>
             <a:pPr algn="ctr"/>
@@ -7902,9 +7940,6 @@
               </a:rPr>
               <a:t>Visualizzazione Evento</a:t>
             </a:r>
-            <a:endParaRPr lang="it-IT" sz="2800" b="1" dirty="0" smtClean="0">
-              <a:latin typeface="+mj-lt"/>
-            </a:endParaRPr>
           </a:p>
           <a:p>
             <a:pPr algn="ctr"/>
@@ -7940,7 +7975,6 @@
               <a:rPr lang="it-IT" sz="2400" dirty="0" smtClean="0"/>
               <a:t>Selezionando un giorno dal calendario è possibile visualizzare tutti gli eventi per quella specifica data.</a:t>
             </a:r>
-            <a:endParaRPr lang="it-IT" sz="2400" dirty="0" smtClean="0"/>
           </a:p>
         </p:txBody>
       </p:sp>
@@ -7953,7 +7987,7 @@
           <p:nvPr/>
         </p:nvPicPr>
         <p:blipFill>
-          <a:blip r:embed="rId3"/>
+          <a:blip r:embed="rId3" cstate="print"/>
           <a:srcRect/>
           <a:stretch>
             <a:fillRect/>
@@ -7999,7 +8033,7 @@
     </p:spTree>
     <p:extLst>
       <p:ext uri="{BB962C8B-B14F-4D97-AF65-F5344CB8AC3E}">
-        <p14:creationId xmlns="" xmlns:p14="http://schemas.microsoft.com/office/powerpoint/2010/main" val="155874689"/>
+        <p14:creationId xmlns:p14="http://schemas.microsoft.com/office/powerpoint/2010/main" xmlns="" val="155874689"/>
       </p:ext>
     </p:extLst>
   </p:cSld>
@@ -8007,7 +8041,7 @@
     <a:masterClrMapping/>
   </p:clrMapOvr>
   <mc:AlternateContent xmlns:mc="http://schemas.openxmlformats.org/markup-compatibility/2006">
-    <mc:Choice xmlns="" xmlns:p14="http://schemas.microsoft.com/office/powerpoint/2010/main" Requires="p14">
+    <mc:Choice xmlns:p14="http://schemas.microsoft.com/office/powerpoint/2010/main" xmlns="" Requires="p14">
       <p:transition spd="slow" p14:dur="2000"/>
     </mc:Choice>
     <mc:Fallback>
@@ -8068,7 +8102,6 @@
               <a:rPr lang="it-IT" sz="4800" b="1" dirty="0" smtClean="0"/>
               <a:t>Gestione Eventi</a:t>
             </a:r>
-            <a:endParaRPr lang="it-IT" sz="4800" b="1" dirty="0" smtClean="0"/>
           </a:p>
           <a:p>
             <a:pPr algn="ctr"/>
@@ -8078,9 +8111,6 @@
               </a:rPr>
               <a:t>Inserimento Evento</a:t>
             </a:r>
-            <a:endParaRPr lang="it-IT" sz="2800" b="1" dirty="0" smtClean="0">
-              <a:latin typeface="+mj-lt"/>
-            </a:endParaRPr>
           </a:p>
           <a:p>
             <a:pPr algn="ctr"/>
@@ -8124,7 +8154,6 @@
               <a:rPr lang="it-IT" sz="2400" dirty="0" smtClean="0"/>
               <a:t>. E’ possibile allegare un file contenente il programma dell’evento.</a:t>
             </a:r>
-            <a:endParaRPr lang="it-IT" sz="2400" dirty="0" smtClean="0"/>
           </a:p>
         </p:txBody>
       </p:sp>
@@ -8137,7 +8166,7 @@
           <p:nvPr/>
         </p:nvPicPr>
         <p:blipFill>
-          <a:blip r:embed="rId3"/>
+          <a:blip r:embed="rId3" cstate="print"/>
           <a:srcRect/>
           <a:stretch>
             <a:fillRect/>
@@ -8157,7 +8186,7 @@
     </p:spTree>
     <p:extLst>
       <p:ext uri="{BB962C8B-B14F-4D97-AF65-F5344CB8AC3E}">
-        <p14:creationId xmlns="" xmlns:p14="http://schemas.microsoft.com/office/powerpoint/2010/main" val="155874689"/>
+        <p14:creationId xmlns:p14="http://schemas.microsoft.com/office/powerpoint/2010/main" xmlns="" val="155874689"/>
       </p:ext>
     </p:extLst>
   </p:cSld>
@@ -8165,7 +8194,7 @@
     <a:masterClrMapping/>
   </p:clrMapOvr>
   <mc:AlternateContent xmlns:mc="http://schemas.openxmlformats.org/markup-compatibility/2006">
-    <mc:Choice xmlns="" xmlns:p14="http://schemas.microsoft.com/office/powerpoint/2010/main" Requires="p14">
+    <mc:Choice xmlns:p14="http://schemas.microsoft.com/office/powerpoint/2010/main" xmlns="" Requires="p14">
       <p:transition spd="slow" p14:dur="2000"/>
     </mc:Choice>
     <mc:Fallback>

--- a/trunk/Presentazione/Atsilo2/Luca/Luca_PresentazioneFinale.pptx
+++ b/trunk/Presentazione/Atsilo2/Luca/Luca_PresentazioneFinale.pptx
@@ -276,7 +276,7 @@
             <a:fld id="{38D78F4D-402C-46E0-A4BB-DF91EA86B14C}" type="datetimeFigureOut">
               <a:rPr lang="it-IT" smtClean="0"/>
               <a:pPr/>
-              <a:t>30/12/2012</a:t>
+              <a:t>02/01/2013</a:t>
             </a:fld>
             <a:endParaRPr lang="it-IT"/>
           </a:p>
@@ -445,7 +445,7 @@
     </p:spTree>
     <p:extLst>
       <p:ext uri="{BB962C8B-B14F-4D97-AF65-F5344CB8AC3E}">
-        <p14:creationId xmlns:p14="http://schemas.microsoft.com/office/powerpoint/2010/main" xmlns="" val="2126419590"/>
+        <p14:creationId xmlns="" xmlns:p14="http://schemas.microsoft.com/office/powerpoint/2010/main" val="2126419590"/>
       </p:ext>
     </p:extLst>
   </p:cSld>
@@ -764,27 +764,12 @@
           <a:lstStyle/>
           <a:p>
             <a:r>
-              <a:rPr lang="it-IT" dirty="0" err="1" smtClean="0"/>
-              <a:t>-----questo</a:t>
-            </a:r>
-            <a:r>
-              <a:rPr lang="it-IT" dirty="0" smtClean="0"/>
-              <a:t> non devi dirlo per forza</a:t>
-            </a:r>
-            <a:r>
               <a:rPr lang="it-IT" baseline="0" dirty="0" smtClean="0"/>
-              <a:t>, ma può essere utile per rispondere a qualche </a:t>
-            </a:r>
-            <a:r>
-              <a:rPr lang="it-IT" baseline="0" dirty="0" err="1" smtClean="0"/>
-              <a:t>domanda-----</a:t>
-            </a:r>
-            <a:endParaRPr lang="it-IT" baseline="0" dirty="0" smtClean="0"/>
-          </a:p>
-          <a:p>
+              <a:t>Nota numero 1: il singleton pattern viene utilizzato </a:t>
+            </a:r>
             <a:r>
               <a:rPr lang="it-IT" baseline="0" dirty="0" smtClean="0"/>
-              <a:t>NdR1: usiamo il singleton per evitare di creare un’istanza di </a:t>
+              <a:t>per evitare di creare un’istanza di </a:t>
             </a:r>
             <a:r>
               <a:rPr lang="it-IT" baseline="0" dirty="0" err="1" smtClean="0"/>
@@ -799,11 +784,11 @@
           <a:p>
             <a:r>
               <a:rPr lang="it-IT" dirty="0" smtClean="0"/>
-              <a:t>NdR2:</a:t>
+              <a:t>Nota numero 2:</a:t>
             </a:r>
             <a:r>
               <a:rPr lang="it-IT" baseline="0" dirty="0" smtClean="0"/>
-              <a:t> i </a:t>
+              <a:t> Non abbiamo variabili d’istanza per i </a:t>
             </a:r>
             <a:r>
               <a:rPr lang="it-IT" baseline="0" dirty="0" err="1" smtClean="0"/>
@@ -811,7 +796,11 @@
             </a:r>
             <a:r>
               <a:rPr lang="it-IT" baseline="0" dirty="0" smtClean="0"/>
-              <a:t> non hanno variabili di istanza, poiché queste sarebbero accedute in concorrenza da più </a:t>
+              <a:t>, poiché </a:t>
+            </a:r>
+            <a:r>
+              <a:rPr lang="it-IT" baseline="0" dirty="0" smtClean="0"/>
+              <a:t>queste sarebbero accedute in concorrenza da più </a:t>
             </a:r>
             <a:r>
               <a:rPr lang="it-IT" baseline="0" dirty="0" err="1" smtClean="0"/>
@@ -1801,7 +1790,7 @@
             <a:fld id="{63CABBC0-75E4-43BB-A6A6-84C2A96BDB82}" type="datetimeFigureOut">
               <a:rPr lang="it-IT" smtClean="0"/>
               <a:pPr/>
-              <a:t>30/12/2012</a:t>
+              <a:t>02/01/2013</a:t>
             </a:fld>
             <a:endParaRPr lang="it-IT"/>
           </a:p>
@@ -1983,7 +1972,7 @@
             <a:fld id="{63CABBC0-75E4-43BB-A6A6-84C2A96BDB82}" type="datetimeFigureOut">
               <a:rPr lang="it-IT" smtClean="0"/>
               <a:pPr/>
-              <a:t>30/12/2012</a:t>
+              <a:t>02/01/2013</a:t>
             </a:fld>
             <a:endParaRPr lang="it-IT"/>
           </a:p>
@@ -2175,7 +2164,7 @@
             <a:fld id="{63CABBC0-75E4-43BB-A6A6-84C2A96BDB82}" type="datetimeFigureOut">
               <a:rPr lang="it-IT" smtClean="0"/>
               <a:pPr/>
-              <a:t>30/12/2012</a:t>
+              <a:t>02/01/2013</a:t>
             </a:fld>
             <a:endParaRPr lang="it-IT"/>
           </a:p>
@@ -2357,7 +2346,7 @@
             <a:fld id="{63CABBC0-75E4-43BB-A6A6-84C2A96BDB82}" type="datetimeFigureOut">
               <a:rPr lang="it-IT" smtClean="0"/>
               <a:pPr/>
-              <a:t>30/12/2012</a:t>
+              <a:t>02/01/2013</a:t>
             </a:fld>
             <a:endParaRPr lang="it-IT"/>
           </a:p>
@@ -2600,7 +2589,7 @@
             <a:fld id="{63CABBC0-75E4-43BB-A6A6-84C2A96BDB82}" type="datetimeFigureOut">
               <a:rPr lang="it-IT" smtClean="0"/>
               <a:pPr/>
-              <a:t>30/12/2012</a:t>
+              <a:t>02/01/2013</a:t>
             </a:fld>
             <a:endParaRPr lang="it-IT"/>
           </a:p>
@@ -2881,7 +2870,7 @@
             <a:fld id="{63CABBC0-75E4-43BB-A6A6-84C2A96BDB82}" type="datetimeFigureOut">
               <a:rPr lang="it-IT" smtClean="0"/>
               <a:pPr/>
-              <a:t>30/12/2012</a:t>
+              <a:t>02/01/2013</a:t>
             </a:fld>
             <a:endParaRPr lang="it-IT"/>
           </a:p>
@@ -3272,7 +3261,7 @@
             <a:fld id="{63CABBC0-75E4-43BB-A6A6-84C2A96BDB82}" type="datetimeFigureOut">
               <a:rPr lang="it-IT" smtClean="0"/>
               <a:pPr/>
-              <a:t>30/12/2012</a:t>
+              <a:t>02/01/2013</a:t>
             </a:fld>
             <a:endParaRPr lang="it-IT"/>
           </a:p>
@@ -3431,7 +3420,7 @@
             <a:fld id="{63CABBC0-75E4-43BB-A6A6-84C2A96BDB82}" type="datetimeFigureOut">
               <a:rPr lang="it-IT" smtClean="0"/>
               <a:pPr/>
-              <a:t>30/12/2012</a:t>
+              <a:t>02/01/2013</a:t>
             </a:fld>
             <a:endParaRPr lang="it-IT"/>
           </a:p>
@@ -3530,7 +3519,7 @@
             <a:fld id="{63CABBC0-75E4-43BB-A6A6-84C2A96BDB82}" type="datetimeFigureOut">
               <a:rPr lang="it-IT" smtClean="0"/>
               <a:pPr/>
-              <a:t>30/12/2012</a:t>
+              <a:t>02/01/2013</a:t>
             </a:fld>
             <a:endParaRPr lang="it-IT"/>
           </a:p>
@@ -3800,7 +3789,7 @@
             <a:fld id="{63CABBC0-75E4-43BB-A6A6-84C2A96BDB82}" type="datetimeFigureOut">
               <a:rPr lang="it-IT" smtClean="0"/>
               <a:pPr/>
-              <a:t>30/12/2012</a:t>
+              <a:t>02/01/2013</a:t>
             </a:fld>
             <a:endParaRPr lang="it-IT"/>
           </a:p>
@@ -4097,7 +4086,7 @@
             <a:fld id="{63CABBC0-75E4-43BB-A6A6-84C2A96BDB82}" type="datetimeFigureOut">
               <a:rPr lang="it-IT" smtClean="0"/>
               <a:pPr/>
-              <a:t>30/12/2012</a:t>
+              <a:t>02/01/2013</a:t>
             </a:fld>
             <a:endParaRPr lang="it-IT"/>
           </a:p>
@@ -4877,7 +4866,7 @@
             <a:fld id="{63CABBC0-75E4-43BB-A6A6-84C2A96BDB82}" type="datetimeFigureOut">
               <a:rPr lang="it-IT" smtClean="0"/>
               <a:pPr/>
-              <a:t>30/12/2012</a:t>
+              <a:t>02/01/2013</a:t>
             </a:fld>
             <a:endParaRPr lang="it-IT"/>
           </a:p>
@@ -5560,7 +5549,7 @@
           <p:nvPr>
             <p:extLst>
               <p:ext uri="{D42A27DB-BD31-4B8C-83A1-F6EECF244321}">
-                <p14:modId xmlns:p14="http://schemas.microsoft.com/office/powerpoint/2010/main" xmlns="" val="3478576524"/>
+                <p14:modId xmlns="" xmlns:p14="http://schemas.microsoft.com/office/powerpoint/2010/main" val="3478576524"/>
               </p:ext>
             </p:extLst>
           </p:nvPr>
@@ -5690,7 +5679,7 @@
           <p:nvPr>
             <p:extLst>
               <p:ext uri="{D42A27DB-BD31-4B8C-83A1-F6EECF244321}">
-                <p14:modId xmlns:p14="http://schemas.microsoft.com/office/powerpoint/2010/main" xmlns="" val="3696521689"/>
+                <p14:modId xmlns="" xmlns:p14="http://schemas.microsoft.com/office/powerpoint/2010/main" val="3696521689"/>
               </p:ext>
             </p:extLst>
           </p:nvPr>
@@ -5780,7 +5769,7 @@
           <a:blip r:embed="rId3" cstate="print">
             <a:extLst>
               <a:ext uri="{28A0092B-C50C-407E-A947-70E740481C1C}">
-                <a14:useLocalDpi xmlns:a14="http://schemas.microsoft.com/office/drawing/2010/main" xmlns="" val="0"/>
+                <a14:useLocalDpi xmlns="" xmlns:a14="http://schemas.microsoft.com/office/drawing/2010/main" val="0"/>
               </a:ext>
             </a:extLst>
           </a:blip>
@@ -5800,7 +5789,7 @@
           <a:noFill/>
           <a:extLst>
             <a:ext uri="{909E8E84-426E-40DD-AFC4-6F175D3DCCD1}">
-              <a14:hiddenFill xmlns:a14="http://schemas.microsoft.com/office/drawing/2010/main" xmlns="">
+              <a14:hiddenFill xmlns="" xmlns:a14="http://schemas.microsoft.com/office/drawing/2010/main">
                 <a:solidFill>
                   <a:srgbClr val="FFFFFF"/>
                 </a:solidFill>
@@ -5812,7 +5801,7 @@
     </p:spTree>
     <p:extLst>
       <p:ext uri="{BB962C8B-B14F-4D97-AF65-F5344CB8AC3E}">
-        <p14:creationId xmlns:p14="http://schemas.microsoft.com/office/powerpoint/2010/main" xmlns="" val="4165334171"/>
+        <p14:creationId xmlns="" xmlns:p14="http://schemas.microsoft.com/office/powerpoint/2010/main" val="4165334171"/>
       </p:ext>
     </p:extLst>
   </p:cSld>
@@ -5949,7 +5938,7 @@
     </p:spTree>
     <p:extLst>
       <p:ext uri="{BB962C8B-B14F-4D97-AF65-F5344CB8AC3E}">
-        <p14:creationId xmlns:p14="http://schemas.microsoft.com/office/powerpoint/2010/main" xmlns="" val="155874689"/>
+        <p14:creationId xmlns="" xmlns:p14="http://schemas.microsoft.com/office/powerpoint/2010/main" val="155874689"/>
       </p:ext>
     </p:extLst>
   </p:cSld>
@@ -5957,7 +5946,7 @@
     <a:masterClrMapping/>
   </p:clrMapOvr>
   <mc:AlternateContent xmlns:mc="http://schemas.openxmlformats.org/markup-compatibility/2006">
-    <mc:Choice xmlns:p14="http://schemas.microsoft.com/office/powerpoint/2010/main" xmlns="" Requires="p14">
+    <mc:Choice xmlns="" xmlns:p14="http://schemas.microsoft.com/office/powerpoint/2010/main" Requires="p14">
       <p:transition spd="slow" p14:dur="2000"/>
     </mc:Choice>
     <mc:Fallback>
@@ -6094,7 +6083,7 @@
     </p:spTree>
     <p:extLst>
       <p:ext uri="{BB962C8B-B14F-4D97-AF65-F5344CB8AC3E}">
-        <p14:creationId xmlns:p14="http://schemas.microsoft.com/office/powerpoint/2010/main" xmlns="" val="155874689"/>
+        <p14:creationId xmlns="" xmlns:p14="http://schemas.microsoft.com/office/powerpoint/2010/main" val="155874689"/>
       </p:ext>
     </p:extLst>
   </p:cSld>
@@ -6102,7 +6091,7 @@
     <a:masterClrMapping/>
   </p:clrMapOvr>
   <mc:AlternateContent xmlns:mc="http://schemas.openxmlformats.org/markup-compatibility/2006">
-    <mc:Choice xmlns:p14="http://schemas.microsoft.com/office/powerpoint/2010/main" xmlns="" Requires="p14">
+    <mc:Choice xmlns="" xmlns:p14="http://schemas.microsoft.com/office/powerpoint/2010/main" Requires="p14">
       <p:transition spd="slow" p14:dur="2000"/>
     </mc:Choice>
     <mc:Fallback>
@@ -6284,7 +6273,7 @@
     </p:spTree>
     <p:extLst>
       <p:ext uri="{BB962C8B-B14F-4D97-AF65-F5344CB8AC3E}">
-        <p14:creationId xmlns:p14="http://schemas.microsoft.com/office/powerpoint/2010/main" xmlns="" val="155874689"/>
+        <p14:creationId xmlns="" xmlns:p14="http://schemas.microsoft.com/office/powerpoint/2010/main" val="155874689"/>
       </p:ext>
     </p:extLst>
   </p:cSld>
@@ -6292,7 +6281,7 @@
     <a:masterClrMapping/>
   </p:clrMapOvr>
   <mc:AlternateContent xmlns:mc="http://schemas.openxmlformats.org/markup-compatibility/2006">
-    <mc:Choice xmlns:p14="http://schemas.microsoft.com/office/powerpoint/2010/main" xmlns="" Requires="p14">
+    <mc:Choice xmlns="" xmlns:p14="http://schemas.microsoft.com/office/powerpoint/2010/main" Requires="p14">
       <p:transition spd="slow" p14:dur="2000"/>
     </mc:Choice>
     <mc:Fallback>
@@ -6567,7 +6556,7 @@
     </p:spTree>
     <p:extLst>
       <p:ext uri="{BB962C8B-B14F-4D97-AF65-F5344CB8AC3E}">
-        <p14:creationId xmlns:p14="http://schemas.microsoft.com/office/powerpoint/2010/main" xmlns="" val="155874689"/>
+        <p14:creationId xmlns="" xmlns:p14="http://schemas.microsoft.com/office/powerpoint/2010/main" val="155874689"/>
       </p:ext>
     </p:extLst>
   </p:cSld>
@@ -6575,7 +6564,7 @@
     <a:masterClrMapping/>
   </p:clrMapOvr>
   <mc:AlternateContent xmlns:mc="http://schemas.openxmlformats.org/markup-compatibility/2006">
-    <mc:Choice xmlns:p14="http://schemas.microsoft.com/office/powerpoint/2010/main" xmlns="" Requires="p14">
+    <mc:Choice xmlns="" xmlns:p14="http://schemas.microsoft.com/office/powerpoint/2010/main" Requires="p14">
       <p:transition spd="slow" p14:dur="2000"/>
     </mc:Choice>
     <mc:Fallback>
@@ -6923,7 +6912,7 @@
     </p:spTree>
     <p:extLst>
       <p:ext uri="{BB962C8B-B14F-4D97-AF65-F5344CB8AC3E}">
-        <p14:creationId xmlns:p14="http://schemas.microsoft.com/office/powerpoint/2010/main" xmlns="" val="155874689"/>
+        <p14:creationId xmlns="" xmlns:p14="http://schemas.microsoft.com/office/powerpoint/2010/main" val="155874689"/>
       </p:ext>
     </p:extLst>
   </p:cSld>
@@ -6931,7 +6920,7 @@
     <a:masterClrMapping/>
   </p:clrMapOvr>
   <mc:AlternateContent xmlns:mc="http://schemas.openxmlformats.org/markup-compatibility/2006">
-    <mc:Choice xmlns:p14="http://schemas.microsoft.com/office/powerpoint/2010/main" xmlns="" Requires="p14">
+    <mc:Choice xmlns="" xmlns:p14="http://schemas.microsoft.com/office/powerpoint/2010/main" Requires="p14">
       <p:transition spd="slow" p14:dur="2000"/>
     </mc:Choice>
     <mc:Fallback>
@@ -7284,7 +7273,7 @@
     </p:spTree>
     <p:extLst>
       <p:ext uri="{BB962C8B-B14F-4D97-AF65-F5344CB8AC3E}">
-        <p14:creationId xmlns:p14="http://schemas.microsoft.com/office/powerpoint/2010/main" xmlns="" val="155874689"/>
+        <p14:creationId xmlns="" xmlns:p14="http://schemas.microsoft.com/office/powerpoint/2010/main" val="155874689"/>
       </p:ext>
     </p:extLst>
   </p:cSld>
@@ -7292,7 +7281,7 @@
     <a:masterClrMapping/>
   </p:clrMapOvr>
   <mc:AlternateContent xmlns:mc="http://schemas.openxmlformats.org/markup-compatibility/2006">
-    <mc:Choice xmlns:p14="http://schemas.microsoft.com/office/powerpoint/2010/main" xmlns="" Requires="p14">
+    <mc:Choice xmlns="" xmlns:p14="http://schemas.microsoft.com/office/powerpoint/2010/main" Requires="p14">
       <p:transition spd="slow" p14:dur="2000"/>
     </mc:Choice>
     <mc:Fallback>
@@ -7429,7 +7418,7 @@
     </p:spTree>
     <p:extLst>
       <p:ext uri="{BB962C8B-B14F-4D97-AF65-F5344CB8AC3E}">
-        <p14:creationId xmlns:p14="http://schemas.microsoft.com/office/powerpoint/2010/main" xmlns="" val="155874689"/>
+        <p14:creationId xmlns="" xmlns:p14="http://schemas.microsoft.com/office/powerpoint/2010/main" val="155874689"/>
       </p:ext>
     </p:extLst>
   </p:cSld>
@@ -7437,7 +7426,7 @@
     <a:masterClrMapping/>
   </p:clrMapOvr>
   <mc:AlternateContent xmlns:mc="http://schemas.openxmlformats.org/markup-compatibility/2006">
-    <mc:Choice xmlns:p14="http://schemas.microsoft.com/office/powerpoint/2010/main" xmlns="" Requires="p14">
+    <mc:Choice xmlns="" xmlns:p14="http://schemas.microsoft.com/office/powerpoint/2010/main" Requires="p14">
       <p:transition spd="slow" p14:dur="2000"/>
     </mc:Choice>
     <mc:Fallback>
@@ -7755,7 +7744,7 @@
     </p:spTree>
     <p:extLst>
       <p:ext uri="{BB962C8B-B14F-4D97-AF65-F5344CB8AC3E}">
-        <p14:creationId xmlns:p14="http://schemas.microsoft.com/office/powerpoint/2010/main" xmlns="" val="155874689"/>
+        <p14:creationId xmlns="" xmlns:p14="http://schemas.microsoft.com/office/powerpoint/2010/main" val="155874689"/>
       </p:ext>
     </p:extLst>
   </p:cSld>
@@ -7763,7 +7752,7 @@
     <a:masterClrMapping/>
   </p:clrMapOvr>
   <mc:AlternateContent xmlns:mc="http://schemas.openxmlformats.org/markup-compatibility/2006">
-    <mc:Choice xmlns:p14="http://schemas.microsoft.com/office/powerpoint/2010/main" xmlns="" Requires="p14">
+    <mc:Choice xmlns="" xmlns:p14="http://schemas.microsoft.com/office/powerpoint/2010/main" Requires="p14">
       <p:transition spd="slow" p14:dur="2000"/>
     </mc:Choice>
     <mc:Fallback>
@@ -7862,7 +7851,7 @@
     </p:spTree>
     <p:extLst>
       <p:ext uri="{BB962C8B-B14F-4D97-AF65-F5344CB8AC3E}">
-        <p14:creationId xmlns:p14="http://schemas.microsoft.com/office/powerpoint/2010/main" xmlns="" val="155874689"/>
+        <p14:creationId xmlns="" xmlns:p14="http://schemas.microsoft.com/office/powerpoint/2010/main" val="155874689"/>
       </p:ext>
     </p:extLst>
   </p:cSld>
@@ -7870,7 +7859,7 @@
     <a:masterClrMapping/>
   </p:clrMapOvr>
   <mc:AlternateContent xmlns:mc="http://schemas.openxmlformats.org/markup-compatibility/2006">
-    <mc:Choice xmlns:p14="http://schemas.microsoft.com/office/powerpoint/2010/main" xmlns="" Requires="p14">
+    <mc:Choice xmlns="" xmlns:p14="http://schemas.microsoft.com/office/powerpoint/2010/main" Requires="p14">
       <p:transition spd="slow" p14:dur="2000"/>
     </mc:Choice>
     <mc:Fallback>
@@ -8033,7 +8022,7 @@
     </p:spTree>
     <p:extLst>
       <p:ext uri="{BB962C8B-B14F-4D97-AF65-F5344CB8AC3E}">
-        <p14:creationId xmlns:p14="http://schemas.microsoft.com/office/powerpoint/2010/main" xmlns="" val="155874689"/>
+        <p14:creationId xmlns="" xmlns:p14="http://schemas.microsoft.com/office/powerpoint/2010/main" val="155874689"/>
       </p:ext>
     </p:extLst>
   </p:cSld>
@@ -8041,7 +8030,7 @@
     <a:masterClrMapping/>
   </p:clrMapOvr>
   <mc:AlternateContent xmlns:mc="http://schemas.openxmlformats.org/markup-compatibility/2006">
-    <mc:Choice xmlns:p14="http://schemas.microsoft.com/office/powerpoint/2010/main" xmlns="" Requires="p14">
+    <mc:Choice xmlns="" xmlns:p14="http://schemas.microsoft.com/office/powerpoint/2010/main" Requires="p14">
       <p:transition spd="slow" p14:dur="2000"/>
     </mc:Choice>
     <mc:Fallback>
@@ -8186,7 +8175,7 @@
     </p:spTree>
     <p:extLst>
       <p:ext uri="{BB962C8B-B14F-4D97-AF65-F5344CB8AC3E}">
-        <p14:creationId xmlns:p14="http://schemas.microsoft.com/office/powerpoint/2010/main" xmlns="" val="155874689"/>
+        <p14:creationId xmlns="" xmlns:p14="http://schemas.microsoft.com/office/powerpoint/2010/main" val="155874689"/>
       </p:ext>
     </p:extLst>
   </p:cSld>
@@ -8194,7 +8183,7 @@
     <a:masterClrMapping/>
   </p:clrMapOvr>
   <mc:AlternateContent xmlns:mc="http://schemas.openxmlformats.org/markup-compatibility/2006">
-    <mc:Choice xmlns:p14="http://schemas.microsoft.com/office/powerpoint/2010/main" xmlns="" Requires="p14">
+    <mc:Choice xmlns="" xmlns:p14="http://schemas.microsoft.com/office/powerpoint/2010/main" Requires="p14">
       <p:transition spd="slow" p14:dur="2000"/>
     </mc:Choice>
     <mc:Fallback>

--- a/trunk/Presentazione/Atsilo2/Luca/Luca_PresentazioneFinale.pptx
+++ b/trunk/Presentazione/Atsilo2/Luca/Luca_PresentazioneFinale.pptx
@@ -5,21 +5,20 @@
     <p:sldMasterId id="2147483684" r:id="rId1"/>
   </p:sldMasterIdLst>
   <p:notesMasterIdLst>
-    <p:notesMasterId r:id="rId14"/>
+    <p:notesMasterId r:id="rId13"/>
   </p:notesMasterIdLst>
   <p:sldIdLst>
-    <p:sldId id="256" r:id="rId2"/>
-    <p:sldId id="258" r:id="rId3"/>
-    <p:sldId id="259" r:id="rId4"/>
-    <p:sldId id="260" r:id="rId5"/>
-    <p:sldId id="261" r:id="rId6"/>
-    <p:sldId id="262" r:id="rId7"/>
-    <p:sldId id="263" r:id="rId8"/>
-    <p:sldId id="264" r:id="rId9"/>
-    <p:sldId id="265" r:id="rId10"/>
-    <p:sldId id="266" r:id="rId11"/>
-    <p:sldId id="267" r:id="rId12"/>
-    <p:sldId id="268" r:id="rId13"/>
+    <p:sldId id="258" r:id="rId2"/>
+    <p:sldId id="259" r:id="rId3"/>
+    <p:sldId id="260" r:id="rId4"/>
+    <p:sldId id="261" r:id="rId5"/>
+    <p:sldId id="262" r:id="rId6"/>
+    <p:sldId id="263" r:id="rId7"/>
+    <p:sldId id="265" r:id="rId8"/>
+    <p:sldId id="269" r:id="rId9"/>
+    <p:sldId id="271" r:id="rId10"/>
+    <p:sldId id="272" r:id="rId11"/>
+    <p:sldId id="268" r:id="rId12"/>
   </p:sldIdLst>
   <p:sldSz cx="9144000" cy="6858000" type="screen4x3"/>
   <p:notesSz cx="6858000" cy="9144000"/>
@@ -123,7 +122,7 @@
 
 <file path=ppt/commentAuthors.xml><?xml version="1.0" encoding="utf-8"?>
 <p:cmAuthorLst xmlns:a="http://schemas.openxmlformats.org/drawingml/2006/main" xmlns:r="http://schemas.openxmlformats.org/officeDocument/2006/relationships" xmlns:p="http://schemas.openxmlformats.org/presentationml/2006/main">
-  <p:cmAuthor id="0" name="Giulio" initials="GF" lastIdx="8" clrIdx="0"/>
+  <p:cmAuthor id="0" name="Giulio" initials="GF" lastIdx="12" clrIdx="0"/>
 </p:cmAuthorLst>
 </file>
 
@@ -168,7 +167,7 @@
 
 <file path=ppt/comments/comment5.xml><?xml version="1.0" encoding="utf-8"?>
 <p:cmLst xmlns:a="http://schemas.openxmlformats.org/drawingml/2006/main" xmlns:r="http://schemas.openxmlformats.org/officeDocument/2006/relationships" xmlns:p="http://schemas.openxmlformats.org/presentationml/2006/main">
-  <p:cm authorId="0" dt="2012-12-30T14:42:39.447" idx="4">
+  <p:cm authorId="0" dt="2012-12-30T14:42:39.447" idx="9">
     <p:pos x="10" y="10"/>
     <p:text>Anche se non sono i tuoi, potrebbe essere una buona idea far riferimento ai casi d'uso relativi.</p:text>
   </p:cm>
@@ -177,14 +176,23 @@
 
 <file path=ppt/comments/comment6.xml><?xml version="1.0" encoding="utf-8"?>
 <p:cmLst xmlns:a="http://schemas.openxmlformats.org/drawingml/2006/main" xmlns:r="http://schemas.openxmlformats.org/officeDocument/2006/relationships" xmlns:p="http://schemas.openxmlformats.org/presentationml/2006/main">
-  <p:cm authorId="0" dt="2012-12-30T14:43:32.326" idx="5">
-    <p:pos x="5647" y="1196"/>
-    <p:text>E' un'affermazione forte, dovresti motivare le ragioni di questa scelta, almeno a voce.</p:text>
+  <p:cm authorId="0" dt="2012-12-30T14:42:39.447" idx="11">
+    <p:pos x="10" y="10"/>
+    <p:text>Anche se non sono i tuoi, potrebbe essere una buona idea far riferimento ai casi d'uso relativi.</p:text>
   </p:cm>
 </p:cmLst>
 </file>
 
 <file path=ppt/comments/comment7.xml><?xml version="1.0" encoding="utf-8"?>
+<p:cmLst xmlns:a="http://schemas.openxmlformats.org/drawingml/2006/main" xmlns:r="http://schemas.openxmlformats.org/officeDocument/2006/relationships" xmlns:p="http://schemas.openxmlformats.org/presentationml/2006/main">
+  <p:cm authorId="0" dt="2012-12-30T14:42:39.447" idx="12">
+    <p:pos x="10" y="10"/>
+    <p:text>Anche se non sono i tuoi, potrebbe essere una buona idea far riferimento ai casi d'uso relativi.</p:text>
+  </p:cm>
+</p:cmLst>
+</file>
+
+<file path=ppt/comments/comment8.xml><?xml version="1.0" encoding="utf-8"?>
 <p:cmLst xmlns:a="http://schemas.openxmlformats.org/drawingml/2006/main" xmlns:r="http://schemas.openxmlformats.org/officeDocument/2006/relationships" xmlns:p="http://schemas.openxmlformats.org/presentationml/2006/main">
   <p:cm authorId="0" dt="2012-12-30T14:49:20.556" idx="8">
     <p:pos x="10" y="10"/>
@@ -276,7 +284,7 @@
             <a:fld id="{38D78F4D-402C-46E0-A4BB-DF91EA86B14C}" type="datetimeFigureOut">
               <a:rPr lang="it-IT" smtClean="0"/>
               <a:pPr/>
-              <a:t>02/01/2013</a:t>
+              <a:t>04/01/2013</a:t>
             </a:fld>
             <a:endParaRPr lang="it-IT"/>
           </a:p>
@@ -445,7 +453,7 @@
     </p:spTree>
     <p:extLst>
       <p:ext uri="{BB962C8B-B14F-4D97-AF65-F5344CB8AC3E}">
-        <p14:creationId xmlns="" xmlns:p14="http://schemas.microsoft.com/office/powerpoint/2010/main" val="2126419590"/>
+        <p14:creationId xmlns:p14="http://schemas.microsoft.com/office/powerpoint/2010/main" xmlns="" val="2126419590"/>
       </p:ext>
     </p:extLst>
   </p:cSld>
@@ -591,6 +599,27 @@
           </a:bodyPr>
           <a:lstStyle/>
           <a:p>
+            <a:r>
+              <a:rPr lang="it-IT" sz="1200" dirty="0" smtClean="0"/>
+              <a:t>Il sistema deve garantire la sicurezza e l'affidabilità nell'inserimento dei propri dati sensibili, sia in campo di sicurezza web, sia nel caso del rispetto delle leggi in vigore sulla visibilità e sul trattamento dei dati personali. I dati inseriti nel sistema, durante la registrazione o in altre fasi critiche fanno parte di informazioni strettamente personali.</a:t>
+            </a:r>
+          </a:p>
+          <a:p>
+            <a:r>
+              <a:rPr lang="it-IT" sz="1200" dirty="0" smtClean="0"/>
+              <a:t>Qualora quest’ultime venissero rese pubbliche, il sistema notificherà l’accaduto al proprietario dei dati personali.</a:t>
+            </a:r>
+          </a:p>
+          <a:p>
+            <a:endParaRPr lang="it-IT" sz="1200" dirty="0" smtClean="0"/>
+          </a:p>
+          <a:p>
+            <a:r>
+              <a:rPr lang="it-IT" sz="1200" dirty="0" smtClean="0"/>
+              <a:t>Il sistema permette agli utenti di compilare i questionari in maniera anonima nonostante abbiano effettuato l’accesso e siano stati identificati.</a:t>
+            </a:r>
+          </a:p>
+          <a:p>
             <a:endParaRPr lang="it-IT" dirty="0"/>
           </a:p>
         </p:txBody>
@@ -613,7 +642,7 @@
             <a:fld id="{D70604CA-7593-4640-8FA1-5523937B8510}" type="slidenum">
               <a:rPr lang="it-IT" smtClean="0"/>
               <a:pPr/>
-              <a:t>1</a:t>
+              <a:t>2</a:t>
             </a:fld>
             <a:endParaRPr lang="it-IT"/>
           </a:p>
@@ -674,12 +703,43 @@
           <a:lstStyle/>
           <a:p>
             <a:r>
+              <a:rPr lang="it-IT" baseline="0" dirty="0" smtClean="0"/>
+              <a:t>Nota numero 1: il singleton pattern viene utilizzato per evitare di creare un’istanza di </a:t>
+            </a:r>
+            <a:r>
+              <a:rPr lang="it-IT" baseline="0" dirty="0" err="1" smtClean="0"/>
+              <a:t>control</a:t>
+            </a:r>
+            <a:r>
+              <a:rPr lang="it-IT" baseline="0" dirty="0" smtClean="0"/>
+              <a:t> a ogni richiesta, poiché questo introdurrebbe un ritardo, e incrementerebbe l’utilizzo di memoria RAM.</a:t>
+            </a:r>
+            <a:endParaRPr lang="it-IT" dirty="0" smtClean="0"/>
+          </a:p>
+          <a:p>
+            <a:r>
               <a:rPr lang="it-IT" dirty="0" smtClean="0"/>
-              <a:t>E’ </a:t>
+              <a:t>Nota numero 2:</a:t>
             </a:r>
             <a:r>
               <a:rPr lang="it-IT" baseline="0" dirty="0" smtClean="0"/>
-              <a:t> possibile cancellare un evento. Per rimuoverlo bisogna essere l’autore dell’evento.</a:t>
+              <a:t> Non abbiamo variabili d’istanza per i </a:t>
+            </a:r>
+            <a:r>
+              <a:rPr lang="it-IT" baseline="0" dirty="0" err="1" smtClean="0"/>
+              <a:t>control</a:t>
+            </a:r>
+            <a:r>
+              <a:rPr lang="it-IT" baseline="0" dirty="0" smtClean="0"/>
+              <a:t>, poiché queste sarebbero accedute in concorrenza da più </a:t>
+            </a:r>
+            <a:r>
+              <a:rPr lang="it-IT" baseline="0" dirty="0" err="1" smtClean="0"/>
+              <a:t>thread</a:t>
+            </a:r>
+            <a:r>
+              <a:rPr lang="it-IT" baseline="0" dirty="0" smtClean="0"/>
+              <a:t>, e quindi si avrebbero problemi di concorrenza.</a:t>
             </a:r>
             <a:endParaRPr lang="it-IT" dirty="0"/>
           </a:p>
@@ -704,135 +764,6 @@
               <a:rPr lang="it-IT" smtClean="0"/>
               <a:pPr/>
               <a:t>11</a:t>
-            </a:fld>
-            <a:endParaRPr lang="it-IT"/>
-          </a:p>
-        </p:txBody>
-      </p:sp>
-    </p:spTree>
-  </p:cSld>
-  <p:clrMapOvr>
-    <a:masterClrMapping/>
-  </p:clrMapOvr>
-</p:notes>
-</file>
-
-<file path=ppt/notesSlides/notesSlide11.xml><?xml version="1.0" encoding="utf-8"?>
-<p:notes xmlns:a="http://schemas.openxmlformats.org/drawingml/2006/main" xmlns:r="http://schemas.openxmlformats.org/officeDocument/2006/relationships" xmlns:p="http://schemas.openxmlformats.org/presentationml/2006/main">
-  <p:cSld>
-    <p:spTree>
-      <p:nvGrpSpPr>
-        <p:cNvPr id="1" name=""/>
-        <p:cNvGrpSpPr/>
-        <p:nvPr/>
-      </p:nvGrpSpPr>
-      <p:grpSpPr>
-        <a:xfrm>
-          <a:off x="0" y="0"/>
-          <a:ext cx="0" cy="0"/>
-          <a:chOff x="0" y="0"/>
-          <a:chExt cx="0" cy="0"/>
-        </a:xfrm>
-      </p:grpSpPr>
-      <p:sp>
-        <p:nvSpPr>
-          <p:cNvPr id="2" name="Segnaposto immagine diapositiva 1"/>
-          <p:cNvSpPr>
-            <a:spLocks noGrp="1" noRot="1" noChangeAspect="1"/>
-          </p:cNvSpPr>
-          <p:nvPr>
-            <p:ph type="sldImg"/>
-          </p:nvPr>
-        </p:nvSpPr>
-        <p:spPr/>
-      </p:sp>
-      <p:sp>
-        <p:nvSpPr>
-          <p:cNvPr id="3" name="Segnaposto note 2"/>
-          <p:cNvSpPr>
-            <a:spLocks noGrp="1"/>
-          </p:cNvSpPr>
-          <p:nvPr>
-            <p:ph type="body" idx="1"/>
-          </p:nvPr>
-        </p:nvSpPr>
-        <p:spPr/>
-        <p:txBody>
-          <a:bodyPr>
-            <a:normAutofit/>
-          </a:bodyPr>
-          <a:lstStyle/>
-          <a:p>
-            <a:r>
-              <a:rPr lang="it-IT" baseline="0" dirty="0" smtClean="0"/>
-              <a:t>Nota numero 1: il singleton pattern viene utilizzato </a:t>
-            </a:r>
-            <a:r>
-              <a:rPr lang="it-IT" baseline="0" dirty="0" smtClean="0"/>
-              <a:t>per evitare di creare un’istanza di </a:t>
-            </a:r>
-            <a:r>
-              <a:rPr lang="it-IT" baseline="0" dirty="0" err="1" smtClean="0"/>
-              <a:t>control</a:t>
-            </a:r>
-            <a:r>
-              <a:rPr lang="it-IT" baseline="0" dirty="0" smtClean="0"/>
-              <a:t> a ogni richiesta, poiché questo introdurrebbe un ritardo, e incrementerebbe l’utilizzo di memoria RAM.</a:t>
-            </a:r>
-            <a:endParaRPr lang="it-IT" dirty="0" smtClean="0"/>
-          </a:p>
-          <a:p>
-            <a:r>
-              <a:rPr lang="it-IT" dirty="0" smtClean="0"/>
-              <a:t>Nota numero 2:</a:t>
-            </a:r>
-            <a:r>
-              <a:rPr lang="it-IT" baseline="0" dirty="0" smtClean="0"/>
-              <a:t> Non abbiamo variabili d’istanza per i </a:t>
-            </a:r>
-            <a:r>
-              <a:rPr lang="it-IT" baseline="0" dirty="0" err="1" smtClean="0"/>
-              <a:t>control</a:t>
-            </a:r>
-            <a:r>
-              <a:rPr lang="it-IT" baseline="0" dirty="0" smtClean="0"/>
-              <a:t>, poiché </a:t>
-            </a:r>
-            <a:r>
-              <a:rPr lang="it-IT" baseline="0" dirty="0" smtClean="0"/>
-              <a:t>queste sarebbero accedute in concorrenza da più </a:t>
-            </a:r>
-            <a:r>
-              <a:rPr lang="it-IT" baseline="0" dirty="0" err="1" smtClean="0"/>
-              <a:t>thread</a:t>
-            </a:r>
-            <a:r>
-              <a:rPr lang="it-IT" baseline="0" dirty="0" smtClean="0"/>
-              <a:t>, e quindi si avrebbero problemi di concorrenza.</a:t>
-            </a:r>
-            <a:endParaRPr lang="it-IT" dirty="0"/>
-          </a:p>
-        </p:txBody>
-      </p:sp>
-      <p:sp>
-        <p:nvSpPr>
-          <p:cNvPr id="4" name="Segnaposto numero diapositiva 3"/>
-          <p:cNvSpPr>
-            <a:spLocks noGrp="1"/>
-          </p:cNvSpPr>
-          <p:nvPr>
-            <p:ph type="sldNum" sz="quarter" idx="10"/>
-          </p:nvPr>
-        </p:nvSpPr>
-        <p:spPr/>
-        <p:txBody>
-          <a:bodyPr/>
-          <a:lstStyle/>
-          <a:p>
-            <a:fld id="{D70604CA-7593-4640-8FA1-5523937B8510}" type="slidenum">
-              <a:rPr lang="it-IT" smtClean="0"/>
-              <a:pPr/>
-              <a:t>12</a:t>
             </a:fld>
             <a:endParaRPr lang="it-IT"/>
           </a:p>
@@ -892,24 +823,24 @@
           </a:bodyPr>
           <a:lstStyle/>
           <a:p>
+            <a:pPr algn="just"/>
             <a:r>
               <a:rPr lang="it-IT" sz="1200" dirty="0" smtClean="0"/>
-              <a:t>Il sistema deve garantire la sicurezza e l'affidabilità nell'inserimento dei propri dati sensibili, sia in campo di sicurezza web, sia nel caso del rispetto delle leggi in vigore sulla visibilità e sul trattamento dei dati personali. I dati inseriti nel sistema, durante la registrazione o in altre fasi critiche fanno parte di informazioni strettamente personali.</a:t>
-            </a:r>
-          </a:p>
-          <a:p>
+              <a:t>Gli utenti del sistema compiono giornalmente delle operazioni. Il sistema si occupa quasi esclusivamente di interrogazioni al database, gli utenti, quindi, consultano e modificano gli elenchi, dopo aver eseguito operazioni di login. Questo tipo di operazioni, login e consultazione/modifica, seppur oneroso per il database di grande dimensioni, non può quindi occupare più di qualche secondo per produrre risultati. In altre parole il tempo di attese di un utente è di pochi secondi.</a:t>
+            </a:r>
+          </a:p>
+          <a:p>
+            <a:pPr algn="just"/>
             <a:r>
               <a:rPr lang="it-IT" sz="1200" dirty="0" smtClean="0"/>
-              <a:t>Qualora quest’ultime venissero rese pubbliche, il sistema notificherà l’accaduto al proprietario dei dati personali.</a:t>
-            </a:r>
-          </a:p>
-          <a:p>
-            <a:endParaRPr lang="it-IT" sz="1200" dirty="0" smtClean="0"/>
-          </a:p>
-          <a:p>
+              <a:t>Il sistema deve permettere all’utente di poter ricevere un riscontro da parte del sistema in non più di 5 secondi. </a:t>
+            </a:r>
+          </a:p>
+          <a:p>
+            <a:pPr algn="just"/>
             <a:r>
               <a:rPr lang="it-IT" sz="1200" dirty="0" smtClean="0"/>
-              <a:t>Il sistema permette agli utenti di compilare i questionari in maniera anonima nonostante abbiano effettuato l’accesso e siano stati identificati.</a:t>
+              <a:t>Inoltre il sistema deve ridurre significativamente il tempo di compilazione dei questionari compilando le domande di cui già conosce le risposte al posto del genitore.</a:t>
             </a:r>
           </a:p>
           <a:p>
@@ -995,27 +926,14 @@
           </a:bodyPr>
           <a:lstStyle/>
           <a:p>
-            <a:pPr algn="just"/>
-            <a:r>
-              <a:rPr lang="it-IT" sz="1200" dirty="0" smtClean="0"/>
-              <a:t>Gli utenti del sistema compiono giornalmente delle operazioni. Il sistema si occupa quasi esclusivamente di interrogazioni al database, gli utenti, quindi, consultano e modificano gli elenchi, dopo aver eseguito operazioni di login. Questo tipo di operazioni, login e consultazione/modifica, seppur oneroso per il database di grande dimensioni, non può quindi occupare più di qualche secondo per produrre risultati. In altre parole il tempo di attese di un utente è di pochi secondi.</a:t>
-            </a:r>
-          </a:p>
-          <a:p>
-            <a:pPr algn="just"/>
-            <a:r>
-              <a:rPr lang="it-IT" sz="1200" dirty="0" smtClean="0"/>
-              <a:t>Il sistema deve permettere all’utente di poter ricevere un riscontro da parte del sistema in non più di 5 secondi. </a:t>
-            </a:r>
-          </a:p>
-          <a:p>
-            <a:pPr algn="just"/>
-            <a:r>
-              <a:rPr lang="it-IT" sz="1200" dirty="0" smtClean="0"/>
-              <a:t>Inoltre il sistema deve ridurre significativamente il tempo di compilazione dei questionari compilando le domande di cui già conosce le risposte al posto del genitore.</a:t>
-            </a:r>
-          </a:p>
-          <a:p>
+            <a:r>
+              <a:rPr lang="it-IT" dirty="0" smtClean="0"/>
+              <a:t>Nota : Possibili</a:t>
+            </a:r>
+            <a:r>
+              <a:rPr lang="it-IT" baseline="0" dirty="0" smtClean="0"/>
+              <a:t> cenni su operazioni.</a:t>
+            </a:r>
             <a:endParaRPr lang="it-IT" dirty="0"/>
           </a:p>
         </p:txBody>
@@ -1098,14 +1016,6 @@
           </a:bodyPr>
           <a:lstStyle/>
           <a:p>
-            <a:r>
-              <a:rPr lang="it-IT" dirty="0" smtClean="0"/>
-              <a:t>Nota : Possibili</a:t>
-            </a:r>
-            <a:r>
-              <a:rPr lang="it-IT" baseline="0" dirty="0" smtClean="0"/>
-              <a:t> cenni su operazioni.</a:t>
-            </a:r>
             <a:endParaRPr lang="it-IT" dirty="0"/>
           </a:p>
         </p:txBody>
@@ -1188,14 +1098,6 @@
           </a:bodyPr>
           <a:lstStyle/>
           <a:p>
-            <a:r>
-              <a:rPr lang="it-IT" dirty="0" smtClean="0"/>
-              <a:t>Nota : Possibili</a:t>
-            </a:r>
-            <a:r>
-              <a:rPr lang="it-IT" baseline="0" dirty="0" smtClean="0"/>
-              <a:t> cenni su operazioni.</a:t>
-            </a:r>
             <a:endParaRPr lang="it-IT" dirty="0"/>
           </a:p>
         </p:txBody>
@@ -1280,11 +1182,11 @@
           <a:p>
             <a:r>
               <a:rPr lang="it-IT" dirty="0" smtClean="0"/>
-              <a:t>Nota : Possibili</a:t>
+              <a:t>Le scritte sotto devono</a:t>
             </a:r>
             <a:r>
               <a:rPr lang="it-IT" baseline="0" dirty="0" smtClean="0"/>
-              <a:t> cenni su operazioni.</a:t>
+              <a:t> entrare dopo una alla volta.</a:t>
             </a:r>
             <a:endParaRPr lang="it-IT" dirty="0"/>
           </a:p>
@@ -1370,11 +1272,17 @@
           <a:p>
             <a:r>
               <a:rPr lang="it-IT" dirty="0" smtClean="0"/>
-              <a:t>Visualizza</a:t>
+              <a:t>Affidabilità :</a:t>
             </a:r>
             <a:r>
               <a:rPr lang="it-IT" baseline="0" dirty="0" smtClean="0"/>
-              <a:t> eventi. Tramite un calendario è possibile selezionare il giorno per il quale vogliamo mostrare gli eventi. Gli eventi sono : Filtrati (Genitore vede solo quelli di suo figlio, Staff modifica solo i propri eventi e visualizza gli eventi degli altri).</a:t>
+              <a:t> Non vengono rilevati comportamenti anomali. Non è possibile modificare eventi per i quali non abbiamo i permessi</a:t>
+            </a:r>
+          </a:p>
+          <a:p>
+            <a:r>
+              <a:rPr lang="it-IT" baseline="0" dirty="0" smtClean="0"/>
+              <a:t>Errori : In questo modo è difficile da introdurre errori e vengono anche controllati gli allegati.</a:t>
             </a:r>
             <a:endParaRPr lang="it-IT" dirty="0"/>
           </a:p>
@@ -1458,30 +1366,6 @@
           </a:bodyPr>
           <a:lstStyle/>
           <a:p>
-            <a:r>
-              <a:rPr lang="it-IT" dirty="0" smtClean="0"/>
-              <a:t>E’ possibile inserire un evento</a:t>
-            </a:r>
-            <a:r>
-              <a:rPr lang="it-IT" baseline="0" dirty="0" smtClean="0"/>
-              <a:t> compilando un </a:t>
-            </a:r>
-            <a:r>
-              <a:rPr lang="it-IT" baseline="0" dirty="0" err="1" smtClean="0"/>
-              <a:t>form</a:t>
-            </a:r>
-            <a:r>
-              <a:rPr lang="it-IT" baseline="0" dirty="0" smtClean="0"/>
-              <a:t> (con controlli su ogni campo </a:t>
-            </a:r>
-            <a:r>
-              <a:rPr lang="it-IT" baseline="0" dirty="0" err="1" smtClean="0"/>
-              <a:t>pre</a:t>
-            </a:r>
-            <a:r>
-              <a:rPr lang="it-IT" baseline="0" dirty="0" smtClean="0"/>
-              <a:t> invio). Si può allegare un file contenente il programma dell’evento.</a:t>
-            </a:r>
             <a:endParaRPr lang="it-IT" dirty="0"/>
           </a:p>
         </p:txBody>
@@ -1564,30 +1448,6 @@
           </a:bodyPr>
           <a:lstStyle/>
           <a:p>
-            <a:r>
-              <a:rPr lang="it-IT" dirty="0" smtClean="0"/>
-              <a:t>E’ possibile modificare</a:t>
-            </a:r>
-            <a:r>
-              <a:rPr lang="it-IT" baseline="0" dirty="0" smtClean="0"/>
-              <a:t> un evento cliccando il tasto modifica. Per questioni di ottimizzazione la modifica di un evento </a:t>
-            </a:r>
-            <a:r>
-              <a:rPr lang="it-IT" baseline="0" dirty="0" err="1" smtClean="0"/>
-              <a:t>precarica</a:t>
-            </a:r>
-            <a:r>
-              <a:rPr lang="it-IT" baseline="0" dirty="0" smtClean="0"/>
-              <a:t> nella </a:t>
-            </a:r>
-            <a:r>
-              <a:rPr lang="it-IT" baseline="0" dirty="0" err="1" smtClean="0"/>
-              <a:t>form</a:t>
-            </a:r>
-            <a:r>
-              <a:rPr lang="it-IT" baseline="0" dirty="0" smtClean="0"/>
-              <a:t> i dati già presenti e permette allo staff di modificarli. E’ possibile modificare solo un evento creato dalla stessa persona che sta effettuando la modifica. L’allegato può essere ricaricato.</a:t>
-            </a:r>
             <a:endParaRPr lang="it-IT" dirty="0"/>
           </a:p>
         </p:txBody>
@@ -1790,7 +1650,7 @@
             <a:fld id="{63CABBC0-75E4-43BB-A6A6-84C2A96BDB82}" type="datetimeFigureOut">
               <a:rPr lang="it-IT" smtClean="0"/>
               <a:pPr/>
-              <a:t>02/01/2013</a:t>
+              <a:t>04/01/2013</a:t>
             </a:fld>
             <a:endParaRPr lang="it-IT"/>
           </a:p>
@@ -1972,7 +1832,7 @@
             <a:fld id="{63CABBC0-75E4-43BB-A6A6-84C2A96BDB82}" type="datetimeFigureOut">
               <a:rPr lang="it-IT" smtClean="0"/>
               <a:pPr/>
-              <a:t>02/01/2013</a:t>
+              <a:t>04/01/2013</a:t>
             </a:fld>
             <a:endParaRPr lang="it-IT"/>
           </a:p>
@@ -2164,7 +2024,7 @@
             <a:fld id="{63CABBC0-75E4-43BB-A6A6-84C2A96BDB82}" type="datetimeFigureOut">
               <a:rPr lang="it-IT" smtClean="0"/>
               <a:pPr/>
-              <a:t>02/01/2013</a:t>
+              <a:t>04/01/2013</a:t>
             </a:fld>
             <a:endParaRPr lang="it-IT"/>
           </a:p>
@@ -2346,7 +2206,7 @@
             <a:fld id="{63CABBC0-75E4-43BB-A6A6-84C2A96BDB82}" type="datetimeFigureOut">
               <a:rPr lang="it-IT" smtClean="0"/>
               <a:pPr/>
-              <a:t>02/01/2013</a:t>
+              <a:t>04/01/2013</a:t>
             </a:fld>
             <a:endParaRPr lang="it-IT"/>
           </a:p>
@@ -2589,7 +2449,7 @@
             <a:fld id="{63CABBC0-75E4-43BB-A6A6-84C2A96BDB82}" type="datetimeFigureOut">
               <a:rPr lang="it-IT" smtClean="0"/>
               <a:pPr/>
-              <a:t>02/01/2013</a:t>
+              <a:t>04/01/2013</a:t>
             </a:fld>
             <a:endParaRPr lang="it-IT"/>
           </a:p>
@@ -2870,7 +2730,7 @@
             <a:fld id="{63CABBC0-75E4-43BB-A6A6-84C2A96BDB82}" type="datetimeFigureOut">
               <a:rPr lang="it-IT" smtClean="0"/>
               <a:pPr/>
-              <a:t>02/01/2013</a:t>
+              <a:t>04/01/2013</a:t>
             </a:fld>
             <a:endParaRPr lang="it-IT"/>
           </a:p>
@@ -3261,7 +3121,7 @@
             <a:fld id="{63CABBC0-75E4-43BB-A6A6-84C2A96BDB82}" type="datetimeFigureOut">
               <a:rPr lang="it-IT" smtClean="0"/>
               <a:pPr/>
-              <a:t>02/01/2013</a:t>
+              <a:t>04/01/2013</a:t>
             </a:fld>
             <a:endParaRPr lang="it-IT"/>
           </a:p>
@@ -3420,7 +3280,7 @@
             <a:fld id="{63CABBC0-75E4-43BB-A6A6-84C2A96BDB82}" type="datetimeFigureOut">
               <a:rPr lang="it-IT" smtClean="0"/>
               <a:pPr/>
-              <a:t>02/01/2013</a:t>
+              <a:t>04/01/2013</a:t>
             </a:fld>
             <a:endParaRPr lang="it-IT"/>
           </a:p>
@@ -3519,7 +3379,7 @@
             <a:fld id="{63CABBC0-75E4-43BB-A6A6-84C2A96BDB82}" type="datetimeFigureOut">
               <a:rPr lang="it-IT" smtClean="0"/>
               <a:pPr/>
-              <a:t>02/01/2013</a:t>
+              <a:t>04/01/2013</a:t>
             </a:fld>
             <a:endParaRPr lang="it-IT"/>
           </a:p>
@@ -3789,7 +3649,7 @@
             <a:fld id="{63CABBC0-75E4-43BB-A6A6-84C2A96BDB82}" type="datetimeFigureOut">
               <a:rPr lang="it-IT" smtClean="0"/>
               <a:pPr/>
-              <a:t>02/01/2013</a:t>
+              <a:t>04/01/2013</a:t>
             </a:fld>
             <a:endParaRPr lang="it-IT"/>
           </a:p>
@@ -4086,7 +3946,7 @@
             <a:fld id="{63CABBC0-75E4-43BB-A6A6-84C2A96BDB82}" type="datetimeFigureOut">
               <a:rPr lang="it-IT" smtClean="0"/>
               <a:pPr/>
-              <a:t>02/01/2013</a:t>
+              <a:t>04/01/2013</a:t>
             </a:fld>
             <a:endParaRPr lang="it-IT"/>
           </a:p>
@@ -4866,7 +4726,7 @@
             <a:fld id="{63CABBC0-75E4-43BB-A6A6-84C2A96BDB82}" type="datetimeFigureOut">
               <a:rPr lang="it-IT" smtClean="0"/>
               <a:pPr/>
-              <a:t>02/01/2013</a:t>
+              <a:t>04/01/2013</a:t>
             </a:fld>
             <a:endParaRPr lang="it-IT"/>
           </a:p>
@@ -5484,839 +5344,6 @@
       </p:grpSpPr>
       <p:sp>
         <p:nvSpPr>
-          <p:cNvPr id="6" name="CasellaDiTesto 5"/>
-          <p:cNvSpPr txBox="1"/>
-          <p:nvPr/>
-        </p:nvSpPr>
-        <p:spPr>
-          <a:xfrm>
-            <a:off x="1446520" y="3212976"/>
-            <a:ext cx="6117316" cy="1754326"/>
-          </a:xfrm>
-          <a:prstGeom prst="rect">
-            <a:avLst/>
-          </a:prstGeom>
-          <a:noFill/>
-        </p:spPr>
-        <p:txBody>
-          <a:bodyPr wrap="none" rtlCol="0">
-            <a:spAutoFit/>
-          </a:bodyPr>
-          <a:lstStyle/>
-          <a:p>
-            <a:pPr algn="ctr"/>
-            <a:r>
-              <a:rPr lang="it-IT" sz="5400" b="1" dirty="0" smtClean="0">
-                <a:effectLst>
-                  <a:outerShdw blurRad="38100" dist="38100" dir="2700000" algn="tl">
-                    <a:srgbClr val="000000">
-                      <a:alpha val="43137"/>
-                    </a:srgbClr>
-                  </a:outerShdw>
-                </a:effectLst>
-                <a:latin typeface="+mj-lt"/>
-              </a:rPr>
-              <a:t>Presentazione Finale</a:t>
-            </a:r>
-          </a:p>
-          <a:p>
-            <a:pPr algn="ctr"/>
-            <a:r>
-              <a:rPr lang="it-IT" sz="5400" b="1" dirty="0" smtClean="0">
-                <a:effectLst>
-                  <a:outerShdw blurRad="38100" dist="38100" dir="2700000" algn="tl">
-                    <a:srgbClr val="000000">
-                      <a:alpha val="43137"/>
-                    </a:srgbClr>
-                  </a:outerShdw>
-                </a:effectLst>
-                <a:latin typeface="+mj-lt"/>
-              </a:rPr>
-              <a:t>Team 2</a:t>
-            </a:r>
-            <a:endParaRPr lang="it-IT" sz="2000" b="1" dirty="0">
-              <a:latin typeface="+mj-lt"/>
-            </a:endParaRPr>
-          </a:p>
-        </p:txBody>
-      </p:sp>
-      <p:graphicFrame>
-        <p:nvGraphicFramePr>
-          <p:cNvPr id="8" name="Tabella 7"/>
-          <p:cNvGraphicFramePr>
-            <a:graphicFrameLocks noGrp="1"/>
-          </p:cNvGraphicFramePr>
-          <p:nvPr>
-            <p:extLst>
-              <p:ext uri="{D42A27DB-BD31-4B8C-83A1-F6EECF244321}">
-                <p14:modId xmlns="" xmlns:p14="http://schemas.microsoft.com/office/powerpoint/2010/main" val="3478576524"/>
-              </p:ext>
-            </p:extLst>
-          </p:nvPr>
-        </p:nvGraphicFramePr>
-        <p:xfrm>
-          <a:off x="179512" y="5517232"/>
-          <a:ext cx="2051720" cy="1188720"/>
-        </p:xfrm>
-        <a:graphic>
-          <a:graphicData uri="http://schemas.openxmlformats.org/drawingml/2006/table">
-            <a:tbl>
-              <a:tblPr>
-                <a:tableStyleId>{284E427A-3D55-4303-BF80-6455036E1DE7}</a:tableStyleId>
-              </a:tblPr>
-              <a:tblGrid>
-                <a:gridCol w="2051720"/>
-              </a:tblGrid>
-              <a:tr h="395179">
-                <a:tc>
-                  <a:txBody>
-                    <a:bodyPr/>
-                    <a:lstStyle/>
-                    <a:p>
-                      <a:pPr algn="ctr" rtl="0">
-                        <a:lnSpc>
-                          <a:spcPct val="150000"/>
-                        </a:lnSpc>
-                      </a:pPr>
-                      <a:r>
-                        <a:rPr lang="it-IT" sz="1400" b="1" u="none" strike="noStrike" dirty="0" smtClean="0">
-                          <a:effectLst/>
-                        </a:rPr>
-                        <a:t>Team</a:t>
-                      </a:r>
-                      <a:r>
-                        <a:rPr lang="it-IT" sz="1400" b="1" u="none" strike="noStrike" baseline="0" dirty="0" smtClean="0">
-                          <a:effectLst/>
-                        </a:rPr>
-                        <a:t> </a:t>
-                      </a:r>
-                      <a:r>
-                        <a:rPr lang="it-IT" sz="1400" b="1" u="none" strike="noStrike" baseline="0" dirty="0" err="1" smtClean="0">
-                          <a:effectLst/>
-                        </a:rPr>
-                        <a:t>Members</a:t>
-                      </a:r>
-                      <a:endParaRPr lang="it-IT" sz="1400" b="1" u="none" strike="noStrike" dirty="0">
-                        <a:effectLst/>
-                      </a:endParaRPr>
-                    </a:p>
-                  </a:txBody>
-                  <a:tcPr marL="38100" marR="38100" marT="38100" marB="38100"/>
-                </a:tc>
-              </a:tr>
-              <a:tr h="381373">
-                <a:tc>
-                  <a:txBody>
-                    <a:bodyPr/>
-                    <a:lstStyle/>
-                    <a:p>
-                      <a:pPr algn="ctr" rtl="0">
-                        <a:lnSpc>
-                          <a:spcPct val="150000"/>
-                        </a:lnSpc>
-                      </a:pPr>
-                      <a:r>
-                        <a:rPr lang="it-IT" sz="1400" dirty="0" smtClean="0">
-                          <a:effectLst/>
-                        </a:rPr>
-                        <a:t>Luca Di</a:t>
-                      </a:r>
-                      <a:r>
-                        <a:rPr lang="it-IT" sz="1400" baseline="0" dirty="0" smtClean="0">
-                          <a:effectLst/>
-                        </a:rPr>
-                        <a:t> Costanzo</a:t>
-                      </a:r>
-                      <a:endParaRPr lang="it-IT" sz="1400" dirty="0">
-                        <a:effectLst/>
-                      </a:endParaRPr>
-                    </a:p>
-                  </a:txBody>
-                  <a:tcPr marL="38100" marR="38100" marT="38100" marB="38100"/>
-                </a:tc>
-              </a:tr>
-              <a:tr h="381373">
-                <a:tc>
-                  <a:txBody>
-                    <a:bodyPr/>
-                    <a:lstStyle/>
-                    <a:p>
-                      <a:pPr algn="ctr" rtl="0">
-                        <a:lnSpc>
-                          <a:spcPct val="150000"/>
-                        </a:lnSpc>
-                      </a:pPr>
-                      <a:r>
-                        <a:rPr lang="it-IT" sz="1400" dirty="0" smtClean="0">
-                          <a:effectLst/>
-                        </a:rPr>
-                        <a:t>&lt;matricola</a:t>
-                      </a:r>
-                      <a:r>
-                        <a:rPr lang="it-IT" sz="1400" baseline="0" dirty="0" smtClean="0">
-                          <a:effectLst/>
-                        </a:rPr>
-                        <a:t> qui&gt;</a:t>
-                      </a:r>
-                      <a:endParaRPr lang="it-IT" sz="1400" dirty="0">
-                        <a:effectLst/>
-                      </a:endParaRPr>
-                    </a:p>
-                  </a:txBody>
-                  <a:tcPr marL="38100" marR="38100" marT="38100" marB="38100"/>
-                </a:tc>
-              </a:tr>
-            </a:tbl>
-          </a:graphicData>
-        </a:graphic>
-      </p:graphicFrame>
-      <p:graphicFrame>
-        <p:nvGraphicFramePr>
-          <p:cNvPr id="9" name="Tabella 8"/>
-          <p:cNvGraphicFramePr>
-            <a:graphicFrameLocks noGrp="1"/>
-          </p:cNvGraphicFramePr>
-          <p:nvPr>
-            <p:extLst>
-              <p:ext uri="{D42A27DB-BD31-4B8C-83A1-F6EECF244321}">
-                <p14:modId xmlns="" xmlns:p14="http://schemas.microsoft.com/office/powerpoint/2010/main" val="3696521689"/>
-              </p:ext>
-            </p:extLst>
-          </p:nvPr>
-        </p:nvGraphicFramePr>
-        <p:xfrm>
-          <a:off x="6948264" y="5877272"/>
-          <a:ext cx="2051720" cy="792480"/>
-        </p:xfrm>
-        <a:graphic>
-          <a:graphicData uri="http://schemas.openxmlformats.org/drawingml/2006/table">
-            <a:tbl>
-              <a:tblPr>
-                <a:tableStyleId>{284E427A-3D55-4303-BF80-6455036E1DE7}</a:tableStyleId>
-              </a:tblPr>
-              <a:tblGrid>
-                <a:gridCol w="2051720"/>
-              </a:tblGrid>
-              <a:tr h="0">
-                <a:tc>
-                  <a:txBody>
-                    <a:bodyPr/>
-                    <a:lstStyle/>
-                    <a:p>
-                      <a:pPr algn="ctr" rtl="0">
-                        <a:lnSpc>
-                          <a:spcPct val="150000"/>
-                        </a:lnSpc>
-                      </a:pPr>
-                      <a:r>
-                        <a:rPr lang="it-IT" sz="1400" b="1" u="none" strike="noStrike" dirty="0" smtClean="0">
-                          <a:effectLst/>
-                        </a:rPr>
-                        <a:t>Project</a:t>
-                      </a:r>
-                      <a:r>
-                        <a:rPr lang="it-IT" sz="1400" b="1" u="none" strike="noStrike" baseline="0" dirty="0" smtClean="0">
-                          <a:effectLst/>
-                        </a:rPr>
-                        <a:t> Manager</a:t>
-                      </a:r>
-                      <a:endParaRPr lang="it-IT" sz="1400" b="1" u="none" strike="noStrike" dirty="0">
-                        <a:effectLst/>
-                      </a:endParaRPr>
-                    </a:p>
-                  </a:txBody>
-                  <a:tcPr marL="38100" marR="38100" marT="38100" marB="38100"/>
-                </a:tc>
-              </a:tr>
-              <a:tr h="0">
-                <a:tc>
-                  <a:txBody>
-                    <a:bodyPr/>
-                    <a:lstStyle/>
-                    <a:p>
-                      <a:pPr algn="ctr" rtl="0">
-                        <a:lnSpc>
-                          <a:spcPct val="150000"/>
-                        </a:lnSpc>
-                      </a:pPr>
-                      <a:r>
-                        <a:rPr lang="it-IT" sz="1400" dirty="0" smtClean="0">
-                          <a:effectLst/>
-                        </a:rPr>
-                        <a:t>Giulio Franco</a:t>
-                      </a:r>
-                      <a:endParaRPr lang="it-IT" sz="1400" dirty="0">
-                        <a:effectLst/>
-                      </a:endParaRPr>
-                    </a:p>
-                  </a:txBody>
-                  <a:tcPr marL="38100" marR="38100" marT="38100" marB="38100"/>
-                </a:tc>
-              </a:tr>
-            </a:tbl>
-          </a:graphicData>
-        </a:graphic>
-      </p:graphicFrame>
-      <p:pic>
-        <p:nvPicPr>
-          <p:cNvPr id="1027" name="Picture 3" descr="C:\linda\uni\esami_da_svolgere\gps\progetto_gps\Atsilo\documenti_comuni\loghi\logo.png"/>
-          <p:cNvPicPr>
-            <a:picLocks noChangeAspect="1" noChangeArrowheads="1"/>
-          </p:cNvPicPr>
-          <p:nvPr/>
-        </p:nvPicPr>
-        <p:blipFill>
-          <a:blip r:embed="rId3" cstate="print">
-            <a:extLst>
-              <a:ext uri="{28A0092B-C50C-407E-A947-70E740481C1C}">
-                <a14:useLocalDpi xmlns="" xmlns:a14="http://schemas.microsoft.com/office/drawing/2010/main" val="0"/>
-              </a:ext>
-            </a:extLst>
-          </a:blip>
-          <a:srcRect/>
-          <a:stretch>
-            <a:fillRect/>
-          </a:stretch>
-        </p:blipFill>
-        <p:spPr bwMode="auto">
-          <a:xfrm>
-            <a:off x="2188244" y="764704"/>
-            <a:ext cx="4163346" cy="2592288"/>
-          </a:xfrm>
-          <a:prstGeom prst="rect">
-            <a:avLst/>
-          </a:prstGeom>
-          <a:noFill/>
-          <a:extLst>
-            <a:ext uri="{909E8E84-426E-40DD-AFC4-6F175D3DCCD1}">
-              <a14:hiddenFill xmlns="" xmlns:a14="http://schemas.microsoft.com/office/drawing/2010/main">
-                <a:solidFill>
-                  <a:srgbClr val="FFFFFF"/>
-                </a:solidFill>
-              </a14:hiddenFill>
-            </a:ext>
-          </a:extLst>
-        </p:spPr>
-      </p:pic>
-    </p:spTree>
-    <p:extLst>
-      <p:ext uri="{BB962C8B-B14F-4D97-AF65-F5344CB8AC3E}">
-        <p14:creationId xmlns="" xmlns:p14="http://schemas.microsoft.com/office/powerpoint/2010/main" val="4165334171"/>
-      </p:ext>
-    </p:extLst>
-  </p:cSld>
-  <p:clrMapOvr>
-    <a:masterClrMapping/>
-  </p:clrMapOvr>
-  <p:timing>
-    <p:tnLst>
-      <p:par>
-        <p:cTn id="1" dur="indefinite" restart="never" nodeType="tmRoot"/>
-      </p:par>
-    </p:tnLst>
-  </p:timing>
-</p:sld>
-</file>
-
-<file path=ppt/slides/slide10.xml><?xml version="1.0" encoding="utf-8"?>
-<p:sld xmlns:a="http://schemas.openxmlformats.org/drawingml/2006/main" xmlns:r="http://schemas.openxmlformats.org/officeDocument/2006/relationships" xmlns:p="http://schemas.openxmlformats.org/presentationml/2006/main">
-  <p:cSld>
-    <p:spTree>
-      <p:nvGrpSpPr>
-        <p:cNvPr id="1" name=""/>
-        <p:cNvGrpSpPr/>
-        <p:nvPr/>
-      </p:nvGrpSpPr>
-      <p:grpSpPr>
-        <a:xfrm>
-          <a:off x="0" y="0"/>
-          <a:ext cx="0" cy="0"/>
-          <a:chOff x="0" y="0"/>
-          <a:chExt cx="0" cy="0"/>
-        </a:xfrm>
-      </p:grpSpPr>
-      <p:sp>
-        <p:nvSpPr>
-          <p:cNvPr id="2" name="CasellaDiTesto 1"/>
-          <p:cNvSpPr txBox="1"/>
-          <p:nvPr/>
-        </p:nvSpPr>
-        <p:spPr>
-          <a:xfrm>
-            <a:off x="500034" y="476672"/>
-            <a:ext cx="8142305" cy="1538883"/>
-          </a:xfrm>
-          <a:prstGeom prst="rect">
-            <a:avLst/>
-          </a:prstGeom>
-          <a:noFill/>
-        </p:spPr>
-        <p:txBody>
-          <a:bodyPr wrap="square" rtlCol="0">
-            <a:spAutoFit/>
-          </a:bodyPr>
-          <a:lstStyle/>
-          <a:p>
-            <a:pPr algn="ctr"/>
-            <a:r>
-              <a:rPr lang="it-IT" sz="4800" b="1" dirty="0" smtClean="0"/>
-              <a:t>Gestione Eventi</a:t>
-            </a:r>
-          </a:p>
-          <a:p>
-            <a:pPr algn="ctr"/>
-            <a:r>
-              <a:rPr lang="it-IT" sz="2800" b="1" dirty="0" smtClean="0">
-                <a:latin typeface="+mj-lt"/>
-              </a:rPr>
-              <a:t>Modifica Evento</a:t>
-            </a:r>
-          </a:p>
-          <a:p>
-            <a:pPr algn="ctr"/>
-            <a:endParaRPr lang="it-IT" dirty="0">
-              <a:latin typeface="+mj-lt"/>
-            </a:endParaRPr>
-          </a:p>
-        </p:txBody>
-      </p:sp>
-      <p:sp>
-        <p:nvSpPr>
-          <p:cNvPr id="6" name="Rettangolo 5"/>
-          <p:cNvSpPr/>
-          <p:nvPr/>
-        </p:nvSpPr>
-        <p:spPr>
-          <a:xfrm>
-            <a:off x="214282" y="1857365"/>
-            <a:ext cx="8786874" cy="830997"/>
-          </a:xfrm>
-          <a:prstGeom prst="rect">
-            <a:avLst/>
-          </a:prstGeom>
-        </p:spPr>
-        <p:txBody>
-          <a:bodyPr wrap="square">
-            <a:spAutoFit/>
-          </a:bodyPr>
-          <a:lstStyle/>
-          <a:p>
-            <a:pPr algn="just"/>
-            <a:r>
-              <a:rPr lang="it-IT" sz="2400" dirty="0" smtClean="0"/>
-              <a:t>E’ possibile modificare solo un evento creato dalla stessa persona che vuole effettuare la modifica. </a:t>
-            </a:r>
-          </a:p>
-        </p:txBody>
-      </p:sp>
-      <p:pic>
-        <p:nvPicPr>
-          <p:cNvPr id="5122" name="Picture 2" descr="C:\Users\Amministratore\Desktop\eventi\modifica.png"/>
-          <p:cNvPicPr>
-            <a:picLocks noChangeAspect="1" noChangeArrowheads="1"/>
-          </p:cNvPicPr>
-          <p:nvPr/>
-        </p:nvPicPr>
-        <p:blipFill>
-          <a:blip r:embed="rId3" cstate="print"/>
-          <a:srcRect/>
-          <a:stretch>
-            <a:fillRect/>
-          </a:stretch>
-        </p:blipFill>
-        <p:spPr bwMode="auto">
-          <a:xfrm>
-            <a:off x="1071538" y="2786058"/>
-            <a:ext cx="7786742" cy="3887063"/>
-          </a:xfrm>
-          <a:prstGeom prst="rect">
-            <a:avLst/>
-          </a:prstGeom>
-          <a:noFill/>
-        </p:spPr>
-      </p:pic>
-    </p:spTree>
-    <p:extLst>
-      <p:ext uri="{BB962C8B-B14F-4D97-AF65-F5344CB8AC3E}">
-        <p14:creationId xmlns="" xmlns:p14="http://schemas.microsoft.com/office/powerpoint/2010/main" val="155874689"/>
-      </p:ext>
-    </p:extLst>
-  </p:cSld>
-  <p:clrMapOvr>
-    <a:masterClrMapping/>
-  </p:clrMapOvr>
-  <mc:AlternateContent xmlns:mc="http://schemas.openxmlformats.org/markup-compatibility/2006">
-    <mc:Choice xmlns="" xmlns:p14="http://schemas.microsoft.com/office/powerpoint/2010/main" Requires="p14">
-      <p:transition spd="slow" p14:dur="2000"/>
-    </mc:Choice>
-    <mc:Fallback>
-      <p:transition spd="slow"/>
-    </mc:Fallback>
-  </mc:AlternateContent>
-  <p:timing>
-    <p:tnLst>
-      <p:par>
-        <p:cTn id="1" dur="indefinite" restart="never" nodeType="tmRoot"/>
-      </p:par>
-    </p:tnLst>
-  </p:timing>
-</p:sld>
-</file>
-
-<file path=ppt/slides/slide11.xml><?xml version="1.0" encoding="utf-8"?>
-<p:sld xmlns:a="http://schemas.openxmlformats.org/drawingml/2006/main" xmlns:r="http://schemas.openxmlformats.org/officeDocument/2006/relationships" xmlns:p="http://schemas.openxmlformats.org/presentationml/2006/main">
-  <p:cSld>
-    <p:spTree>
-      <p:nvGrpSpPr>
-        <p:cNvPr id="1" name=""/>
-        <p:cNvGrpSpPr/>
-        <p:nvPr/>
-      </p:nvGrpSpPr>
-      <p:grpSpPr>
-        <a:xfrm>
-          <a:off x="0" y="0"/>
-          <a:ext cx="0" cy="0"/>
-          <a:chOff x="0" y="0"/>
-          <a:chExt cx="0" cy="0"/>
-        </a:xfrm>
-      </p:grpSpPr>
-      <p:sp>
-        <p:nvSpPr>
-          <p:cNvPr id="2" name="CasellaDiTesto 1"/>
-          <p:cNvSpPr txBox="1"/>
-          <p:nvPr/>
-        </p:nvSpPr>
-        <p:spPr>
-          <a:xfrm>
-            <a:off x="500034" y="476672"/>
-            <a:ext cx="8142305" cy="1538883"/>
-          </a:xfrm>
-          <a:prstGeom prst="rect">
-            <a:avLst/>
-          </a:prstGeom>
-          <a:noFill/>
-        </p:spPr>
-        <p:txBody>
-          <a:bodyPr wrap="square" rtlCol="0">
-            <a:spAutoFit/>
-          </a:bodyPr>
-          <a:lstStyle/>
-          <a:p>
-            <a:pPr algn="ctr"/>
-            <a:r>
-              <a:rPr lang="it-IT" sz="4800" b="1" dirty="0" smtClean="0"/>
-              <a:t>Gestione Eventi</a:t>
-            </a:r>
-          </a:p>
-          <a:p>
-            <a:pPr algn="ctr"/>
-            <a:r>
-              <a:rPr lang="it-IT" sz="2800" b="1" dirty="0" smtClean="0">
-                <a:latin typeface="+mj-lt"/>
-              </a:rPr>
-              <a:t>Rimozione Evento</a:t>
-            </a:r>
-          </a:p>
-          <a:p>
-            <a:pPr algn="ctr"/>
-            <a:endParaRPr lang="it-IT" dirty="0">
-              <a:latin typeface="+mj-lt"/>
-            </a:endParaRPr>
-          </a:p>
-        </p:txBody>
-      </p:sp>
-      <p:sp>
-        <p:nvSpPr>
-          <p:cNvPr id="6" name="Rettangolo 5"/>
-          <p:cNvSpPr/>
-          <p:nvPr/>
-        </p:nvSpPr>
-        <p:spPr>
-          <a:xfrm>
-            <a:off x="214282" y="1857365"/>
-            <a:ext cx="8786874" cy="830997"/>
-          </a:xfrm>
-          <a:prstGeom prst="rect">
-            <a:avLst/>
-          </a:prstGeom>
-        </p:spPr>
-        <p:txBody>
-          <a:bodyPr wrap="square">
-            <a:spAutoFit/>
-          </a:bodyPr>
-          <a:lstStyle/>
-          <a:p>
-            <a:pPr algn="just"/>
-            <a:r>
-              <a:rPr lang="it-IT" sz="2400" dirty="0" smtClean="0"/>
-              <a:t>E’ possibile cancellare un evento. Per farlo bisogna essere l’autore dell’evento che decidiamo di eliminare.</a:t>
-            </a:r>
-          </a:p>
-        </p:txBody>
-      </p:sp>
-      <p:pic>
-        <p:nvPicPr>
-          <p:cNvPr id="6146" name="Picture 2" descr="C:\Users\Amministratore\Desktop\eventi\elimina.jpg"/>
-          <p:cNvPicPr>
-            <a:picLocks noChangeAspect="1" noChangeArrowheads="1"/>
-          </p:cNvPicPr>
-          <p:nvPr/>
-        </p:nvPicPr>
-        <p:blipFill>
-          <a:blip r:embed="rId3" cstate="print"/>
-          <a:srcRect/>
-          <a:stretch>
-            <a:fillRect/>
-          </a:stretch>
-        </p:blipFill>
-        <p:spPr bwMode="auto">
-          <a:xfrm>
-            <a:off x="1071538" y="2786058"/>
-            <a:ext cx="7815279" cy="3913748"/>
-          </a:xfrm>
-          <a:prstGeom prst="rect">
-            <a:avLst/>
-          </a:prstGeom>
-          <a:noFill/>
-        </p:spPr>
-      </p:pic>
-    </p:spTree>
-    <p:extLst>
-      <p:ext uri="{BB962C8B-B14F-4D97-AF65-F5344CB8AC3E}">
-        <p14:creationId xmlns="" xmlns:p14="http://schemas.microsoft.com/office/powerpoint/2010/main" val="155874689"/>
-      </p:ext>
-    </p:extLst>
-  </p:cSld>
-  <p:clrMapOvr>
-    <a:masterClrMapping/>
-  </p:clrMapOvr>
-  <mc:AlternateContent xmlns:mc="http://schemas.openxmlformats.org/markup-compatibility/2006">
-    <mc:Choice xmlns="" xmlns:p14="http://schemas.microsoft.com/office/powerpoint/2010/main" Requires="p14">
-      <p:transition spd="slow" p14:dur="2000"/>
-    </mc:Choice>
-    <mc:Fallback>
-      <p:transition spd="slow"/>
-    </mc:Fallback>
-  </mc:AlternateContent>
-  <p:timing>
-    <p:tnLst>
-      <p:par>
-        <p:cTn id="1" dur="indefinite" restart="never" nodeType="tmRoot"/>
-      </p:par>
-    </p:tnLst>
-  </p:timing>
-</p:sld>
-</file>
-
-<file path=ppt/slides/slide12.xml><?xml version="1.0" encoding="utf-8"?>
-<p:sld xmlns:a="http://schemas.openxmlformats.org/drawingml/2006/main" xmlns:r="http://schemas.openxmlformats.org/officeDocument/2006/relationships" xmlns:p="http://schemas.openxmlformats.org/presentationml/2006/main">
-  <p:cSld>
-    <p:spTree>
-      <p:nvGrpSpPr>
-        <p:cNvPr id="1" name=""/>
-        <p:cNvGrpSpPr/>
-        <p:nvPr/>
-      </p:nvGrpSpPr>
-      <p:grpSpPr>
-        <a:xfrm>
-          <a:off x="0" y="0"/>
-          <a:ext cx="0" cy="0"/>
-          <a:chOff x="0" y="0"/>
-          <a:chExt cx="0" cy="0"/>
-        </a:xfrm>
-      </p:grpSpPr>
-      <p:sp>
-        <p:nvSpPr>
-          <p:cNvPr id="2" name="CasellaDiTesto 1"/>
-          <p:cNvSpPr txBox="1"/>
-          <p:nvPr/>
-        </p:nvSpPr>
-        <p:spPr>
-          <a:xfrm>
-            <a:off x="500034" y="476672"/>
-            <a:ext cx="8142305" cy="1538883"/>
-          </a:xfrm>
-          <a:prstGeom prst="rect">
-            <a:avLst/>
-          </a:prstGeom>
-          <a:noFill/>
-        </p:spPr>
-        <p:txBody>
-          <a:bodyPr wrap="square" rtlCol="0">
-            <a:spAutoFit/>
-          </a:bodyPr>
-          <a:lstStyle/>
-          <a:p>
-            <a:pPr algn="ctr"/>
-            <a:r>
-              <a:rPr lang="it-IT" sz="4800" b="1" dirty="0" smtClean="0"/>
-              <a:t>Gestione Eventi</a:t>
-            </a:r>
-          </a:p>
-          <a:p>
-            <a:pPr algn="ctr"/>
-            <a:r>
-              <a:rPr lang="it-IT" sz="2800" b="1" dirty="0" smtClean="0">
-                <a:latin typeface="+mj-lt"/>
-              </a:rPr>
-              <a:t>Singleton Pattern</a:t>
-            </a:r>
-          </a:p>
-          <a:p>
-            <a:pPr algn="ctr"/>
-            <a:endParaRPr lang="it-IT" dirty="0">
-              <a:latin typeface="+mj-lt"/>
-            </a:endParaRPr>
-          </a:p>
-        </p:txBody>
-      </p:sp>
-      <p:sp>
-        <p:nvSpPr>
-          <p:cNvPr id="6" name="Rettangolo 5"/>
-          <p:cNvSpPr/>
-          <p:nvPr/>
-        </p:nvSpPr>
-        <p:spPr>
-          <a:xfrm>
-            <a:off x="214282" y="1857365"/>
-            <a:ext cx="8786874" cy="2308324"/>
-          </a:xfrm>
-          <a:prstGeom prst="rect">
-            <a:avLst/>
-          </a:prstGeom>
-        </p:spPr>
-        <p:txBody>
-          <a:bodyPr wrap="square">
-            <a:spAutoFit/>
-          </a:bodyPr>
-          <a:lstStyle/>
-          <a:p>
-            <a:pPr algn="just"/>
-            <a:r>
-              <a:rPr lang="it-IT" sz="2400" dirty="0" smtClean="0"/>
-              <a:t>Durante tutta la fase di implementazione abbiamo utilizzato il design pattern “singleton”. </a:t>
-            </a:r>
-          </a:p>
-          <a:p>
-            <a:pPr algn="just"/>
-            <a:endParaRPr lang="it-IT" sz="2400" dirty="0" smtClean="0"/>
-          </a:p>
-          <a:p>
-            <a:pPr algn="just"/>
-            <a:r>
-              <a:rPr lang="it-IT" sz="2400" dirty="0" smtClean="0"/>
-              <a:t>Questo pattern di tipo </a:t>
-            </a:r>
-            <a:r>
-              <a:rPr lang="it-IT" sz="2400" dirty="0" err="1" smtClean="0"/>
-              <a:t>creazionale</a:t>
-            </a:r>
-            <a:r>
-              <a:rPr lang="it-IT" sz="2400" dirty="0" smtClean="0"/>
-              <a:t> permette di realizzare una sola istanza di una determinata classe fornendo un punto d’accesso globale a tale istanza.</a:t>
-            </a:r>
-          </a:p>
-        </p:txBody>
-      </p:sp>
-      <p:pic>
-        <p:nvPicPr>
-          <p:cNvPr id="7170" name="Picture 2" descr="C:\Users\Amministratore\Desktop\eventi\singleton1.png"/>
-          <p:cNvPicPr>
-            <a:picLocks noChangeAspect="1" noChangeArrowheads="1"/>
-          </p:cNvPicPr>
-          <p:nvPr/>
-        </p:nvPicPr>
-        <p:blipFill>
-          <a:blip r:embed="rId3" cstate="print"/>
-          <a:srcRect/>
-          <a:stretch>
-            <a:fillRect/>
-          </a:stretch>
-        </p:blipFill>
-        <p:spPr bwMode="auto">
-          <a:xfrm>
-            <a:off x="357157" y="4286256"/>
-            <a:ext cx="7377067" cy="714380"/>
-          </a:xfrm>
-          <a:prstGeom prst="rect">
-            <a:avLst/>
-          </a:prstGeom>
-          <a:noFill/>
-        </p:spPr>
-      </p:pic>
-      <p:pic>
-        <p:nvPicPr>
-          <p:cNvPr id="7171" name="Picture 3" descr="C:\Users\Amministratore\Desktop\eventi\singleton2.png"/>
-          <p:cNvPicPr>
-            <a:picLocks noChangeAspect="1" noChangeArrowheads="1"/>
-          </p:cNvPicPr>
-          <p:nvPr/>
-        </p:nvPicPr>
-        <p:blipFill>
-          <a:blip r:embed="rId4" cstate="print"/>
-          <a:srcRect/>
-          <a:stretch>
-            <a:fillRect/>
-          </a:stretch>
-        </p:blipFill>
-        <p:spPr bwMode="auto">
-          <a:xfrm>
-            <a:off x="142844" y="5102350"/>
-            <a:ext cx="4500594" cy="1755650"/>
-          </a:xfrm>
-          <a:prstGeom prst="rect">
-            <a:avLst/>
-          </a:prstGeom>
-          <a:noFill/>
-        </p:spPr>
-      </p:pic>
-    </p:spTree>
-    <p:extLst>
-      <p:ext uri="{BB962C8B-B14F-4D97-AF65-F5344CB8AC3E}">
-        <p14:creationId xmlns="" xmlns:p14="http://schemas.microsoft.com/office/powerpoint/2010/main" val="155874689"/>
-      </p:ext>
-    </p:extLst>
-  </p:cSld>
-  <p:clrMapOvr>
-    <a:masterClrMapping/>
-  </p:clrMapOvr>
-  <mc:AlternateContent xmlns:mc="http://schemas.openxmlformats.org/markup-compatibility/2006">
-    <mc:Choice xmlns="" xmlns:p14="http://schemas.microsoft.com/office/powerpoint/2010/main" Requires="p14">
-      <p:transition spd="slow" p14:dur="2000"/>
-    </mc:Choice>
-    <mc:Fallback>
-      <p:transition spd="slow"/>
-    </mc:Fallback>
-  </mc:AlternateContent>
-  <p:timing>
-    <p:tnLst>
-      <p:par>
-        <p:cTn id="1" dur="indefinite" restart="never" nodeType="tmRoot"/>
-      </p:par>
-    </p:tnLst>
-  </p:timing>
-</p:sld>
-</file>
-
-<file path=ppt/slides/slide2.xml><?xml version="1.0" encoding="utf-8"?>
-<p:sld xmlns:a="http://schemas.openxmlformats.org/drawingml/2006/main" xmlns:r="http://schemas.openxmlformats.org/officeDocument/2006/relationships" xmlns:p="http://schemas.openxmlformats.org/presentationml/2006/main">
-  <p:cSld>
-    <p:spTree>
-      <p:nvGrpSpPr>
-        <p:cNvPr id="1" name=""/>
-        <p:cNvGrpSpPr/>
-        <p:nvPr/>
-      </p:nvGrpSpPr>
-      <p:grpSpPr>
-        <a:xfrm>
-          <a:off x="0" y="0"/>
-          <a:ext cx="0" cy="0"/>
-          <a:chOff x="0" y="0"/>
-          <a:chExt cx="0" cy="0"/>
-        </a:xfrm>
-      </p:grpSpPr>
-      <p:sp>
-        <p:nvSpPr>
           <p:cNvPr id="2" name="CasellaDiTesto 1"/>
           <p:cNvSpPr txBox="1"/>
           <p:nvPr/>
@@ -6556,6 +5583,178 @@
     </p:spTree>
     <p:extLst>
       <p:ext uri="{BB962C8B-B14F-4D97-AF65-F5344CB8AC3E}">
+        <p14:creationId xmlns:p14="http://schemas.microsoft.com/office/powerpoint/2010/main" xmlns="" val="155874689"/>
+      </p:ext>
+    </p:extLst>
+  </p:cSld>
+  <p:clrMapOvr>
+    <a:masterClrMapping/>
+  </p:clrMapOvr>
+  <mc:AlternateContent xmlns:mc="http://schemas.openxmlformats.org/markup-compatibility/2006">
+    <mc:Choice xmlns:p14="http://schemas.microsoft.com/office/powerpoint/2010/main" xmlns="" Requires="p14">
+      <p:transition spd="slow" p14:dur="2000"/>
+    </mc:Choice>
+    <mc:Fallback>
+      <p:transition spd="slow"/>
+    </mc:Fallback>
+  </mc:AlternateContent>
+  <p:timing>
+    <p:tnLst>
+      <p:par>
+        <p:cTn id="1" dur="indefinite" restart="never" nodeType="tmRoot"/>
+      </p:par>
+    </p:tnLst>
+  </p:timing>
+</p:sld>
+</file>
+
+<file path=ppt/slides/slide10.xml><?xml version="1.0" encoding="utf-8"?>
+<p:sld xmlns:a="http://schemas.openxmlformats.org/drawingml/2006/main" xmlns:r="http://schemas.openxmlformats.org/officeDocument/2006/relationships" xmlns:p="http://schemas.openxmlformats.org/presentationml/2006/main">
+  <p:cSld>
+    <p:spTree>
+      <p:nvGrpSpPr>
+        <p:cNvPr id="1" name=""/>
+        <p:cNvGrpSpPr/>
+        <p:nvPr/>
+      </p:nvGrpSpPr>
+      <p:grpSpPr>
+        <a:xfrm>
+          <a:off x="0" y="0"/>
+          <a:ext cx="0" cy="0"/>
+          <a:chOff x="0" y="0"/>
+          <a:chExt cx="0" cy="0"/>
+        </a:xfrm>
+      </p:grpSpPr>
+      <p:sp>
+        <p:nvSpPr>
+          <p:cNvPr id="6" name="CasellaDiTesto 5"/>
+          <p:cNvSpPr txBox="1"/>
+          <p:nvPr/>
+        </p:nvSpPr>
+        <p:spPr>
+          <a:xfrm>
+            <a:off x="467544" y="0"/>
+            <a:ext cx="8142305" cy="1107996"/>
+          </a:xfrm>
+          <a:prstGeom prst="rect">
+            <a:avLst/>
+          </a:prstGeom>
+          <a:noFill/>
+        </p:spPr>
+        <p:txBody>
+          <a:bodyPr wrap="square" rtlCol="0">
+            <a:spAutoFit/>
+          </a:bodyPr>
+          <a:lstStyle/>
+          <a:p>
+            <a:pPr algn="ctr"/>
+            <a:r>
+              <a:rPr lang="it-IT" sz="4800" b="1" dirty="0" smtClean="0"/>
+              <a:t>Gestione Eventi</a:t>
+            </a:r>
+          </a:p>
+          <a:p>
+            <a:pPr algn="ctr"/>
+            <a:endParaRPr lang="it-IT" dirty="0">
+              <a:latin typeface="+mj-lt"/>
+            </a:endParaRPr>
+          </a:p>
+        </p:txBody>
+      </p:sp>
+      <p:sp>
+        <p:nvSpPr>
+          <p:cNvPr id="4" name="CasellaDiTesto 3"/>
+          <p:cNvSpPr txBox="1"/>
+          <p:nvPr/>
+        </p:nvSpPr>
+        <p:spPr>
+          <a:xfrm>
+            <a:off x="467544" y="0"/>
+            <a:ext cx="8142305" cy="1538883"/>
+          </a:xfrm>
+          <a:prstGeom prst="rect">
+            <a:avLst/>
+          </a:prstGeom>
+          <a:noFill/>
+        </p:spPr>
+        <p:txBody>
+          <a:bodyPr wrap="square" rtlCol="0">
+            <a:spAutoFit/>
+          </a:bodyPr>
+          <a:lstStyle/>
+          <a:p>
+            <a:pPr algn="ctr"/>
+            <a:r>
+              <a:rPr lang="it-IT" sz="4800" b="1" dirty="0" smtClean="0"/>
+              <a:t>Gestione Eventi</a:t>
+            </a:r>
+          </a:p>
+          <a:p>
+            <a:pPr algn="ctr"/>
+            <a:endParaRPr lang="it-IT" sz="2800" b="1" dirty="0" smtClean="0">
+              <a:latin typeface="+mj-lt"/>
+            </a:endParaRPr>
+          </a:p>
+          <a:p>
+            <a:pPr algn="ctr"/>
+            <a:endParaRPr lang="it-IT" dirty="0">
+              <a:latin typeface="+mj-lt"/>
+            </a:endParaRPr>
+          </a:p>
+        </p:txBody>
+      </p:sp>
+      <p:sp>
+        <p:nvSpPr>
+          <p:cNvPr id="7" name="Rettangolo 6"/>
+          <p:cNvSpPr/>
+          <p:nvPr/>
+        </p:nvSpPr>
+        <p:spPr>
+          <a:xfrm>
+            <a:off x="251520" y="1772816"/>
+            <a:ext cx="8607362" cy="1938992"/>
+          </a:xfrm>
+          <a:prstGeom prst="rect">
+            <a:avLst/>
+          </a:prstGeom>
+        </p:spPr>
+        <p:txBody>
+          <a:bodyPr wrap="square">
+            <a:spAutoFit/>
+          </a:bodyPr>
+          <a:lstStyle/>
+          <a:p>
+            <a:pPr algn="just">
+              <a:buFont typeface="Wingdings" pitchFamily="2" charset="2"/>
+              <a:buChar char="v"/>
+            </a:pPr>
+            <a:r>
+              <a:rPr lang="it-IT" sz="2400" dirty="0" smtClean="0"/>
+              <a:t>Si è scelto di supportare la sicurezza e l’usabilità in quanto requisito fondamentale del nostro sistema.</a:t>
+            </a:r>
+          </a:p>
+          <a:p>
+            <a:pPr algn="just">
+              <a:buFont typeface="Wingdings" pitchFamily="2" charset="2"/>
+              <a:buChar char="v"/>
+            </a:pPr>
+            <a:endParaRPr lang="it-IT" sz="2400" dirty="0" smtClean="0"/>
+          </a:p>
+          <a:p>
+            <a:pPr algn="just">
+              <a:buFont typeface="Wingdings" pitchFamily="2" charset="2"/>
+              <a:buChar char="v"/>
+            </a:pPr>
+            <a:r>
+              <a:rPr lang="it-IT" sz="2400" dirty="0" smtClean="0"/>
+              <a:t>Non è stato possibile ricercare una soluzione che fornisse la stessa sicurezza con una complessità minore.</a:t>
+            </a:r>
+          </a:p>
+        </p:txBody>
+      </p:sp>
+    </p:spTree>
+    <p:extLst>
+      <p:ext uri="{BB962C8B-B14F-4D97-AF65-F5344CB8AC3E}">
         <p14:creationId xmlns="" xmlns:p14="http://schemas.microsoft.com/office/powerpoint/2010/main" val="155874689"/>
       </p:ext>
     </p:extLst>
@@ -6581,7 +5780,7 @@
 </p:sld>
 </file>
 
-<file path=ppt/slides/slide3.xml><?xml version="1.0" encoding="utf-8"?>
+<file path=ppt/slides/slide11.xml><?xml version="1.0" encoding="utf-8"?>
 <p:sld xmlns:a="http://schemas.openxmlformats.org/drawingml/2006/main" xmlns:r="http://schemas.openxmlformats.org/officeDocument/2006/relationships" xmlns:p="http://schemas.openxmlformats.org/presentationml/2006/main">
   <p:cSld>
     <p:spTree>
@@ -6623,6 +5822,196 @@
             <a:pPr algn="ctr"/>
             <a:r>
               <a:rPr lang="it-IT" sz="4800" b="1" dirty="0" smtClean="0"/>
+              <a:t>Gestione Eventi</a:t>
+            </a:r>
+          </a:p>
+          <a:p>
+            <a:pPr algn="ctr"/>
+            <a:r>
+              <a:rPr lang="it-IT" sz="2800" b="1" dirty="0" smtClean="0">
+                <a:latin typeface="+mj-lt"/>
+              </a:rPr>
+              <a:t>Singleton Pattern</a:t>
+            </a:r>
+          </a:p>
+          <a:p>
+            <a:pPr algn="ctr"/>
+            <a:endParaRPr lang="it-IT" dirty="0">
+              <a:latin typeface="+mj-lt"/>
+            </a:endParaRPr>
+          </a:p>
+        </p:txBody>
+      </p:sp>
+      <p:sp>
+        <p:nvSpPr>
+          <p:cNvPr id="6" name="Rettangolo 5"/>
+          <p:cNvSpPr/>
+          <p:nvPr/>
+        </p:nvSpPr>
+        <p:spPr>
+          <a:xfrm>
+            <a:off x="214282" y="1857365"/>
+            <a:ext cx="8786874" cy="2308324"/>
+          </a:xfrm>
+          <a:prstGeom prst="rect">
+            <a:avLst/>
+          </a:prstGeom>
+        </p:spPr>
+        <p:txBody>
+          <a:bodyPr wrap="square">
+            <a:spAutoFit/>
+          </a:bodyPr>
+          <a:lstStyle/>
+          <a:p>
+            <a:pPr algn="just"/>
+            <a:r>
+              <a:rPr lang="it-IT" sz="2400" dirty="0" smtClean="0"/>
+              <a:t>Durante tutta la fase di implementazione abbiamo utilizzato il design pattern “singleton”. </a:t>
+            </a:r>
+          </a:p>
+          <a:p>
+            <a:pPr algn="just"/>
+            <a:endParaRPr lang="it-IT" sz="2400" dirty="0" smtClean="0"/>
+          </a:p>
+          <a:p>
+            <a:pPr algn="just"/>
+            <a:r>
+              <a:rPr lang="it-IT" sz="2400" dirty="0" smtClean="0"/>
+              <a:t>Questo pattern di tipo </a:t>
+            </a:r>
+            <a:r>
+              <a:rPr lang="it-IT" sz="2400" dirty="0" err="1" smtClean="0"/>
+              <a:t>creazionale</a:t>
+            </a:r>
+            <a:r>
+              <a:rPr lang="it-IT" sz="2400" dirty="0" smtClean="0"/>
+              <a:t> permette di realizzare una sola istanza di una determinata classe fornendo un punto d’accesso globale a tale istanza.</a:t>
+            </a:r>
+          </a:p>
+        </p:txBody>
+      </p:sp>
+      <p:pic>
+        <p:nvPicPr>
+          <p:cNvPr id="7170" name="Picture 2" descr="C:\Users\Amministratore\Desktop\eventi\singleton1.png"/>
+          <p:cNvPicPr>
+            <a:picLocks noChangeAspect="1" noChangeArrowheads="1"/>
+          </p:cNvPicPr>
+          <p:nvPr/>
+        </p:nvPicPr>
+        <p:blipFill>
+          <a:blip r:embed="rId3" cstate="print"/>
+          <a:srcRect/>
+          <a:stretch>
+            <a:fillRect/>
+          </a:stretch>
+        </p:blipFill>
+        <p:spPr bwMode="auto">
+          <a:xfrm>
+            <a:off x="357157" y="4286256"/>
+            <a:ext cx="7377067" cy="714380"/>
+          </a:xfrm>
+          <a:prstGeom prst="rect">
+            <a:avLst/>
+          </a:prstGeom>
+          <a:noFill/>
+        </p:spPr>
+      </p:pic>
+      <p:pic>
+        <p:nvPicPr>
+          <p:cNvPr id="7171" name="Picture 3" descr="C:\Users\Amministratore\Desktop\eventi\singleton2.png"/>
+          <p:cNvPicPr>
+            <a:picLocks noChangeAspect="1" noChangeArrowheads="1"/>
+          </p:cNvPicPr>
+          <p:nvPr/>
+        </p:nvPicPr>
+        <p:blipFill>
+          <a:blip r:embed="rId4" cstate="print"/>
+          <a:srcRect/>
+          <a:stretch>
+            <a:fillRect/>
+          </a:stretch>
+        </p:blipFill>
+        <p:spPr bwMode="auto">
+          <a:xfrm>
+            <a:off x="142844" y="5102350"/>
+            <a:ext cx="4500594" cy="1755650"/>
+          </a:xfrm>
+          <a:prstGeom prst="rect">
+            <a:avLst/>
+          </a:prstGeom>
+          <a:noFill/>
+        </p:spPr>
+      </p:pic>
+    </p:spTree>
+    <p:extLst>
+      <p:ext uri="{BB962C8B-B14F-4D97-AF65-F5344CB8AC3E}">
+        <p14:creationId xmlns:p14="http://schemas.microsoft.com/office/powerpoint/2010/main" xmlns="" val="155874689"/>
+      </p:ext>
+    </p:extLst>
+  </p:cSld>
+  <p:clrMapOvr>
+    <a:masterClrMapping/>
+  </p:clrMapOvr>
+  <mc:AlternateContent xmlns:mc="http://schemas.openxmlformats.org/markup-compatibility/2006">
+    <mc:Choice xmlns:p14="http://schemas.microsoft.com/office/powerpoint/2010/main" xmlns="" Requires="p14">
+      <p:transition spd="slow" p14:dur="2000"/>
+    </mc:Choice>
+    <mc:Fallback>
+      <p:transition spd="slow"/>
+    </mc:Fallback>
+  </mc:AlternateContent>
+  <p:timing>
+    <p:tnLst>
+      <p:par>
+        <p:cTn id="1" dur="indefinite" restart="never" nodeType="tmRoot"/>
+      </p:par>
+    </p:tnLst>
+  </p:timing>
+</p:sld>
+</file>
+
+<file path=ppt/slides/slide2.xml><?xml version="1.0" encoding="utf-8"?>
+<p:sld xmlns:a="http://schemas.openxmlformats.org/drawingml/2006/main" xmlns:r="http://schemas.openxmlformats.org/officeDocument/2006/relationships" xmlns:p="http://schemas.openxmlformats.org/presentationml/2006/main">
+  <p:cSld>
+    <p:spTree>
+      <p:nvGrpSpPr>
+        <p:cNvPr id="1" name=""/>
+        <p:cNvGrpSpPr/>
+        <p:nvPr/>
+      </p:nvGrpSpPr>
+      <p:grpSpPr>
+        <a:xfrm>
+          <a:off x="0" y="0"/>
+          <a:ext cx="0" cy="0"/>
+          <a:chOff x="0" y="0"/>
+          <a:chExt cx="0" cy="0"/>
+        </a:xfrm>
+      </p:grpSpPr>
+      <p:sp>
+        <p:nvSpPr>
+          <p:cNvPr id="2" name="CasellaDiTesto 1"/>
+          <p:cNvSpPr txBox="1"/>
+          <p:nvPr/>
+        </p:nvSpPr>
+        <p:spPr>
+          <a:xfrm>
+            <a:off x="500034" y="476672"/>
+            <a:ext cx="8142305" cy="1538883"/>
+          </a:xfrm>
+          <a:prstGeom prst="rect">
+            <a:avLst/>
+          </a:prstGeom>
+          <a:noFill/>
+        </p:spPr>
+        <p:txBody>
+          <a:bodyPr wrap="square" rtlCol="0">
+            <a:spAutoFit/>
+          </a:bodyPr>
+          <a:lstStyle/>
+          <a:p>
+            <a:pPr algn="ctr"/>
+            <a:r>
+              <a:rPr lang="it-IT" sz="4800" b="1" dirty="0" smtClean="0"/>
               <a:t>Obiettivi di Design</a:t>
             </a:r>
           </a:p>
@@ -6684,8 +6073,8 @@
         </p:nvSpPr>
         <p:spPr>
           <a:xfrm>
-            <a:off x="285720" y="3786190"/>
-            <a:ext cx="5000660" cy="2353728"/>
+            <a:off x="285720" y="3929066"/>
+            <a:ext cx="5000660" cy="2210852"/>
           </a:xfrm>
           <a:prstGeom prst="rect">
             <a:avLst/>
@@ -6857,28 +6246,11 @@
             <a:pPr lvl="1"/>
             <a:r>
               <a:rPr lang="it-IT" dirty="0" smtClean="0"/>
-              <a:t>Iscrizione Utenti</a:t>
-            </a:r>
-          </a:p>
-          <a:p>
-            <a:pPr lvl="1"/>
+              <a:t>Gestione </a:t>
+            </a:r>
             <a:r>
               <a:rPr lang="it-IT" dirty="0" smtClean="0"/>
-              <a:t> Registrazione Dati personali</a:t>
-            </a:r>
-          </a:p>
-          <a:p>
-            <a:pPr lvl="1"/>
-            <a:r>
-              <a:rPr lang="it-IT" dirty="0" smtClean="0"/>
-              <a:t> Gestione dei pagamenti </a:t>
-            </a:r>
-          </a:p>
-          <a:p>
-            <a:pPr lvl="1"/>
-            <a:r>
-              <a:rPr lang="it-IT" dirty="0" smtClean="0"/>
-              <a:t> Questionari anonimi</a:t>
+              <a:t>dei pagamenti </a:t>
             </a:r>
           </a:p>
         </p:txBody>
@@ -6912,7 +6284,7 @@
     </p:spTree>
     <p:extLst>
       <p:ext uri="{BB962C8B-B14F-4D97-AF65-F5344CB8AC3E}">
-        <p14:creationId xmlns="" xmlns:p14="http://schemas.microsoft.com/office/powerpoint/2010/main" val="155874689"/>
+        <p14:creationId xmlns:p14="http://schemas.microsoft.com/office/powerpoint/2010/main" xmlns="" val="155874689"/>
       </p:ext>
     </p:extLst>
   </p:cSld>
@@ -6920,7 +6292,7 @@
     <a:masterClrMapping/>
   </p:clrMapOvr>
   <mc:AlternateContent xmlns:mc="http://schemas.openxmlformats.org/markup-compatibility/2006">
-    <mc:Choice xmlns="" xmlns:p14="http://schemas.microsoft.com/office/powerpoint/2010/main" Requires="p14">
+    <mc:Choice xmlns:p14="http://schemas.microsoft.com/office/powerpoint/2010/main" xmlns="" Requires="p14">
       <p:transition spd="slow" p14:dur="2000"/>
     </mc:Choice>
     <mc:Fallback>
@@ -6937,7 +6309,7 @@
 </p:sld>
 </file>
 
-<file path=ppt/slides/slide4.xml><?xml version="1.0" encoding="utf-8"?>
+<file path=ppt/slides/slide3.xml><?xml version="1.0" encoding="utf-8"?>
 <p:sld xmlns:a="http://schemas.openxmlformats.org/drawingml/2006/main" xmlns:r="http://schemas.openxmlformats.org/officeDocument/2006/relationships" xmlns:p="http://schemas.openxmlformats.org/presentationml/2006/main">
   <p:cSld>
     <p:spTree>
@@ -7218,21 +6590,11 @@
             <a:pPr lvl="1"/>
             <a:r>
               <a:rPr lang="it-IT" dirty="0" smtClean="0"/>
-              <a:t>Login</a:t>
-            </a:r>
-          </a:p>
-          <a:p>
-            <a:pPr lvl="1"/>
+              <a:t>Visualizzazione </a:t>
+            </a:r>
             <a:r>
               <a:rPr lang="it-IT" dirty="0" smtClean="0"/>
-              <a:t>Modifica dati iscritto</a:t>
-            </a:r>
-          </a:p>
-          <a:p>
-            <a:pPr lvl="1"/>
-            <a:r>
-              <a:rPr lang="it-IT" dirty="0" smtClean="0"/>
-              <a:t>Visualizzazione graduatorie</a:t>
+              <a:t>graduatorie</a:t>
             </a:r>
           </a:p>
           <a:p>
@@ -7273,7 +6635,7 @@
     </p:spTree>
     <p:extLst>
       <p:ext uri="{BB962C8B-B14F-4D97-AF65-F5344CB8AC3E}">
-        <p14:creationId xmlns="" xmlns:p14="http://schemas.microsoft.com/office/powerpoint/2010/main" val="155874689"/>
+        <p14:creationId xmlns:p14="http://schemas.microsoft.com/office/powerpoint/2010/main" xmlns="" val="155874689"/>
       </p:ext>
     </p:extLst>
   </p:cSld>
@@ -7281,7 +6643,152 @@
     <a:masterClrMapping/>
   </p:clrMapOvr>
   <mc:AlternateContent xmlns:mc="http://schemas.openxmlformats.org/markup-compatibility/2006">
-    <mc:Choice xmlns="" xmlns:p14="http://schemas.microsoft.com/office/powerpoint/2010/main" Requires="p14">
+    <mc:Choice xmlns:p14="http://schemas.microsoft.com/office/powerpoint/2010/main" xmlns="" Requires="p14">
+      <p:transition spd="slow" p14:dur="2000"/>
+    </mc:Choice>
+    <mc:Fallback>
+      <p:transition spd="slow"/>
+    </mc:Fallback>
+  </mc:AlternateContent>
+  <p:timing>
+    <p:tnLst>
+      <p:par>
+        <p:cTn id="1" dur="indefinite" restart="never" nodeType="tmRoot"/>
+      </p:par>
+    </p:tnLst>
+  </p:timing>
+</p:sld>
+</file>
+
+<file path=ppt/slides/slide4.xml><?xml version="1.0" encoding="utf-8"?>
+<p:sld xmlns:a="http://schemas.openxmlformats.org/drawingml/2006/main" xmlns:r="http://schemas.openxmlformats.org/officeDocument/2006/relationships" xmlns:p="http://schemas.openxmlformats.org/presentationml/2006/main">
+  <p:cSld>
+    <p:spTree>
+      <p:nvGrpSpPr>
+        <p:cNvPr id="1" name=""/>
+        <p:cNvGrpSpPr/>
+        <p:nvPr/>
+      </p:nvGrpSpPr>
+      <p:grpSpPr>
+        <a:xfrm>
+          <a:off x="0" y="0"/>
+          <a:ext cx="0" cy="0"/>
+          <a:chOff x="0" y="0"/>
+          <a:chExt cx="0" cy="0"/>
+        </a:xfrm>
+      </p:grpSpPr>
+      <p:sp>
+        <p:nvSpPr>
+          <p:cNvPr id="2" name="CasellaDiTesto 1"/>
+          <p:cNvSpPr txBox="1"/>
+          <p:nvPr/>
+        </p:nvSpPr>
+        <p:spPr>
+          <a:xfrm>
+            <a:off x="500034" y="476672"/>
+            <a:ext cx="8142305" cy="1538883"/>
+          </a:xfrm>
+          <a:prstGeom prst="rect">
+            <a:avLst/>
+          </a:prstGeom>
+          <a:noFill/>
+        </p:spPr>
+        <p:txBody>
+          <a:bodyPr wrap="square" rtlCol="0">
+            <a:spAutoFit/>
+          </a:bodyPr>
+          <a:lstStyle/>
+          <a:p>
+            <a:pPr algn="ctr"/>
+            <a:r>
+              <a:rPr lang="it-IT" sz="4800" b="1" dirty="0" smtClean="0"/>
+              <a:t>Obiettivi di Design</a:t>
+            </a:r>
+          </a:p>
+          <a:p>
+            <a:pPr algn="ctr"/>
+            <a:r>
+              <a:rPr lang="it-IT" sz="2800" b="1" dirty="0" smtClean="0">
+                <a:latin typeface="+mj-lt"/>
+              </a:rPr>
+              <a:t>Facilità di apprendimento</a:t>
+            </a:r>
+          </a:p>
+          <a:p>
+            <a:pPr algn="ctr"/>
+            <a:endParaRPr lang="it-IT" dirty="0">
+              <a:latin typeface="+mj-lt"/>
+            </a:endParaRPr>
+          </a:p>
+        </p:txBody>
+      </p:sp>
+      <p:sp>
+        <p:nvSpPr>
+          <p:cNvPr id="6" name="Rettangolo 5"/>
+          <p:cNvSpPr/>
+          <p:nvPr/>
+        </p:nvSpPr>
+        <p:spPr>
+          <a:xfrm>
+            <a:off x="214282" y="2071678"/>
+            <a:ext cx="8786874" cy="1292662"/>
+          </a:xfrm>
+          <a:prstGeom prst="rect">
+            <a:avLst/>
+          </a:prstGeom>
+        </p:spPr>
+        <p:txBody>
+          <a:bodyPr wrap="square">
+            <a:spAutoFit/>
+          </a:bodyPr>
+          <a:lstStyle/>
+          <a:p>
+            <a:pPr algn="just"/>
+            <a:r>
+              <a:rPr lang="it-IT" sz="2600" dirty="0" smtClean="0"/>
+              <a:t>Attraverso una semplice interfaccia grafica gli utenti potranno facilmente e velocemente apprendere il funzionamento del sistema.	</a:t>
+            </a:r>
+          </a:p>
+        </p:txBody>
+      </p:sp>
+      <p:pic>
+        <p:nvPicPr>
+          <p:cNvPr id="2050" name="Picture 2" descr="C:\Users\Amministratore\Desktop\8717357-illustrazione-di-lavoratore-di-ufficio-con-un-grande-punto-interrogativo.jpg"/>
+          <p:cNvPicPr>
+            <a:picLocks noChangeAspect="1" noChangeArrowheads="1"/>
+          </p:cNvPicPr>
+          <p:nvPr/>
+        </p:nvPicPr>
+        <p:blipFill>
+          <a:blip r:embed="rId3" cstate="print"/>
+          <a:srcRect/>
+          <a:stretch>
+            <a:fillRect/>
+          </a:stretch>
+        </p:blipFill>
+        <p:spPr bwMode="auto">
+          <a:xfrm>
+            <a:off x="6643670" y="4000504"/>
+            <a:ext cx="2500330" cy="2500330"/>
+          </a:xfrm>
+          <a:prstGeom prst="rect">
+            <a:avLst/>
+          </a:prstGeom>
+          <a:noFill/>
+        </p:spPr>
+      </p:pic>
+    </p:spTree>
+    <p:extLst>
+      <p:ext uri="{BB962C8B-B14F-4D97-AF65-F5344CB8AC3E}">
+        <p14:creationId xmlns:p14="http://schemas.microsoft.com/office/powerpoint/2010/main" xmlns="" val="155874689"/>
+      </p:ext>
+    </p:extLst>
+  </p:cSld>
+  <p:clrMapOvr>
+    <a:masterClrMapping/>
+  </p:clrMapOvr>
+  <mc:AlternateContent xmlns:mc="http://schemas.openxmlformats.org/markup-compatibility/2006">
+    <mc:Choice xmlns:p14="http://schemas.microsoft.com/office/powerpoint/2010/main" xmlns="" Requires="p14">
       <p:transition spd="slow" p14:dur="2000"/>
     </mc:Choice>
     <mc:Fallback>
@@ -7324,7 +6831,7 @@
         <p:spPr>
           <a:xfrm>
             <a:off x="500034" y="476672"/>
-            <a:ext cx="8142305" cy="1538883"/>
+            <a:ext cx="8142305" cy="1107996"/>
           </a:xfrm>
           <a:prstGeom prst="rect">
             <a:avLst/>
@@ -7340,16 +6847,7 @@
             <a:pPr algn="ctr"/>
             <a:r>
               <a:rPr lang="it-IT" sz="4800" b="1" dirty="0" smtClean="0"/>
-              <a:t>Obiettivi di Design</a:t>
-            </a:r>
-          </a:p>
-          <a:p>
-            <a:pPr algn="ctr"/>
-            <a:r>
-              <a:rPr lang="it-IT" sz="2800" b="1" dirty="0" smtClean="0">
-                <a:latin typeface="+mj-lt"/>
-              </a:rPr>
-              <a:t>Facilità di apprendimento</a:t>
+              <a:t>Gestione Eventi</a:t>
             </a:r>
           </a:p>
           <a:p>
@@ -7369,7 +6867,7 @@
         <p:spPr>
           <a:xfrm>
             <a:off x="214282" y="2071678"/>
-            <a:ext cx="8786874" cy="1292662"/>
+            <a:ext cx="8786874" cy="892552"/>
           </a:xfrm>
           <a:prstGeom prst="rect">
             <a:avLst/>
@@ -7384,41 +6882,20 @@
             <a:pPr algn="just"/>
             <a:r>
               <a:rPr lang="it-IT" sz="2600" dirty="0" smtClean="0"/>
-              <a:t>Attraverso una semplice interfaccia grafica gli utenti potranno facilmente e velocemente apprendere il funzionamento del sistema.	</a:t>
-            </a:r>
-          </a:p>
-        </p:txBody>
-      </p:sp>
-      <p:pic>
-        <p:nvPicPr>
-          <p:cNvPr id="2050" name="Picture 2" descr="C:\Users\Amministratore\Desktop\8717357-illustrazione-di-lavoratore-di-ufficio-con-un-grande-punto-interrogativo.jpg"/>
-          <p:cNvPicPr>
-            <a:picLocks noChangeAspect="1" noChangeArrowheads="1"/>
-          </p:cNvPicPr>
-          <p:nvPr/>
-        </p:nvPicPr>
-        <p:blipFill>
-          <a:blip r:embed="rId3" cstate="print"/>
-          <a:srcRect/>
-          <a:stretch>
-            <a:fillRect/>
-          </a:stretch>
-        </p:blipFill>
-        <p:spPr bwMode="auto">
-          <a:xfrm>
-            <a:off x="6643670" y="4000504"/>
-            <a:ext cx="2500330" cy="2500330"/>
-          </a:xfrm>
-          <a:prstGeom prst="rect">
-            <a:avLst/>
-          </a:prstGeom>
-          <a:noFill/>
-        </p:spPr>
-      </p:pic>
+              <a:t>Il nostro sistema permette di gestire gli eventi che coinvolgono gli iscritti all’asilo</a:t>
+            </a:r>
+            <a:r>
+              <a:rPr lang="it-IT" sz="2600" dirty="0" smtClean="0"/>
+              <a:t>.</a:t>
+            </a:r>
+            <a:endParaRPr lang="it-IT" sz="2600" dirty="0" smtClean="0"/>
+          </a:p>
+        </p:txBody>
+      </p:sp>
     </p:spTree>
     <p:extLst>
       <p:ext uri="{BB962C8B-B14F-4D97-AF65-F5344CB8AC3E}">
-        <p14:creationId xmlns="" xmlns:p14="http://schemas.microsoft.com/office/powerpoint/2010/main" val="155874689"/>
+        <p14:creationId xmlns:p14="http://schemas.microsoft.com/office/powerpoint/2010/main" xmlns="" val="155874689"/>
       </p:ext>
     </p:extLst>
   </p:cSld>
@@ -7426,7 +6903,7 @@
     <a:masterClrMapping/>
   </p:clrMapOvr>
   <mc:AlternateContent xmlns:mc="http://schemas.openxmlformats.org/markup-compatibility/2006">
-    <mc:Choice xmlns="" xmlns:p14="http://schemas.microsoft.com/office/powerpoint/2010/main" Requires="p14">
+    <mc:Choice xmlns:p14="http://schemas.microsoft.com/office/powerpoint/2010/main" xmlns="" Requires="p14">
       <p:transition spd="slow" p14:dur="2000"/>
     </mc:Choice>
     <mc:Fallback>
@@ -7468,7 +6945,7 @@
         </p:nvSpPr>
         <p:spPr>
           <a:xfrm>
-            <a:off x="500034" y="476672"/>
+            <a:off x="571472" y="0"/>
             <a:ext cx="8142305" cy="1107996"/>
           </a:xfrm>
           <a:prstGeom prst="rect">
@@ -7496,16 +6973,113 @@
           </a:p>
         </p:txBody>
       </p:sp>
-      <p:sp>
-        <p:nvSpPr>
-          <p:cNvPr id="6" name="Rettangolo 5"/>
+      <p:pic>
+        <p:nvPicPr>
+          <p:cNvPr id="2050" name="Picture 2" descr="C:\Users\Amministratore\Desktop\Lucidi lezioni\Ingegneria del software\at-silo\RAD\Casi d'uso\Atsilo3\Eventi\diagramma eventi.jpg"/>
+          <p:cNvPicPr>
+            <a:picLocks noChangeAspect="1" noChangeArrowheads="1"/>
+          </p:cNvPicPr>
+          <p:nvPr/>
+        </p:nvPicPr>
+        <p:blipFill>
+          <a:blip r:embed="rId3" cstate="print"/>
+          <a:srcRect/>
+          <a:stretch>
+            <a:fillRect/>
+          </a:stretch>
+        </p:blipFill>
+        <p:spPr bwMode="auto">
+          <a:xfrm>
+            <a:off x="647404" y="824262"/>
+            <a:ext cx="7353620" cy="6033740"/>
+          </a:xfrm>
+          <a:prstGeom prst="rect">
+            <a:avLst/>
+          </a:prstGeom>
+          <a:noFill/>
+        </p:spPr>
+      </p:pic>
+    </p:spTree>
+    <p:extLst>
+      <p:ext uri="{BB962C8B-B14F-4D97-AF65-F5344CB8AC3E}">
+        <p14:creationId xmlns:p14="http://schemas.microsoft.com/office/powerpoint/2010/main" xmlns="" val="155874689"/>
+      </p:ext>
+    </p:extLst>
+  </p:cSld>
+  <p:clrMapOvr>
+    <a:masterClrMapping/>
+  </p:clrMapOvr>
+  <mc:AlternateContent xmlns:mc="http://schemas.openxmlformats.org/markup-compatibility/2006">
+    <mc:Choice xmlns:p14="http://schemas.microsoft.com/office/powerpoint/2010/main" xmlns="" Requires="p14">
+      <p:transition spd="slow" p14:dur="2000"/>
+    </mc:Choice>
+    <mc:Fallback>
+      <p:transition spd="slow"/>
+    </mc:Fallback>
+  </mc:AlternateContent>
+  <p:timing>
+    <p:tnLst>
+      <p:par>
+        <p:cTn id="1" dur="indefinite" restart="never" nodeType="tmRoot"/>
+      </p:par>
+    </p:tnLst>
+  </p:timing>
+</p:sld>
+</file>
+
+<file path=ppt/slides/slide7.xml><?xml version="1.0" encoding="utf-8"?>
+<p:sld xmlns:a="http://schemas.openxmlformats.org/drawingml/2006/main" xmlns:r="http://schemas.openxmlformats.org/officeDocument/2006/relationships" xmlns:p="http://schemas.openxmlformats.org/presentationml/2006/main">
+  <p:cSld>
+    <p:spTree>
+      <p:nvGrpSpPr>
+        <p:cNvPr id="1" name=""/>
+        <p:cNvGrpSpPr/>
+        <p:nvPr/>
+      </p:nvGrpSpPr>
+      <p:grpSpPr>
+        <a:xfrm>
+          <a:off x="0" y="0"/>
+          <a:ext cx="0" cy="0"/>
+          <a:chOff x="0" y="0"/>
+          <a:chExt cx="0" cy="0"/>
+        </a:xfrm>
+      </p:grpSpPr>
+      <p:pic>
+        <p:nvPicPr>
+          <p:cNvPr id="1027" name="Picture 3" descr="C:\Users\Amministratore\Desktop\lista.png"/>
+          <p:cNvPicPr>
+            <a:picLocks noChangeAspect="1" noChangeArrowheads="1"/>
+          </p:cNvPicPr>
+          <p:nvPr/>
+        </p:nvPicPr>
+        <p:blipFill>
+          <a:blip r:embed="rId3"/>
+          <a:srcRect/>
+          <a:stretch>
+            <a:fillRect/>
+          </a:stretch>
+        </p:blipFill>
+        <p:spPr bwMode="auto">
+          <a:xfrm>
+            <a:off x="-1428792" y="-863068"/>
+            <a:ext cx="15419368" cy="7721068"/>
+          </a:xfrm>
+          <a:prstGeom prst="rect">
+            <a:avLst/>
+          </a:prstGeom>
+          <a:noFill/>
+        </p:spPr>
+      </p:pic>
+      <p:sp>
+        <p:nvSpPr>
+          <p:cNvPr id="7" name="Rettangolo 6"/>
           <p:cNvSpPr/>
           <p:nvPr/>
         </p:nvSpPr>
         <p:spPr>
           <a:xfrm>
-            <a:off x="214282" y="2071678"/>
-            <a:ext cx="8786874" cy="1292662"/>
+            <a:off x="785786" y="4643446"/>
+            <a:ext cx="8358214" cy="1938992"/>
           </a:xfrm>
           <a:prstGeom prst="rect">
             <a:avLst/>
@@ -7517,24 +7091,197 @@
           </a:bodyPr>
           <a:lstStyle/>
           <a:p>
+            <a:pPr algn="just">
+              <a:buFont typeface="Wingdings" pitchFamily="2" charset="2"/>
+              <a:buChar char="v"/>
+            </a:pPr>
+            <a:r>
+              <a:rPr lang="it-IT" sz="2400" dirty="0" smtClean="0"/>
+              <a:t>Gli eventi vengono filtrati a seconda dell’utente che effettua il login e </a:t>
+            </a:r>
+            <a:r>
+              <a:rPr lang="it-IT" sz="2400" b="1" dirty="0" smtClean="0"/>
+              <a:t>mostrati </a:t>
+            </a:r>
+            <a:r>
+              <a:rPr lang="it-IT" sz="2400" dirty="0" smtClean="0"/>
+              <a:t>per la data selezionata</a:t>
+            </a:r>
+          </a:p>
+          <a:p>
             <a:pPr algn="just"/>
-            <a:r>
-              <a:rPr lang="it-IT" sz="2600" dirty="0" smtClean="0"/>
-              <a:t>Il nostro sistema permette di gestire gli eventi che coinvolgono gli iscritti all’asilo.</a:t>
-            </a:r>
-          </a:p>
+            <a:endParaRPr lang="it-IT" sz="2400" dirty="0" smtClean="0"/>
+          </a:p>
+          <a:p>
+            <a:pPr algn="just">
+              <a:buFont typeface="Wingdings" pitchFamily="2" charset="2"/>
+              <a:buChar char="v"/>
+            </a:pPr>
+            <a:r>
+              <a:rPr lang="it-IT" sz="2400" dirty="0" smtClean="0"/>
+              <a:t>L’utente </a:t>
+            </a:r>
+            <a:r>
+              <a:rPr lang="it-IT" sz="2400" dirty="0" smtClean="0"/>
+              <a:t>può selezionare l’evento da modificare </a:t>
+            </a:r>
+            <a:r>
+              <a:rPr lang="it-IT" sz="2400" b="1" dirty="0" smtClean="0"/>
+              <a:t>solo</a:t>
+            </a:r>
+            <a:r>
+              <a:rPr lang="it-IT" sz="2400" dirty="0" smtClean="0"/>
+              <a:t> se ne è </a:t>
+            </a:r>
+            <a:r>
+              <a:rPr lang="it-IT" sz="2400" dirty="0" smtClean="0"/>
+              <a:t>l’autore</a:t>
+            </a:r>
+            <a:endParaRPr lang="it-IT" sz="2400" dirty="0" smtClean="0"/>
+          </a:p>
+        </p:txBody>
+      </p:sp>
+    </p:spTree>
+    <p:extLst>
+      <p:ext uri="{BB962C8B-B14F-4D97-AF65-F5344CB8AC3E}">
+        <p14:creationId xmlns:p14="http://schemas.microsoft.com/office/powerpoint/2010/main" xmlns="" val="155874689"/>
+      </p:ext>
+    </p:extLst>
+  </p:cSld>
+  <p:clrMapOvr>
+    <a:masterClrMapping/>
+  </p:clrMapOvr>
+  <mc:AlternateContent xmlns:mc="http://schemas.openxmlformats.org/markup-compatibility/2006">
+    <mc:Choice xmlns:p14="http://schemas.microsoft.com/office/powerpoint/2010/main" xmlns="" Requires="p14">
+      <p:transition spd="slow" p14:dur="2000"/>
+    </mc:Choice>
+    <mc:Fallback>
+      <p:transition spd="slow"/>
+    </mc:Fallback>
+  </mc:AlternateContent>
+  <p:timing>
+    <p:tnLst>
+      <p:par>
+        <p:cTn id="1" dur="indefinite" restart="never" nodeType="tmRoot"/>
+      </p:par>
+    </p:tnLst>
+  </p:timing>
+</p:sld>
+</file>
+
+<file path=ppt/slides/slide8.xml><?xml version="1.0" encoding="utf-8"?>
+<p:sld xmlns:a="http://schemas.openxmlformats.org/drawingml/2006/main" xmlns:r="http://schemas.openxmlformats.org/officeDocument/2006/relationships" xmlns:p="http://schemas.openxmlformats.org/presentationml/2006/main">
+  <p:cSld>
+    <p:spTree>
+      <p:nvGrpSpPr>
+        <p:cNvPr id="1" name=""/>
+        <p:cNvGrpSpPr/>
+        <p:nvPr/>
+      </p:nvGrpSpPr>
+      <p:grpSpPr>
+        <a:xfrm>
+          <a:off x="0" y="0"/>
+          <a:ext cx="0" cy="0"/>
+          <a:chOff x="0" y="0"/>
+          <a:chExt cx="0" cy="0"/>
+        </a:xfrm>
+      </p:grpSpPr>
+      <p:sp>
+        <p:nvSpPr>
+          <p:cNvPr id="4" name="Rettangolo 3"/>
+          <p:cNvSpPr/>
+          <p:nvPr/>
+        </p:nvSpPr>
+        <p:spPr>
+          <a:xfrm>
+            <a:off x="251520" y="1772816"/>
+            <a:ext cx="8607362" cy="1200329"/>
+          </a:xfrm>
+          <a:prstGeom prst="rect">
+            <a:avLst/>
+          </a:prstGeom>
+        </p:spPr>
+        <p:txBody>
+          <a:bodyPr wrap="square">
+            <a:spAutoFit/>
+          </a:bodyPr>
+          <a:lstStyle/>
           <a:p>
             <a:pPr algn="just"/>
             <a:r>
-              <a:rPr lang="it-IT" sz="2600" dirty="0" smtClean="0"/>
-              <a:t>Alcune delle possibili operazioni sono :</a:t>
-            </a:r>
-          </a:p>
-        </p:txBody>
-      </p:sp>
-      <p:sp>
-        <p:nvSpPr>
-          <p:cNvPr id="5" name="Content Placeholder 3"/>
+              <a:rPr lang="it-IT" sz="2400" dirty="0" smtClean="0"/>
+              <a:t>Nella progettazione della gestione eventi si è scelto di supportare l’usabilità e la sicurezza a discapito della complessità e della </a:t>
+            </a:r>
+            <a:r>
+              <a:rPr lang="it-IT" sz="2400" dirty="0" err="1" smtClean="0"/>
+              <a:t>manutenibilità</a:t>
+            </a:r>
+            <a:r>
+              <a:rPr lang="it-IT" sz="2400" dirty="0" smtClean="0"/>
+              <a:t>.</a:t>
+            </a:r>
+            <a:endParaRPr lang="it-IT" sz="2400" dirty="0" smtClean="0"/>
+          </a:p>
+        </p:txBody>
+      </p:sp>
+      <p:sp>
+        <p:nvSpPr>
+          <p:cNvPr id="5" name="CasellaDiTesto 4"/>
+          <p:cNvSpPr txBox="1"/>
+          <p:nvPr/>
+        </p:nvSpPr>
+        <p:spPr>
+          <a:xfrm>
+            <a:off x="500034" y="0"/>
+            <a:ext cx="8142305" cy="1538883"/>
+          </a:xfrm>
+          <a:prstGeom prst="rect">
+            <a:avLst/>
+          </a:prstGeom>
+          <a:noFill/>
+        </p:spPr>
+        <p:txBody>
+          <a:bodyPr wrap="square" rtlCol="0">
+            <a:spAutoFit/>
+          </a:bodyPr>
+          <a:lstStyle/>
+          <a:p>
+            <a:pPr algn="ctr"/>
+            <a:r>
+              <a:rPr lang="it-IT" sz="4800" b="1" dirty="0" smtClean="0"/>
+              <a:t>Gestione Eventi</a:t>
+            </a:r>
+            <a:endParaRPr lang="it-IT" sz="4800" b="1" dirty="0" smtClean="0"/>
+          </a:p>
+          <a:p>
+            <a:pPr algn="ctr"/>
+            <a:r>
+              <a:rPr lang="it-IT" sz="2800" b="1" dirty="0" smtClean="0">
+                <a:latin typeface="+mj-lt"/>
+              </a:rPr>
+              <a:t>Sicurezza e Usabilità vs Complessità e </a:t>
+            </a:r>
+            <a:r>
+              <a:rPr lang="it-IT" sz="2800" b="1" dirty="0" err="1" smtClean="0">
+                <a:latin typeface="+mj-lt"/>
+              </a:rPr>
+              <a:t>Manutenibilità</a:t>
+            </a:r>
+            <a:endParaRPr lang="it-IT" sz="2800" b="1" dirty="0" smtClean="0">
+              <a:latin typeface="+mj-lt"/>
+            </a:endParaRPr>
+          </a:p>
+          <a:p>
+            <a:pPr algn="ctr"/>
+            <a:endParaRPr lang="it-IT" dirty="0">
+              <a:latin typeface="+mj-lt"/>
+            </a:endParaRPr>
+          </a:p>
+        </p:txBody>
+      </p:sp>
+      <p:sp>
+        <p:nvSpPr>
+          <p:cNvPr id="6" name="Content Placeholder 3"/>
           <p:cNvSpPr txBox="1">
             <a:spLocks/>
           </p:cNvSpPr>
@@ -7542,8 +7289,8 @@
         </p:nvSpPr>
         <p:spPr>
           <a:xfrm>
-            <a:off x="285720" y="3571876"/>
-            <a:ext cx="5000660" cy="2353728"/>
+            <a:off x="357158" y="3571876"/>
+            <a:ext cx="8496944" cy="2353728"/>
           </a:xfrm>
           <a:prstGeom prst="rect">
             <a:avLst/>
@@ -7712,313 +7459,53 @@
             </a:lvl9pPr>
           </a:lstStyle>
           <a:p>
+            <a:r>
+              <a:rPr lang="it-IT" dirty="0" smtClean="0">
+                <a:solidFill>
+                  <a:srgbClr val="00B050"/>
+                </a:solidFill>
+              </a:rPr>
+              <a:t>Pro</a:t>
+            </a:r>
+            <a:endParaRPr lang="it-IT" dirty="0" smtClean="0">
+              <a:solidFill>
+                <a:srgbClr val="00B050"/>
+              </a:solidFill>
+            </a:endParaRPr>
+          </a:p>
+          <a:p>
             <a:pPr lvl="1"/>
             <a:r>
               <a:rPr lang="it-IT" dirty="0" smtClean="0"/>
-              <a:t>Visualizzazione Eventi</a:t>
+              <a:t> </a:t>
+            </a:r>
+            <a:r>
+              <a:rPr lang="it-IT" dirty="0" smtClean="0"/>
+              <a:t>Interfacce uniche per ogni tipologia d’utente</a:t>
             </a:r>
           </a:p>
           <a:p>
             <a:pPr lvl="1"/>
             <a:r>
               <a:rPr lang="it-IT" dirty="0" smtClean="0"/>
-              <a:t>Inserimento Eventi</a:t>
-            </a:r>
+              <a:t> </a:t>
+            </a:r>
+            <a:r>
+              <a:rPr lang="it-IT" dirty="0" smtClean="0"/>
+              <a:t>Input controllati</a:t>
+            </a:r>
+            <a:endParaRPr lang="it-IT" dirty="0" smtClean="0"/>
           </a:p>
           <a:p>
             <a:pPr lvl="1"/>
             <a:r>
               <a:rPr lang="it-IT" dirty="0" smtClean="0"/>
-              <a:t>Modifica Eventi</a:t>
-            </a:r>
-          </a:p>
-          <a:p>
-            <a:pPr lvl="1"/>
-            <a:r>
-              <a:rPr lang="it-IT" dirty="0" smtClean="0"/>
-              <a:t>Rimozione Eventi</a:t>
-            </a:r>
-          </a:p>
-        </p:txBody>
-      </p:sp>
-    </p:spTree>
-    <p:extLst>
-      <p:ext uri="{BB962C8B-B14F-4D97-AF65-F5344CB8AC3E}">
-        <p14:creationId xmlns="" xmlns:p14="http://schemas.microsoft.com/office/powerpoint/2010/main" val="155874689"/>
-      </p:ext>
-    </p:extLst>
-  </p:cSld>
-  <p:clrMapOvr>
-    <a:masterClrMapping/>
-  </p:clrMapOvr>
-  <mc:AlternateContent xmlns:mc="http://schemas.openxmlformats.org/markup-compatibility/2006">
-    <mc:Choice xmlns="" xmlns:p14="http://schemas.microsoft.com/office/powerpoint/2010/main" Requires="p14">
-      <p:transition spd="slow" p14:dur="2000"/>
-    </mc:Choice>
-    <mc:Fallback>
-      <p:transition spd="slow"/>
-    </mc:Fallback>
-  </mc:AlternateContent>
-  <p:timing>
-    <p:tnLst>
-      <p:par>
-        <p:cTn id="1" dur="indefinite" restart="never" nodeType="tmRoot"/>
-      </p:par>
-    </p:tnLst>
-  </p:timing>
-</p:sld>
-</file>
-
-<file path=ppt/slides/slide7.xml><?xml version="1.0" encoding="utf-8"?>
-<p:sld xmlns:a="http://schemas.openxmlformats.org/drawingml/2006/main" xmlns:r="http://schemas.openxmlformats.org/officeDocument/2006/relationships" xmlns:p="http://schemas.openxmlformats.org/presentationml/2006/main">
-  <p:cSld>
-    <p:spTree>
-      <p:nvGrpSpPr>
-        <p:cNvPr id="1" name=""/>
-        <p:cNvGrpSpPr/>
-        <p:nvPr/>
-      </p:nvGrpSpPr>
-      <p:grpSpPr>
-        <a:xfrm>
-          <a:off x="0" y="0"/>
-          <a:ext cx="0" cy="0"/>
-          <a:chOff x="0" y="0"/>
-          <a:chExt cx="0" cy="0"/>
-        </a:xfrm>
-      </p:grpSpPr>
-      <p:sp>
-        <p:nvSpPr>
-          <p:cNvPr id="2" name="CasellaDiTesto 1"/>
-          <p:cNvSpPr txBox="1"/>
-          <p:nvPr/>
-        </p:nvSpPr>
-        <p:spPr>
-          <a:xfrm>
-            <a:off x="500034" y="476672"/>
-            <a:ext cx="8142305" cy="1107996"/>
-          </a:xfrm>
-          <a:prstGeom prst="rect">
-            <a:avLst/>
-          </a:prstGeom>
-          <a:noFill/>
-        </p:spPr>
-        <p:txBody>
-          <a:bodyPr wrap="square" rtlCol="0">
-            <a:spAutoFit/>
-          </a:bodyPr>
-          <a:lstStyle/>
-          <a:p>
-            <a:pPr algn="ctr"/>
-            <a:r>
-              <a:rPr lang="it-IT" sz="4800" b="1" dirty="0" smtClean="0"/>
-              <a:t>Gestione Eventi</a:t>
-            </a:r>
-          </a:p>
-          <a:p>
-            <a:pPr algn="ctr"/>
-            <a:endParaRPr lang="it-IT" dirty="0">
-              <a:latin typeface="+mj-lt"/>
-            </a:endParaRPr>
-          </a:p>
-        </p:txBody>
-      </p:sp>
-      <p:pic>
-        <p:nvPicPr>
-          <p:cNvPr id="2050" name="Picture 2" descr="C:\Users\Amministratore\Desktop\Lucidi lezioni\Ingegneria del software\at-silo\RAD\Casi d'uso\Atsilo3\Eventi\diagramma eventi.jpg"/>
-          <p:cNvPicPr>
-            <a:picLocks noChangeAspect="1" noChangeArrowheads="1"/>
-          </p:cNvPicPr>
-          <p:nvPr/>
-        </p:nvPicPr>
-        <p:blipFill>
-          <a:blip r:embed="rId3" cstate="print"/>
-          <a:srcRect/>
-          <a:stretch>
-            <a:fillRect/>
-          </a:stretch>
-        </p:blipFill>
-        <p:spPr bwMode="auto">
-          <a:xfrm>
-            <a:off x="928662" y="1230883"/>
-            <a:ext cx="6858048" cy="5627117"/>
-          </a:xfrm>
-          <a:prstGeom prst="rect">
-            <a:avLst/>
-          </a:prstGeom>
-          <a:noFill/>
-        </p:spPr>
-      </p:pic>
-    </p:spTree>
-    <p:extLst>
-      <p:ext uri="{BB962C8B-B14F-4D97-AF65-F5344CB8AC3E}">
-        <p14:creationId xmlns="" xmlns:p14="http://schemas.microsoft.com/office/powerpoint/2010/main" val="155874689"/>
-      </p:ext>
-    </p:extLst>
-  </p:cSld>
-  <p:clrMapOvr>
-    <a:masterClrMapping/>
-  </p:clrMapOvr>
-  <mc:AlternateContent xmlns:mc="http://schemas.openxmlformats.org/markup-compatibility/2006">
-    <mc:Choice xmlns="" xmlns:p14="http://schemas.microsoft.com/office/powerpoint/2010/main" Requires="p14">
-      <p:transition spd="slow" p14:dur="2000"/>
-    </mc:Choice>
-    <mc:Fallback>
-      <p:transition spd="slow"/>
-    </mc:Fallback>
-  </mc:AlternateContent>
-  <p:timing>
-    <p:tnLst>
-      <p:par>
-        <p:cTn id="1" dur="indefinite" restart="never" nodeType="tmRoot"/>
-      </p:par>
-    </p:tnLst>
-  </p:timing>
-</p:sld>
-</file>
-
-<file path=ppt/slides/slide8.xml><?xml version="1.0" encoding="utf-8"?>
-<p:sld xmlns:a="http://schemas.openxmlformats.org/drawingml/2006/main" xmlns:r="http://schemas.openxmlformats.org/officeDocument/2006/relationships" xmlns:p="http://schemas.openxmlformats.org/presentationml/2006/main">
-  <p:cSld>
-    <p:spTree>
-      <p:nvGrpSpPr>
-        <p:cNvPr id="1" name=""/>
-        <p:cNvGrpSpPr/>
-        <p:nvPr/>
-      </p:nvGrpSpPr>
-      <p:grpSpPr>
-        <a:xfrm>
-          <a:off x="0" y="0"/>
-          <a:ext cx="0" cy="0"/>
-          <a:chOff x="0" y="0"/>
-          <a:chExt cx="0" cy="0"/>
-        </a:xfrm>
-      </p:grpSpPr>
-      <p:sp>
-        <p:nvSpPr>
-          <p:cNvPr id="2" name="CasellaDiTesto 1"/>
-          <p:cNvSpPr txBox="1"/>
-          <p:nvPr/>
-        </p:nvSpPr>
-        <p:spPr>
-          <a:xfrm>
-            <a:off x="500034" y="476672"/>
-            <a:ext cx="8142305" cy="1538883"/>
-          </a:xfrm>
-          <a:prstGeom prst="rect">
-            <a:avLst/>
-          </a:prstGeom>
-          <a:noFill/>
-        </p:spPr>
-        <p:txBody>
-          <a:bodyPr wrap="square" rtlCol="0">
-            <a:spAutoFit/>
-          </a:bodyPr>
-          <a:lstStyle/>
-          <a:p>
-            <a:pPr algn="ctr"/>
-            <a:r>
-              <a:rPr lang="it-IT" sz="4800" b="1" dirty="0" smtClean="0"/>
-              <a:t>Gestione Eventi</a:t>
-            </a:r>
-          </a:p>
-          <a:p>
-            <a:pPr algn="ctr"/>
-            <a:r>
-              <a:rPr lang="it-IT" sz="2800" b="1" dirty="0" smtClean="0">
-                <a:latin typeface="+mj-lt"/>
-              </a:rPr>
-              <a:t>Visualizzazione Evento</a:t>
-            </a:r>
-          </a:p>
-          <a:p>
-            <a:pPr algn="ctr"/>
-            <a:endParaRPr lang="it-IT" dirty="0">
-              <a:latin typeface="+mj-lt"/>
-            </a:endParaRPr>
-          </a:p>
-        </p:txBody>
-      </p:sp>
-      <p:sp>
-        <p:nvSpPr>
-          <p:cNvPr id="6" name="Rettangolo 5"/>
-          <p:cNvSpPr/>
-          <p:nvPr/>
-        </p:nvSpPr>
-        <p:spPr>
-          <a:xfrm>
-            <a:off x="214282" y="1857365"/>
-            <a:ext cx="8786874" cy="830997"/>
-          </a:xfrm>
-          <a:prstGeom prst="rect">
-            <a:avLst/>
-          </a:prstGeom>
-        </p:spPr>
-        <p:txBody>
-          <a:bodyPr wrap="square">
-            <a:spAutoFit/>
-          </a:bodyPr>
-          <a:lstStyle/>
-          <a:p>
-            <a:pPr algn="just"/>
-            <a:r>
-              <a:rPr lang="it-IT" sz="2400" dirty="0" smtClean="0"/>
-              <a:t>Selezionando un giorno dal calendario è possibile visualizzare tutti gli eventi per quella specifica data.</a:t>
-            </a:r>
-          </a:p>
-        </p:txBody>
-      </p:sp>
-      <p:pic>
-        <p:nvPicPr>
-          <p:cNvPr id="3" name="Picture 2" descr="C:\Users\Amministratore\Desktop\eventi\cal2.PNG"/>
-          <p:cNvPicPr>
-            <a:picLocks noChangeAspect="1" noChangeArrowheads="1"/>
-          </p:cNvPicPr>
-          <p:nvPr/>
-        </p:nvPicPr>
-        <p:blipFill>
-          <a:blip r:embed="rId3" cstate="print"/>
-          <a:srcRect/>
-          <a:stretch>
-            <a:fillRect/>
-          </a:stretch>
-        </p:blipFill>
-        <p:spPr bwMode="auto">
-          <a:xfrm>
-            <a:off x="357158" y="2786059"/>
-            <a:ext cx="6357982" cy="3164082"/>
-          </a:xfrm>
-          <a:prstGeom prst="rect">
-            <a:avLst/>
-          </a:prstGeom>
-          <a:noFill/>
-        </p:spPr>
-      </p:pic>
-      <p:pic>
-        <p:nvPicPr>
-          <p:cNvPr id="3075" name="Picture 3" descr="C:\Users\Amministratore\Desktop\eventi\lista.PNG"/>
-          <p:cNvPicPr>
-            <a:picLocks noChangeAspect="1" noChangeArrowheads="1"/>
-          </p:cNvPicPr>
-          <p:nvPr/>
-        </p:nvPicPr>
-        <p:blipFill>
-          <a:blip r:embed="rId4" cstate="print"/>
-          <a:srcRect/>
-          <a:stretch>
-            <a:fillRect/>
-          </a:stretch>
-        </p:blipFill>
-        <p:spPr bwMode="auto">
-          <a:xfrm>
-            <a:off x="4000496" y="4214818"/>
-            <a:ext cx="5000660" cy="2504239"/>
-          </a:xfrm>
-          <a:prstGeom prst="rect">
-            <a:avLst/>
-          </a:prstGeom>
-          <a:noFill/>
-        </p:spPr>
-      </p:pic>
+              <a:t> Minore possibilità di introdurre errori</a:t>
+            </a:r>
+            <a:endParaRPr lang="it-IT" dirty="0" smtClean="0"/>
+          </a:p>
+        </p:txBody>
+      </p:sp>
     </p:spTree>
     <p:extLst>
       <p:ext uri="{BB962C8B-B14F-4D97-AF65-F5344CB8AC3E}">
@@ -8066,14 +7553,242 @@
       </p:grpSpPr>
       <p:sp>
         <p:nvSpPr>
-          <p:cNvPr id="2" name="CasellaDiTesto 1"/>
+          <p:cNvPr id="5" name="Content Placeholder 3"/>
+          <p:cNvSpPr txBox="1">
+            <a:spLocks/>
+          </p:cNvSpPr>
+          <p:nvPr/>
+        </p:nvSpPr>
+        <p:spPr>
+          <a:xfrm>
+            <a:off x="285720" y="1571612"/>
+            <a:ext cx="8496944" cy="2353728"/>
+          </a:xfrm>
+          <a:prstGeom prst="rect">
+            <a:avLst/>
+          </a:prstGeom>
+        </p:spPr>
+        <p:txBody>
+          <a:bodyPr tIns="0"/>
+          <a:lstStyle>
+            <a:lvl1pPr marL="274320" indent="-274320" algn="l" rtl="0" eaLnBrk="1" latinLnBrk="0" hangingPunct="1">
+              <a:spcBef>
+                <a:spcPct val="20000"/>
+              </a:spcBef>
+              <a:buClrTx/>
+              <a:buSzPct val="95000"/>
+              <a:buFont typeface="Wingdings" pitchFamily="2" charset="2"/>
+              <a:buChar char="v"/>
+              <a:defRPr kumimoji="0" sz="2800" kern="1200">
+                <a:solidFill>
+                  <a:schemeClr val="tx1"/>
+                </a:solidFill>
+                <a:latin typeface="+mn-lt"/>
+                <a:ea typeface="+mn-ea"/>
+                <a:cs typeface="+mn-cs"/>
+              </a:defRPr>
+            </a:lvl1pPr>
+            <a:lvl2pPr marL="640080" indent="-246888" algn="l" rtl="0" eaLnBrk="1" latinLnBrk="0" hangingPunct="1">
+              <a:spcBef>
+                <a:spcPct val="20000"/>
+              </a:spcBef>
+              <a:buClrTx/>
+              <a:buSzPct val="85000"/>
+              <a:buFont typeface="Courier New" pitchFamily="49" charset="0"/>
+              <a:buChar char="o"/>
+              <a:defRPr kumimoji="0" sz="2600" kern="1200">
+                <a:solidFill>
+                  <a:schemeClr val="tx1"/>
+                </a:solidFill>
+                <a:latin typeface="+mn-lt"/>
+                <a:ea typeface="+mn-ea"/>
+                <a:cs typeface="+mn-cs"/>
+              </a:defRPr>
+            </a:lvl2pPr>
+            <a:lvl3pPr marL="914400" indent="-246888" algn="l" rtl="0" eaLnBrk="1" latinLnBrk="0" hangingPunct="1">
+              <a:spcBef>
+                <a:spcPct val="20000"/>
+              </a:spcBef>
+              <a:buClrTx/>
+              <a:buSzPct val="70000"/>
+              <a:buFont typeface="Wingdings 2"/>
+              <a:buChar char=""/>
+              <a:defRPr kumimoji="0" sz="2400" kern="1200">
+                <a:solidFill>
+                  <a:schemeClr val="tx1"/>
+                </a:solidFill>
+                <a:latin typeface="+mn-lt"/>
+                <a:ea typeface="+mn-ea"/>
+                <a:cs typeface="+mn-cs"/>
+              </a:defRPr>
+            </a:lvl3pPr>
+            <a:lvl4pPr marL="1188720" indent="-210312" algn="l" rtl="0" eaLnBrk="1" latinLnBrk="0" hangingPunct="1">
+              <a:spcBef>
+                <a:spcPct val="20000"/>
+              </a:spcBef>
+              <a:buClrTx/>
+              <a:buSzPct val="65000"/>
+              <a:buFont typeface="Wingdings 2"/>
+              <a:buChar char=""/>
+              <a:defRPr kumimoji="0" sz="2000" kern="1200">
+                <a:solidFill>
+                  <a:schemeClr val="tx1"/>
+                </a:solidFill>
+                <a:latin typeface="+mn-lt"/>
+                <a:ea typeface="+mn-ea"/>
+                <a:cs typeface="+mn-cs"/>
+              </a:defRPr>
+            </a:lvl4pPr>
+            <a:lvl5pPr marL="1463040" indent="-210312" algn="l" rtl="0" eaLnBrk="1" latinLnBrk="0" hangingPunct="1">
+              <a:spcBef>
+                <a:spcPct val="20000"/>
+              </a:spcBef>
+              <a:buClrTx/>
+              <a:buSzPct val="65000"/>
+              <a:buFont typeface="Wingdings 2"/>
+              <a:buChar char=""/>
+              <a:defRPr kumimoji="0" sz="1800" kern="1200">
+                <a:solidFill>
+                  <a:schemeClr val="tx1"/>
+                </a:solidFill>
+                <a:latin typeface="+mn-lt"/>
+                <a:ea typeface="+mn-ea"/>
+                <a:cs typeface="+mn-cs"/>
+              </a:defRPr>
+            </a:lvl5pPr>
+            <a:lvl6pPr marL="1737360" indent="-210312" algn="l" rtl="0" eaLnBrk="1" latinLnBrk="0" hangingPunct="1">
+              <a:spcBef>
+                <a:spcPct val="20000"/>
+              </a:spcBef>
+              <a:buClr>
+                <a:schemeClr val="accent5"/>
+              </a:buClr>
+              <a:buSzPct val="80000"/>
+              <a:buFont typeface="Wingdings 2"/>
+              <a:buChar char=""/>
+              <a:defRPr kumimoji="0" sz="1800" kern="1200">
+                <a:solidFill>
+                  <a:schemeClr val="tx1"/>
+                </a:solidFill>
+                <a:latin typeface="+mn-lt"/>
+                <a:ea typeface="+mn-ea"/>
+                <a:cs typeface="+mn-cs"/>
+              </a:defRPr>
+            </a:lvl6pPr>
+            <a:lvl7pPr marL="1920240" indent="-182880" algn="l" rtl="0" eaLnBrk="1" latinLnBrk="0" hangingPunct="1">
+              <a:spcBef>
+                <a:spcPct val="20000"/>
+              </a:spcBef>
+              <a:buClr>
+                <a:schemeClr val="accent6"/>
+              </a:buClr>
+              <a:buSzPct val="80000"/>
+              <a:buFont typeface="Wingdings 2"/>
+              <a:buChar char=""/>
+              <a:defRPr kumimoji="0" sz="1600" kern="1200" baseline="0">
+                <a:solidFill>
+                  <a:schemeClr val="tx1"/>
+                </a:solidFill>
+                <a:latin typeface="+mn-lt"/>
+                <a:ea typeface="+mn-ea"/>
+                <a:cs typeface="+mn-cs"/>
+              </a:defRPr>
+            </a:lvl7pPr>
+            <a:lvl8pPr marL="2194560" indent="-182880" algn="l" rtl="0" eaLnBrk="1" latinLnBrk="0" hangingPunct="1">
+              <a:spcBef>
+                <a:spcPct val="20000"/>
+              </a:spcBef>
+              <a:buClr>
+                <a:schemeClr val="tx2"/>
+              </a:buClr>
+              <a:buChar char="•"/>
+              <a:defRPr kumimoji="0" sz="1600" kern="1200">
+                <a:solidFill>
+                  <a:schemeClr val="tx1"/>
+                </a:solidFill>
+                <a:latin typeface="+mn-lt"/>
+                <a:ea typeface="+mn-ea"/>
+                <a:cs typeface="+mn-cs"/>
+              </a:defRPr>
+            </a:lvl8pPr>
+            <a:lvl9pPr marL="2468880" indent="-182880" algn="l" rtl="0" eaLnBrk="1" latinLnBrk="0" hangingPunct="1">
+              <a:spcBef>
+                <a:spcPct val="20000"/>
+              </a:spcBef>
+              <a:buClr>
+                <a:schemeClr val="tx2"/>
+              </a:buClr>
+              <a:buFontTx/>
+              <a:buChar char="•"/>
+              <a:defRPr kumimoji="0" sz="1400" kern="1200" baseline="0">
+                <a:solidFill>
+                  <a:schemeClr val="tx1"/>
+                </a:solidFill>
+                <a:latin typeface="+mn-lt"/>
+                <a:ea typeface="+mn-ea"/>
+                <a:cs typeface="+mn-cs"/>
+              </a:defRPr>
+            </a:lvl9pPr>
+          </a:lstStyle>
+          <a:p>
+            <a:r>
+              <a:rPr lang="it-IT" dirty="0" smtClean="0">
+                <a:solidFill>
+                  <a:srgbClr val="FF0000"/>
+                </a:solidFill>
+              </a:rPr>
+              <a:t>Contro</a:t>
+            </a:r>
+            <a:endParaRPr lang="it-IT" dirty="0" smtClean="0">
+              <a:solidFill>
+                <a:srgbClr val="FF0000"/>
+              </a:solidFill>
+            </a:endParaRPr>
+          </a:p>
+          <a:p>
+            <a:pPr lvl="1"/>
+            <a:r>
+              <a:rPr lang="it-IT" dirty="0" smtClean="0"/>
+              <a:t> </a:t>
+            </a:r>
+            <a:r>
+              <a:rPr lang="it-IT" dirty="0" smtClean="0"/>
+              <a:t>Difficile da gestire</a:t>
+            </a:r>
+            <a:endParaRPr lang="it-IT" dirty="0" smtClean="0"/>
+          </a:p>
+          <a:p>
+            <a:pPr lvl="1"/>
+            <a:r>
+              <a:rPr lang="it-IT" dirty="0" smtClean="0"/>
+              <a:t> </a:t>
+            </a:r>
+            <a:r>
+              <a:rPr lang="it-IT" dirty="0" smtClean="0"/>
+              <a:t>Introduzione di controlli </a:t>
+            </a:r>
+            <a:endParaRPr lang="it-IT" dirty="0" smtClean="0"/>
+          </a:p>
+          <a:p>
+            <a:pPr lvl="1"/>
+            <a:r>
+              <a:rPr lang="it-IT" dirty="0" smtClean="0"/>
+              <a:t> Difficoltà nell’aggiunta di nuove tipologie d’utenti</a:t>
+            </a:r>
+            <a:endParaRPr lang="it-IT" dirty="0" smtClean="0"/>
+          </a:p>
+        </p:txBody>
+      </p:sp>
+      <p:sp>
+        <p:nvSpPr>
+          <p:cNvPr id="6" name="CasellaDiTesto 5"/>
           <p:cNvSpPr txBox="1"/>
           <p:nvPr/>
         </p:nvSpPr>
         <p:spPr>
           <a:xfrm>
-            <a:off x="500034" y="476672"/>
-            <a:ext cx="8142305" cy="1538883"/>
+            <a:off x="467544" y="0"/>
+            <a:ext cx="8142305" cy="1107996"/>
           </a:xfrm>
           <a:prstGeom prst="rect">
             <a:avLst/>
@@ -8094,84 +7809,12 @@
           </a:p>
           <a:p>
             <a:pPr algn="ctr"/>
-            <a:r>
-              <a:rPr lang="it-IT" sz="2800" b="1" dirty="0" smtClean="0">
-                <a:latin typeface="+mj-lt"/>
-              </a:rPr>
-              <a:t>Inserimento Evento</a:t>
-            </a:r>
-          </a:p>
-          <a:p>
-            <a:pPr algn="ctr"/>
             <a:endParaRPr lang="it-IT" dirty="0">
               <a:latin typeface="+mj-lt"/>
             </a:endParaRPr>
           </a:p>
         </p:txBody>
       </p:sp>
-      <p:sp>
-        <p:nvSpPr>
-          <p:cNvPr id="6" name="Rettangolo 5"/>
-          <p:cNvSpPr/>
-          <p:nvPr/>
-        </p:nvSpPr>
-        <p:spPr>
-          <a:xfrm>
-            <a:off x="214282" y="1857365"/>
-            <a:ext cx="8786874" cy="1200329"/>
-          </a:xfrm>
-          <a:prstGeom prst="rect">
-            <a:avLst/>
-          </a:prstGeom>
-        </p:spPr>
-        <p:txBody>
-          <a:bodyPr wrap="square">
-            <a:spAutoFit/>
-          </a:bodyPr>
-          <a:lstStyle/>
-          <a:p>
-            <a:pPr algn="just"/>
-            <a:r>
-              <a:rPr lang="it-IT" sz="2400" dirty="0" smtClean="0"/>
-              <a:t>Il Personale selezionato è abilitato ad inserire degli eventi tramite un apposito </a:t>
-            </a:r>
-            <a:r>
-              <a:rPr lang="it-IT" sz="2400" dirty="0" err="1" smtClean="0"/>
-              <a:t>form</a:t>
-            </a:r>
-            <a:r>
-              <a:rPr lang="it-IT" sz="2400" dirty="0" smtClean="0"/>
-              <a:t>. E’ possibile allegare un file contenente il programma dell’evento.</a:t>
-            </a:r>
-          </a:p>
-        </p:txBody>
-      </p:sp>
-      <p:pic>
-        <p:nvPicPr>
-          <p:cNvPr id="4098" name="Picture 2" descr="C:\Users\Amministratore\Desktop\eventi\inserimento.PNG"/>
-          <p:cNvPicPr>
-            <a:picLocks noChangeAspect="1" noChangeArrowheads="1"/>
-          </p:cNvPicPr>
-          <p:nvPr/>
-        </p:nvPicPr>
-        <p:blipFill>
-          <a:blip r:embed="rId3" cstate="print"/>
-          <a:srcRect/>
-          <a:stretch>
-            <a:fillRect/>
-          </a:stretch>
-        </p:blipFill>
-        <p:spPr bwMode="auto">
-          <a:xfrm>
-            <a:off x="1285852" y="3078521"/>
-            <a:ext cx="7570794" cy="3779479"/>
-          </a:xfrm>
-          <a:prstGeom prst="rect">
-            <a:avLst/>
-          </a:prstGeom>
-          <a:noFill/>
-        </p:spPr>
-      </p:pic>
     </p:spTree>
     <p:extLst>
       <p:ext uri="{BB962C8B-B14F-4D97-AF65-F5344CB8AC3E}">

--- a/trunk/Presentazione/Atsilo2/Luca/Luca_PresentazioneFinale.pptx
+++ b/trunk/Presentazione/Atsilo2/Luca/Luca_PresentazioneFinale.pptx
@@ -453,7 +453,7 @@
     </p:spTree>
     <p:extLst>
       <p:ext uri="{BB962C8B-B14F-4D97-AF65-F5344CB8AC3E}">
-        <p14:creationId xmlns:p14="http://schemas.microsoft.com/office/powerpoint/2010/main" xmlns="" val="2126419590"/>
+        <p14:creationId xmlns="" xmlns:p14="http://schemas.microsoft.com/office/powerpoint/2010/main" val="2126419590"/>
       </p:ext>
     </p:extLst>
   </p:cSld>
@@ -5583,7 +5583,7 @@
     </p:spTree>
     <p:extLst>
       <p:ext uri="{BB962C8B-B14F-4D97-AF65-F5344CB8AC3E}">
-        <p14:creationId xmlns:p14="http://schemas.microsoft.com/office/powerpoint/2010/main" xmlns="" val="155874689"/>
+        <p14:creationId xmlns="" xmlns:p14="http://schemas.microsoft.com/office/powerpoint/2010/main" val="155874689"/>
       </p:ext>
     </p:extLst>
   </p:cSld>
@@ -5591,7 +5591,7 @@
     <a:masterClrMapping/>
   </p:clrMapOvr>
   <mc:AlternateContent xmlns:mc="http://schemas.openxmlformats.org/markup-compatibility/2006">
-    <mc:Choice xmlns:p14="http://schemas.microsoft.com/office/powerpoint/2010/main" xmlns="" Requires="p14">
+    <mc:Choice xmlns="" xmlns:p14="http://schemas.microsoft.com/office/powerpoint/2010/main" Requires="p14">
       <p:transition spd="slow" p14:dur="2000"/>
     </mc:Choice>
     <mc:Fallback>
@@ -5755,7 +5755,7 @@
     </p:spTree>
     <p:extLst>
       <p:ext uri="{BB962C8B-B14F-4D97-AF65-F5344CB8AC3E}">
-        <p14:creationId xmlns="" xmlns:p14="http://schemas.microsoft.com/office/powerpoint/2010/main" val="155874689"/>
+        <p14:creationId xmlns:p14="http://schemas.microsoft.com/office/powerpoint/2010/main" xmlns="" val="155874689"/>
       </p:ext>
     </p:extLst>
   </p:cSld>
@@ -5763,7 +5763,7 @@
     <a:masterClrMapping/>
   </p:clrMapOvr>
   <mc:AlternateContent xmlns:mc="http://schemas.openxmlformats.org/markup-compatibility/2006">
-    <mc:Choice xmlns="" xmlns:p14="http://schemas.microsoft.com/office/powerpoint/2010/main" Requires="p14">
+    <mc:Choice xmlns:p14="http://schemas.microsoft.com/office/powerpoint/2010/main" xmlns="" Requires="p14">
       <p:transition spd="slow" p14:dur="2000"/>
     </mc:Choice>
     <mc:Fallback>
@@ -5945,7 +5945,7 @@
     </p:spTree>
     <p:extLst>
       <p:ext uri="{BB962C8B-B14F-4D97-AF65-F5344CB8AC3E}">
-        <p14:creationId xmlns:p14="http://schemas.microsoft.com/office/powerpoint/2010/main" xmlns="" val="155874689"/>
+        <p14:creationId xmlns="" xmlns:p14="http://schemas.microsoft.com/office/powerpoint/2010/main" val="155874689"/>
       </p:ext>
     </p:extLst>
   </p:cSld>
@@ -5953,7 +5953,7 @@
     <a:masterClrMapping/>
   </p:clrMapOvr>
   <mc:AlternateContent xmlns:mc="http://schemas.openxmlformats.org/markup-compatibility/2006">
-    <mc:Choice xmlns:p14="http://schemas.microsoft.com/office/powerpoint/2010/main" xmlns="" Requires="p14">
+    <mc:Choice xmlns="" xmlns:p14="http://schemas.microsoft.com/office/powerpoint/2010/main" Requires="p14">
       <p:transition spd="slow" p14:dur="2000"/>
     </mc:Choice>
     <mc:Fallback>
@@ -6246,11 +6246,7 @@
             <a:pPr lvl="1"/>
             <a:r>
               <a:rPr lang="it-IT" dirty="0" smtClean="0"/>
-              <a:t>Gestione </a:t>
-            </a:r>
-            <a:r>
-              <a:rPr lang="it-IT" dirty="0" smtClean="0"/>
-              <a:t>dei pagamenti </a:t>
+              <a:t>Gestione dei pagamenti </a:t>
             </a:r>
           </a:p>
         </p:txBody>
@@ -6284,7 +6280,7 @@
     </p:spTree>
     <p:extLst>
       <p:ext uri="{BB962C8B-B14F-4D97-AF65-F5344CB8AC3E}">
-        <p14:creationId xmlns:p14="http://schemas.microsoft.com/office/powerpoint/2010/main" xmlns="" val="155874689"/>
+        <p14:creationId xmlns="" xmlns:p14="http://schemas.microsoft.com/office/powerpoint/2010/main" val="155874689"/>
       </p:ext>
     </p:extLst>
   </p:cSld>
@@ -6292,7 +6288,7 @@
     <a:masterClrMapping/>
   </p:clrMapOvr>
   <mc:AlternateContent xmlns:mc="http://schemas.openxmlformats.org/markup-compatibility/2006">
-    <mc:Choice xmlns:p14="http://schemas.microsoft.com/office/powerpoint/2010/main" xmlns="" Requires="p14">
+    <mc:Choice xmlns="" xmlns:p14="http://schemas.microsoft.com/office/powerpoint/2010/main" Requires="p14">
       <p:transition spd="slow" p14:dur="2000"/>
     </mc:Choice>
     <mc:Fallback>
@@ -6590,11 +6586,7 @@
             <a:pPr lvl="1"/>
             <a:r>
               <a:rPr lang="it-IT" dirty="0" smtClean="0"/>
-              <a:t>Visualizzazione </a:t>
-            </a:r>
-            <a:r>
-              <a:rPr lang="it-IT" dirty="0" smtClean="0"/>
-              <a:t>graduatorie</a:t>
+              <a:t>Visualizzazione graduatorie</a:t>
             </a:r>
           </a:p>
           <a:p>
@@ -6635,7 +6627,7 @@
     </p:spTree>
     <p:extLst>
       <p:ext uri="{BB962C8B-B14F-4D97-AF65-F5344CB8AC3E}">
-        <p14:creationId xmlns:p14="http://schemas.microsoft.com/office/powerpoint/2010/main" xmlns="" val="155874689"/>
+        <p14:creationId xmlns="" xmlns:p14="http://schemas.microsoft.com/office/powerpoint/2010/main" val="155874689"/>
       </p:ext>
     </p:extLst>
   </p:cSld>
@@ -6643,7 +6635,7 @@
     <a:masterClrMapping/>
   </p:clrMapOvr>
   <mc:AlternateContent xmlns:mc="http://schemas.openxmlformats.org/markup-compatibility/2006">
-    <mc:Choice xmlns:p14="http://schemas.microsoft.com/office/powerpoint/2010/main" xmlns="" Requires="p14">
+    <mc:Choice xmlns="" xmlns:p14="http://schemas.microsoft.com/office/powerpoint/2010/main" Requires="p14">
       <p:transition spd="slow" p14:dur="2000"/>
     </mc:Choice>
     <mc:Fallback>
@@ -6780,7 +6772,7 @@
     </p:spTree>
     <p:extLst>
       <p:ext uri="{BB962C8B-B14F-4D97-AF65-F5344CB8AC3E}">
-        <p14:creationId xmlns:p14="http://schemas.microsoft.com/office/powerpoint/2010/main" xmlns="" val="155874689"/>
+        <p14:creationId xmlns="" xmlns:p14="http://schemas.microsoft.com/office/powerpoint/2010/main" val="155874689"/>
       </p:ext>
     </p:extLst>
   </p:cSld>
@@ -6788,7 +6780,7 @@
     <a:masterClrMapping/>
   </p:clrMapOvr>
   <mc:AlternateContent xmlns:mc="http://schemas.openxmlformats.org/markup-compatibility/2006">
-    <mc:Choice xmlns:p14="http://schemas.microsoft.com/office/powerpoint/2010/main" xmlns="" Requires="p14">
+    <mc:Choice xmlns="" xmlns:p14="http://schemas.microsoft.com/office/powerpoint/2010/main" Requires="p14">
       <p:transition spd="slow" p14:dur="2000"/>
     </mc:Choice>
     <mc:Fallback>
@@ -6882,20 +6874,15 @@
             <a:pPr algn="just"/>
             <a:r>
               <a:rPr lang="it-IT" sz="2600" dirty="0" smtClean="0"/>
-              <a:t>Il nostro sistema permette di gestire gli eventi che coinvolgono gli iscritti all’asilo</a:t>
-            </a:r>
-            <a:r>
-              <a:rPr lang="it-IT" sz="2600" dirty="0" smtClean="0"/>
-              <a:t>.</a:t>
-            </a:r>
-            <a:endParaRPr lang="it-IT" sz="2600" dirty="0" smtClean="0"/>
+              <a:t>Il nostro sistema permette di gestire gli eventi che coinvolgono gli iscritti all’asilo.</a:t>
+            </a:r>
           </a:p>
         </p:txBody>
       </p:sp>
     </p:spTree>
     <p:extLst>
       <p:ext uri="{BB962C8B-B14F-4D97-AF65-F5344CB8AC3E}">
-        <p14:creationId xmlns:p14="http://schemas.microsoft.com/office/powerpoint/2010/main" xmlns="" val="155874689"/>
+        <p14:creationId xmlns="" xmlns:p14="http://schemas.microsoft.com/office/powerpoint/2010/main" val="155874689"/>
       </p:ext>
     </p:extLst>
   </p:cSld>
@@ -6903,7 +6890,7 @@
     <a:masterClrMapping/>
   </p:clrMapOvr>
   <mc:AlternateContent xmlns:mc="http://schemas.openxmlformats.org/markup-compatibility/2006">
-    <mc:Choice xmlns:p14="http://schemas.microsoft.com/office/powerpoint/2010/main" xmlns="" Requires="p14">
+    <mc:Choice xmlns="" xmlns:p14="http://schemas.microsoft.com/office/powerpoint/2010/main" Requires="p14">
       <p:transition spd="slow" p14:dur="2000"/>
     </mc:Choice>
     <mc:Fallback>
@@ -7002,7 +6989,7 @@
     </p:spTree>
     <p:extLst>
       <p:ext uri="{BB962C8B-B14F-4D97-AF65-F5344CB8AC3E}">
-        <p14:creationId xmlns:p14="http://schemas.microsoft.com/office/powerpoint/2010/main" xmlns="" val="155874689"/>
+        <p14:creationId xmlns="" xmlns:p14="http://schemas.microsoft.com/office/powerpoint/2010/main" val="155874689"/>
       </p:ext>
     </p:extLst>
   </p:cSld>
@@ -7010,7 +6997,7 @@
     <a:masterClrMapping/>
   </p:clrMapOvr>
   <mc:AlternateContent xmlns:mc="http://schemas.openxmlformats.org/markup-compatibility/2006">
-    <mc:Choice xmlns:p14="http://schemas.microsoft.com/office/powerpoint/2010/main" xmlns="" Requires="p14">
+    <mc:Choice xmlns="" xmlns:p14="http://schemas.microsoft.com/office/powerpoint/2010/main" Requires="p14">
       <p:transition spd="slow" p14:dur="2000"/>
     </mc:Choice>
     <mc:Fallback>
@@ -7053,7 +7040,7 @@
           <p:nvPr/>
         </p:nvPicPr>
         <p:blipFill>
-          <a:blip r:embed="rId3"/>
+          <a:blip r:embed="rId3" cstate="print"/>
           <a:srcRect/>
           <a:stretch>
             <a:fillRect/>
@@ -7079,7 +7066,7 @@
         <p:spPr>
           <a:xfrm>
             <a:off x="785786" y="4643446"/>
-            <a:ext cx="8358214" cy="1938992"/>
+            <a:ext cx="8106694" cy="830997"/>
           </a:xfrm>
           <a:prstGeom prst="rect">
             <a:avLst/>
@@ -7105,13 +7092,36 @@
             </a:r>
             <a:r>
               <a:rPr lang="it-IT" sz="2400" dirty="0" smtClean="0"/>
-              <a:t>per la data selezionata</a:t>
-            </a:r>
-          </a:p>
-          <a:p>
-            <a:pPr algn="just"/>
+              <a:t>per la data </a:t>
+            </a:r>
+            <a:r>
+              <a:rPr lang="it-IT" sz="2400" dirty="0" smtClean="0"/>
+              <a:t>selezionata</a:t>
+            </a:r>
             <a:endParaRPr lang="it-IT" sz="2400" dirty="0" smtClean="0"/>
           </a:p>
+        </p:txBody>
+      </p:sp>
+      <p:sp>
+        <p:nvSpPr>
+          <p:cNvPr id="4" name="Rettangolo 3"/>
+          <p:cNvSpPr/>
+          <p:nvPr/>
+        </p:nvSpPr>
+        <p:spPr>
+          <a:xfrm>
+            <a:off x="785786" y="5661248"/>
+            <a:ext cx="7962678" cy="830997"/>
+          </a:xfrm>
+          <a:prstGeom prst="rect">
+            <a:avLst/>
+          </a:prstGeom>
+        </p:spPr>
+        <p:txBody>
+          <a:bodyPr wrap="square">
+            <a:spAutoFit/>
+          </a:bodyPr>
+          <a:lstStyle/>
           <a:p>
             <a:pPr algn="just">
               <a:buFont typeface="Wingdings" pitchFamily="2" charset="2"/>
@@ -7119,11 +7129,11 @@
             </a:pPr>
             <a:r>
               <a:rPr lang="it-IT" sz="2400" dirty="0" smtClean="0"/>
-              <a:t>L’utente </a:t>
+              <a:t>L’utente può </a:t>
             </a:r>
             <a:r>
               <a:rPr lang="it-IT" sz="2400" dirty="0" smtClean="0"/>
-              <a:t>può selezionare l’evento da modificare </a:t>
+              <a:t>selezionare l’evento da modificare </a:t>
             </a:r>
             <a:r>
               <a:rPr lang="it-IT" sz="2400" b="1" dirty="0" smtClean="0"/>
@@ -7131,20 +7141,15 @@
             </a:r>
             <a:r>
               <a:rPr lang="it-IT" sz="2400" dirty="0" smtClean="0"/>
-              <a:t> se ne è </a:t>
-            </a:r>
-            <a:r>
-              <a:rPr lang="it-IT" sz="2400" dirty="0" smtClean="0"/>
-              <a:t>l’autore</a:t>
-            </a:r>
-            <a:endParaRPr lang="it-IT" sz="2400" dirty="0" smtClean="0"/>
+              <a:t> se ne è l’autore</a:t>
+            </a:r>
           </a:p>
         </p:txBody>
       </p:sp>
     </p:spTree>
     <p:extLst>
       <p:ext uri="{BB962C8B-B14F-4D97-AF65-F5344CB8AC3E}">
-        <p14:creationId xmlns:p14="http://schemas.microsoft.com/office/powerpoint/2010/main" xmlns="" val="155874689"/>
+        <p14:creationId xmlns="" xmlns:p14="http://schemas.microsoft.com/office/powerpoint/2010/main" val="155874689"/>
       </p:ext>
     </p:extLst>
   </p:cSld>
@@ -7152,7 +7157,7 @@
     <a:masterClrMapping/>
   </p:clrMapOvr>
   <mc:AlternateContent xmlns:mc="http://schemas.openxmlformats.org/markup-compatibility/2006">
-    <mc:Choice xmlns:p14="http://schemas.microsoft.com/office/powerpoint/2010/main" xmlns="" Requires="p14">
+    <mc:Choice xmlns="" xmlns:p14="http://schemas.microsoft.com/office/powerpoint/2010/main" Requires="p14">
       <p:transition spd="slow" p14:dur="2000"/>
     </mc:Choice>
     <mc:Fallback>
@@ -7162,9 +7167,142 @@
   <p:timing>
     <p:tnLst>
       <p:par>
-        <p:cTn id="1" dur="indefinite" restart="never" nodeType="tmRoot"/>
+        <p:cTn id="1" dur="indefinite" restart="never" nodeType="tmRoot">
+          <p:childTnLst>
+            <p:seq concurrent="1" nextAc="seek">
+              <p:cTn id="2" dur="indefinite" nodeType="mainSeq">
+                <p:childTnLst>
+                  <p:par>
+                    <p:cTn id="3" fill="hold">
+                      <p:stCondLst>
+                        <p:cond delay="indefinite"/>
+                      </p:stCondLst>
+                      <p:childTnLst>
+                        <p:par>
+                          <p:cTn id="4" fill="hold">
+                            <p:stCondLst>
+                              <p:cond delay="0"/>
+                            </p:stCondLst>
+                            <p:childTnLst>
+                              <p:par>
+                                <p:cTn id="5" presetID="12" presetClass="entr" presetSubtype="4" fill="hold" grpId="0" nodeType="clickEffect">
+                                  <p:stCondLst>
+                                    <p:cond delay="0"/>
+                                  </p:stCondLst>
+                                  <p:childTnLst>
+                                    <p:set>
+                                      <p:cBhvr>
+                                        <p:cTn id="6" dur="1" fill="hold">
+                                          <p:stCondLst>
+                                            <p:cond delay="0"/>
+                                          </p:stCondLst>
+                                        </p:cTn>
+                                        <p:tgtEl>
+                                          <p:spTgt spid="7"/>
+                                        </p:tgtEl>
+                                        <p:attrNameLst>
+                                          <p:attrName>style.visibility</p:attrName>
+                                        </p:attrNameLst>
+                                      </p:cBhvr>
+                                      <p:to>
+                                        <p:strVal val="visible"/>
+                                      </p:to>
+                                    </p:set>
+                                    <p:animEffect transition="in" filter="slide(fromBottom)">
+                                      <p:cBhvr>
+                                        <p:cTn id="7" dur="500"/>
+                                        <p:tgtEl>
+                                          <p:spTgt spid="7"/>
+                                        </p:tgtEl>
+                                      </p:cBhvr>
+                                    </p:animEffect>
+                                  </p:childTnLst>
+                                </p:cTn>
+                              </p:par>
+                            </p:childTnLst>
+                          </p:cTn>
+                        </p:par>
+                      </p:childTnLst>
+                    </p:cTn>
+                  </p:par>
+                  <p:par>
+                    <p:cTn id="8" fill="hold">
+                      <p:stCondLst>
+                        <p:cond delay="indefinite"/>
+                      </p:stCondLst>
+                      <p:childTnLst>
+                        <p:par>
+                          <p:cTn id="9" fill="hold">
+                            <p:stCondLst>
+                              <p:cond delay="0"/>
+                            </p:stCondLst>
+                            <p:childTnLst>
+                              <p:par>
+                                <p:cTn id="10" presetID="12" presetClass="entr" presetSubtype="4" fill="hold" grpId="0" nodeType="clickEffect">
+                                  <p:stCondLst>
+                                    <p:cond delay="0"/>
+                                  </p:stCondLst>
+                                  <p:childTnLst>
+                                    <p:set>
+                                      <p:cBhvr>
+                                        <p:cTn id="11" dur="1" fill="hold">
+                                          <p:stCondLst>
+                                            <p:cond delay="0"/>
+                                          </p:stCondLst>
+                                        </p:cTn>
+                                        <p:tgtEl>
+                                          <p:spTgt spid="4"/>
+                                        </p:tgtEl>
+                                        <p:attrNameLst>
+                                          <p:attrName>style.visibility</p:attrName>
+                                        </p:attrNameLst>
+                                      </p:cBhvr>
+                                      <p:to>
+                                        <p:strVal val="visible"/>
+                                      </p:to>
+                                    </p:set>
+                                    <p:animEffect transition="in" filter="slide(fromBottom)">
+                                      <p:cBhvr>
+                                        <p:cTn id="12" dur="500"/>
+                                        <p:tgtEl>
+                                          <p:spTgt spid="4"/>
+                                        </p:tgtEl>
+                                      </p:cBhvr>
+                                    </p:animEffect>
+                                  </p:childTnLst>
+                                </p:cTn>
+                              </p:par>
+                            </p:childTnLst>
+                          </p:cTn>
+                        </p:par>
+                      </p:childTnLst>
+                    </p:cTn>
+                  </p:par>
+                </p:childTnLst>
+              </p:cTn>
+              <p:prevCondLst>
+                <p:cond evt="onPrev" delay="0">
+                  <p:tgtEl>
+                    <p:sldTgt/>
+                  </p:tgtEl>
+                </p:cond>
+              </p:prevCondLst>
+              <p:nextCondLst>
+                <p:cond evt="onNext" delay="0">
+                  <p:tgtEl>
+                    <p:sldTgt/>
+                  </p:tgtEl>
+                </p:cond>
+              </p:nextCondLst>
+            </p:seq>
+          </p:childTnLst>
+        </p:cTn>
       </p:par>
     </p:tnLst>
+    <p:bldLst>
+      <p:bldP spid="7" grpId="0"/>
+      <p:bldP spid="4" grpId="0"/>
+    </p:bldLst>
   </p:timing>
 </p:sld>
 </file>
@@ -7220,7 +7358,6 @@
               <a:rPr lang="it-IT" sz="2400" dirty="0" smtClean="0"/>
               <a:t>.</a:t>
             </a:r>
-            <a:endParaRPr lang="it-IT" sz="2400" dirty="0" smtClean="0"/>
           </a:p>
         </p:txBody>
       </p:sp>
@@ -7251,7 +7388,6 @@
               <a:rPr lang="it-IT" sz="4800" b="1" dirty="0" smtClean="0"/>
               <a:t>Gestione Eventi</a:t>
             </a:r>
-            <a:endParaRPr lang="it-IT" sz="4800" b="1" dirty="0" smtClean="0"/>
           </a:p>
           <a:p>
             <a:pPr algn="ctr"/>
@@ -7467,34 +7603,20 @@
               </a:rPr>
               <a:t>Pro</a:t>
             </a:r>
-            <a:endParaRPr lang="it-IT" dirty="0" smtClean="0">
-              <a:solidFill>
-                <a:srgbClr val="00B050"/>
-              </a:solidFill>
-            </a:endParaRPr>
           </a:p>
           <a:p>
             <a:pPr lvl="1"/>
             <a:r>
               <a:rPr lang="it-IT" dirty="0" smtClean="0"/>
-              <a:t> </a:t>
-            </a:r>
+              <a:t> Interfacce uniche per ogni tipologia d’utente</a:t>
+            </a:r>
+          </a:p>
+          <a:p>
+            <a:pPr lvl="1"/>
             <a:r>
               <a:rPr lang="it-IT" dirty="0" smtClean="0"/>
-              <a:t>Interfacce uniche per ogni tipologia d’utente</a:t>
-            </a:r>
-          </a:p>
-          <a:p>
-            <a:pPr lvl="1"/>
-            <a:r>
-              <a:rPr lang="it-IT" dirty="0" smtClean="0"/>
-              <a:t> </a:t>
-            </a:r>
-            <a:r>
-              <a:rPr lang="it-IT" dirty="0" smtClean="0"/>
-              <a:t>Input controllati</a:t>
-            </a:r>
-            <a:endParaRPr lang="it-IT" dirty="0" smtClean="0"/>
+              <a:t> Input controllati</a:t>
+            </a:r>
           </a:p>
           <a:p>
             <a:pPr lvl="1"/>
@@ -7502,14 +7624,13 @@
               <a:rPr lang="it-IT" dirty="0" smtClean="0"/>
               <a:t> Minore possibilità di introdurre errori</a:t>
             </a:r>
-            <a:endParaRPr lang="it-IT" dirty="0" smtClean="0"/>
           </a:p>
         </p:txBody>
       </p:sp>
     </p:spTree>
     <p:extLst>
       <p:ext uri="{BB962C8B-B14F-4D97-AF65-F5344CB8AC3E}">
-        <p14:creationId xmlns="" xmlns:p14="http://schemas.microsoft.com/office/powerpoint/2010/main" val="155874689"/>
+        <p14:creationId xmlns:p14="http://schemas.microsoft.com/office/powerpoint/2010/main" xmlns="" val="155874689"/>
       </p:ext>
     </p:extLst>
   </p:cSld>
@@ -7517,7 +7638,7 @@
     <a:masterClrMapping/>
   </p:clrMapOvr>
   <mc:AlternateContent xmlns:mc="http://schemas.openxmlformats.org/markup-compatibility/2006">
-    <mc:Choice xmlns="" xmlns:p14="http://schemas.microsoft.com/office/powerpoint/2010/main" Requires="p14">
+    <mc:Choice xmlns:p14="http://schemas.microsoft.com/office/powerpoint/2010/main" xmlns="" Requires="p14">
       <p:transition spd="slow" p14:dur="2000"/>
     </mc:Choice>
     <mc:Fallback>
@@ -7739,35 +7860,20 @@
               </a:rPr>
               <a:t>Contro</a:t>
             </a:r>
-            <a:endParaRPr lang="it-IT" dirty="0" smtClean="0">
-              <a:solidFill>
-                <a:srgbClr val="FF0000"/>
-              </a:solidFill>
-            </a:endParaRPr>
           </a:p>
           <a:p>
             <a:pPr lvl="1"/>
             <a:r>
               <a:rPr lang="it-IT" dirty="0" smtClean="0"/>
-              <a:t> </a:t>
-            </a:r>
+              <a:t> Difficile da gestire</a:t>
+            </a:r>
+          </a:p>
+          <a:p>
+            <a:pPr lvl="1"/>
             <a:r>
               <a:rPr lang="it-IT" dirty="0" smtClean="0"/>
-              <a:t>Difficile da gestire</a:t>
-            </a:r>
-            <a:endParaRPr lang="it-IT" dirty="0" smtClean="0"/>
-          </a:p>
-          <a:p>
-            <a:pPr lvl="1"/>
-            <a:r>
-              <a:rPr lang="it-IT" dirty="0" smtClean="0"/>
-              <a:t> </a:t>
-            </a:r>
-            <a:r>
-              <a:rPr lang="it-IT" dirty="0" smtClean="0"/>
-              <a:t>Introduzione di controlli </a:t>
-            </a:r>
-            <a:endParaRPr lang="it-IT" dirty="0" smtClean="0"/>
+              <a:t> Introduzione di controlli </a:t>
+            </a:r>
           </a:p>
           <a:p>
             <a:pPr lvl="1"/>
@@ -7775,7 +7881,6 @@
               <a:rPr lang="it-IT" dirty="0" smtClean="0"/>
               <a:t> Difficoltà nell’aggiunta di nuove tipologie d’utenti</a:t>
             </a:r>
-            <a:endParaRPr lang="it-IT" dirty="0" smtClean="0"/>
           </a:p>
         </p:txBody>
       </p:sp>
@@ -7818,7 +7923,7 @@
     </p:spTree>
     <p:extLst>
       <p:ext uri="{BB962C8B-B14F-4D97-AF65-F5344CB8AC3E}">
-        <p14:creationId xmlns="" xmlns:p14="http://schemas.microsoft.com/office/powerpoint/2010/main" val="155874689"/>
+        <p14:creationId xmlns:p14="http://schemas.microsoft.com/office/powerpoint/2010/main" xmlns="" val="155874689"/>
       </p:ext>
     </p:extLst>
   </p:cSld>
@@ -7826,7 +7931,7 @@
     <a:masterClrMapping/>
   </p:clrMapOvr>
   <mc:AlternateContent xmlns:mc="http://schemas.openxmlformats.org/markup-compatibility/2006">
-    <mc:Choice xmlns="" xmlns:p14="http://schemas.microsoft.com/office/powerpoint/2010/main" Requires="p14">
+    <mc:Choice xmlns:p14="http://schemas.microsoft.com/office/powerpoint/2010/main" xmlns="" Requires="p14">
       <p:transition spd="slow" p14:dur="2000"/>
     </mc:Choice>
     <mc:Fallback>
